--- a/images/theory_analysis/Git_Flow/Git_Flow.pptx
+++ b/images/theory_analysis/Git_Flow/Git_Flow.pptx
@@ -5,10 +5,12 @@
     <p:sldMasterId id="2147483648" r:id="rId1"/>
   </p:sldMasterIdLst>
   <p:notesMasterIdLst>
-    <p:notesMasterId r:id="rId3"/>
+    <p:notesMasterId r:id="rId5"/>
   </p:notesMasterIdLst>
   <p:sldIdLst>
     <p:sldId id="362" r:id="rId2"/>
+    <p:sldId id="364" r:id="rId3"/>
+    <p:sldId id="363" r:id="rId4"/>
   </p:sldIdLst>
   <p:sldSz cx="9144000" cy="7307263"/>
   <p:notesSz cx="6858000" cy="9144000"/>
@@ -213,7 +215,7 @@
           <a:p>
             <a:fld id="{6CD5550B-26C4-49A9-A5BA-636EF7BE6CE9}" type="datetimeFigureOut">
               <a:rPr lang="ko-KR" altLang="en-US" smtClean="0"/>
-              <a:t>2021-02-22</a:t>
+              <a:t>2021-02-23</a:t>
             </a:fld>
             <a:endParaRPr lang="ko-KR" altLang="en-US"/>
           </a:p>
@@ -659,7 +661,7 @@
           <a:p>
             <a:fld id="{FB30EDBD-1C2D-4C1E-B459-B60219FAB484}" type="datetimeFigureOut">
               <a:rPr lang="ko-KR" altLang="en-US" smtClean="0"/>
-              <a:t>2021-02-22</a:t>
+              <a:t>2021-02-23</a:t>
             </a:fld>
             <a:endParaRPr lang="ko-KR" altLang="en-US"/>
           </a:p>
@@ -822,7 +824,7 @@
           <a:p>
             <a:fld id="{FB30EDBD-1C2D-4C1E-B459-B60219FAB484}" type="datetimeFigureOut">
               <a:rPr lang="ko-KR" altLang="en-US" smtClean="0"/>
-              <a:t>2021-02-22</a:t>
+              <a:t>2021-02-23</a:t>
             </a:fld>
             <a:endParaRPr lang="ko-KR" altLang="en-US"/>
           </a:p>
@@ -995,7 +997,7 @@
           <a:p>
             <a:fld id="{FB30EDBD-1C2D-4C1E-B459-B60219FAB484}" type="datetimeFigureOut">
               <a:rPr lang="ko-KR" altLang="en-US" smtClean="0"/>
-              <a:t>2021-02-22</a:t>
+              <a:t>2021-02-23</a:t>
             </a:fld>
             <a:endParaRPr lang="ko-KR" altLang="en-US"/>
           </a:p>
@@ -1158,7 +1160,7 @@
           <a:p>
             <a:fld id="{FB30EDBD-1C2D-4C1E-B459-B60219FAB484}" type="datetimeFigureOut">
               <a:rPr lang="ko-KR" altLang="en-US" smtClean="0"/>
-              <a:t>2021-02-22</a:t>
+              <a:t>2021-02-23</a:t>
             </a:fld>
             <a:endParaRPr lang="ko-KR" altLang="en-US"/>
           </a:p>
@@ -1398,7 +1400,7 @@
           <a:p>
             <a:fld id="{FB30EDBD-1C2D-4C1E-B459-B60219FAB484}" type="datetimeFigureOut">
               <a:rPr lang="ko-KR" altLang="en-US" smtClean="0"/>
-              <a:t>2021-02-22</a:t>
+              <a:t>2021-02-23</a:t>
             </a:fld>
             <a:endParaRPr lang="ko-KR" altLang="en-US"/>
           </a:p>
@@ -1678,7 +1680,7 @@
           <a:p>
             <a:fld id="{FB30EDBD-1C2D-4C1E-B459-B60219FAB484}" type="datetimeFigureOut">
               <a:rPr lang="ko-KR" altLang="en-US" smtClean="0"/>
-              <a:t>2021-02-22</a:t>
+              <a:t>2021-02-23</a:t>
             </a:fld>
             <a:endParaRPr lang="ko-KR" altLang="en-US"/>
           </a:p>
@@ -2092,7 +2094,7 @@
           <a:p>
             <a:fld id="{FB30EDBD-1C2D-4C1E-B459-B60219FAB484}" type="datetimeFigureOut">
               <a:rPr lang="ko-KR" altLang="en-US" smtClean="0"/>
-              <a:t>2021-02-22</a:t>
+              <a:t>2021-02-23</a:t>
             </a:fld>
             <a:endParaRPr lang="ko-KR" altLang="en-US"/>
           </a:p>
@@ -2204,7 +2206,7 @@
           <a:p>
             <a:fld id="{FB30EDBD-1C2D-4C1E-B459-B60219FAB484}" type="datetimeFigureOut">
               <a:rPr lang="ko-KR" altLang="en-US" smtClean="0"/>
-              <a:t>2021-02-22</a:t>
+              <a:t>2021-02-23</a:t>
             </a:fld>
             <a:endParaRPr lang="ko-KR" altLang="en-US"/>
           </a:p>
@@ -2294,7 +2296,7 @@
           <a:p>
             <a:fld id="{FB30EDBD-1C2D-4C1E-B459-B60219FAB484}" type="datetimeFigureOut">
               <a:rPr lang="ko-KR" altLang="en-US" smtClean="0"/>
-              <a:t>2021-02-22</a:t>
+              <a:t>2021-02-23</a:t>
             </a:fld>
             <a:endParaRPr lang="ko-KR" altLang="en-US"/>
           </a:p>
@@ -2564,7 +2566,7 @@
           <a:p>
             <a:fld id="{FB30EDBD-1C2D-4C1E-B459-B60219FAB484}" type="datetimeFigureOut">
               <a:rPr lang="ko-KR" altLang="en-US" smtClean="0"/>
-              <a:t>2021-02-22</a:t>
+              <a:t>2021-02-23</a:t>
             </a:fld>
             <a:endParaRPr lang="ko-KR" altLang="en-US"/>
           </a:p>
@@ -2811,7 +2813,7 @@
           <a:p>
             <a:fld id="{FB30EDBD-1C2D-4C1E-B459-B60219FAB484}" type="datetimeFigureOut">
               <a:rPr lang="ko-KR" altLang="en-US" smtClean="0"/>
-              <a:t>2021-02-22</a:t>
+              <a:t>2021-02-23</a:t>
             </a:fld>
             <a:endParaRPr lang="ko-KR" altLang="en-US"/>
           </a:p>
@@ -3017,7 +3019,7 @@
           <a:p>
             <a:fld id="{FB30EDBD-1C2D-4C1E-B459-B60219FAB484}" type="datetimeFigureOut">
               <a:rPr lang="ko-KR" altLang="en-US" smtClean="0"/>
-              <a:t>2021-02-22</a:t>
+              <a:t>2021-02-23</a:t>
             </a:fld>
             <a:endParaRPr lang="ko-KR" altLang="en-US"/>
           </a:p>
@@ -3389,6 +3391,191 @@
       </p:grpSpPr>
       <p:sp>
         <p:nvSpPr>
+          <p:cNvPr id="286" name="TextBox 285">
+            <a:extLst>
+              <a:ext uri="{FF2B5EF4-FFF2-40B4-BE49-F238E27FC236}">
+                <a16:creationId xmlns:a16="http://schemas.microsoft.com/office/drawing/2014/main" id="{51EEC71A-86D3-433B-8423-A53283B6AE9E}"/>
+              </a:ext>
+            </a:extLst>
+          </p:cNvPr>
+          <p:cNvSpPr txBox="1"/>
+          <p:nvPr/>
+        </p:nvSpPr>
+        <p:spPr>
+          <a:xfrm>
+            <a:off x="7709159" y="742831"/>
+            <a:ext cx="1111313" cy="276999"/>
+          </a:xfrm>
+          <a:prstGeom prst="rect">
+            <a:avLst/>
+          </a:prstGeom>
+          <a:noFill/>
+        </p:spPr>
+        <p:txBody>
+          <a:bodyPr wrap="square" rtlCol="0">
+            <a:spAutoFit/>
+          </a:bodyPr>
+          <a:lstStyle/>
+          <a:p>
+            <a:pPr algn="ctr"/>
+            <a:r>
+              <a:rPr lang="en-US" altLang="ko-KR" sz="1200"/>
+              <a:t>tag v0.1</a:t>
+            </a:r>
+            <a:endParaRPr lang="ko-KR" altLang="en-US" sz="1200"/>
+          </a:p>
+        </p:txBody>
+      </p:sp>
+      <p:sp>
+        <p:nvSpPr>
+          <p:cNvPr id="287" name="TextBox 286">
+            <a:extLst>
+              <a:ext uri="{FF2B5EF4-FFF2-40B4-BE49-F238E27FC236}">
+                <a16:creationId xmlns:a16="http://schemas.microsoft.com/office/drawing/2014/main" id="{9E229403-0231-4B76-A67C-DC79ADCE1EE1}"/>
+              </a:ext>
+            </a:extLst>
+          </p:cNvPr>
+          <p:cNvSpPr txBox="1"/>
+          <p:nvPr/>
+        </p:nvSpPr>
+        <p:spPr>
+          <a:xfrm>
+            <a:off x="7781167" y="2072818"/>
+            <a:ext cx="1111313" cy="276999"/>
+          </a:xfrm>
+          <a:prstGeom prst="rect">
+            <a:avLst/>
+          </a:prstGeom>
+          <a:noFill/>
+        </p:spPr>
+        <p:txBody>
+          <a:bodyPr wrap="square" rtlCol="0">
+            <a:spAutoFit/>
+          </a:bodyPr>
+          <a:lstStyle/>
+          <a:p>
+            <a:pPr algn="ctr"/>
+            <a:r>
+              <a:rPr lang="en-US" altLang="ko-KR" sz="1200"/>
+              <a:t>tag v0.1.1</a:t>
+            </a:r>
+            <a:endParaRPr lang="ko-KR" altLang="en-US" sz="1200"/>
+          </a:p>
+        </p:txBody>
+      </p:sp>
+      <p:sp>
+        <p:nvSpPr>
+          <p:cNvPr id="99" name="TextBox 98">
+            <a:extLst>
+              <a:ext uri="{FF2B5EF4-FFF2-40B4-BE49-F238E27FC236}">
+                <a16:creationId xmlns:a16="http://schemas.microsoft.com/office/drawing/2014/main" id="{5BFEB4F9-536C-4937-A076-A2D3AAF4962E}"/>
+              </a:ext>
+            </a:extLst>
+          </p:cNvPr>
+          <p:cNvSpPr txBox="1"/>
+          <p:nvPr/>
+        </p:nvSpPr>
+        <p:spPr>
+          <a:xfrm>
+            <a:off x="7709159" y="4138440"/>
+            <a:ext cx="1111313" cy="276999"/>
+          </a:xfrm>
+          <a:prstGeom prst="rect">
+            <a:avLst/>
+          </a:prstGeom>
+          <a:noFill/>
+        </p:spPr>
+        <p:txBody>
+          <a:bodyPr wrap="square" rtlCol="0">
+            <a:spAutoFit/>
+          </a:bodyPr>
+          <a:lstStyle/>
+          <a:p>
+            <a:pPr algn="ctr"/>
+            <a:r>
+              <a:rPr lang="en-US" altLang="ko-KR" sz="1200"/>
+              <a:t>tag v1.0</a:t>
+            </a:r>
+            <a:endParaRPr lang="ko-KR" altLang="en-US" sz="1200"/>
+          </a:p>
+        </p:txBody>
+      </p:sp>
+      <p:sp>
+        <p:nvSpPr>
+          <p:cNvPr id="204" name="TextBox 203">
+            <a:extLst>
+              <a:ext uri="{FF2B5EF4-FFF2-40B4-BE49-F238E27FC236}">
+                <a16:creationId xmlns:a16="http://schemas.microsoft.com/office/drawing/2014/main" id="{F9F95F58-29F3-48B7-A762-F16F85756BBE}"/>
+              </a:ext>
+            </a:extLst>
+          </p:cNvPr>
+          <p:cNvSpPr txBox="1"/>
+          <p:nvPr/>
+        </p:nvSpPr>
+        <p:spPr>
+          <a:xfrm>
+            <a:off x="7709159" y="6761008"/>
+            <a:ext cx="1111313" cy="276999"/>
+          </a:xfrm>
+          <a:prstGeom prst="rect">
+            <a:avLst/>
+          </a:prstGeom>
+          <a:noFill/>
+        </p:spPr>
+        <p:txBody>
+          <a:bodyPr wrap="square" rtlCol="0">
+            <a:spAutoFit/>
+          </a:bodyPr>
+          <a:lstStyle/>
+          <a:p>
+            <a:pPr algn="ctr"/>
+            <a:r>
+              <a:rPr lang="en-US" altLang="ko-KR" sz="1200"/>
+              <a:t>tag v1.1</a:t>
+            </a:r>
+            <a:endParaRPr lang="ko-KR" altLang="en-US" sz="1200"/>
+          </a:p>
+        </p:txBody>
+      </p:sp>
+      <p:sp>
+        <p:nvSpPr>
+          <p:cNvPr id="291" name="TextBox 290">
+            <a:extLst>
+              <a:ext uri="{FF2B5EF4-FFF2-40B4-BE49-F238E27FC236}">
+                <a16:creationId xmlns:a16="http://schemas.microsoft.com/office/drawing/2014/main" id="{BA64F02C-4FAC-457F-9896-64E1273C2DE5}"/>
+              </a:ext>
+            </a:extLst>
+          </p:cNvPr>
+          <p:cNvSpPr txBox="1"/>
+          <p:nvPr/>
+        </p:nvSpPr>
+        <p:spPr>
+          <a:xfrm>
+            <a:off x="274380" y="1967830"/>
+            <a:ext cx="1111313" cy="461665"/>
+          </a:xfrm>
+          <a:prstGeom prst="rect">
+            <a:avLst/>
+          </a:prstGeom>
+          <a:noFill/>
+        </p:spPr>
+        <p:txBody>
+          <a:bodyPr wrap="square" rtlCol="0">
+            <a:spAutoFit/>
+          </a:bodyPr>
+          <a:lstStyle/>
+          <a:p>
+            <a:pPr algn="ctr"/>
+            <a:r>
+              <a:rPr lang="en-US" altLang="ko-KR" sz="1200"/>
+              <a:t>major feature a</a:t>
+            </a:r>
+            <a:endParaRPr lang="ko-KR" altLang="en-US" sz="1200"/>
+          </a:p>
+        </p:txBody>
+      </p:sp>
+      <p:sp>
+        <p:nvSpPr>
           <p:cNvPr id="2" name="제목 1">
             <a:extLst>
               <a:ext uri="{FF2B5EF4-FFF2-40B4-BE49-F238E27FC236}">
@@ -3440,13 +3627,19 @@
         </p:nvCxnSpPr>
         <p:spPr>
           <a:xfrm>
-            <a:off x="7328712" y="690270"/>
-            <a:ext cx="0" cy="5915689"/>
+            <a:off x="7783620" y="690270"/>
+            <a:ext cx="0" cy="6419745"/>
           </a:xfrm>
           <a:prstGeom prst="line">
             <a:avLst/>
           </a:prstGeom>
-          <a:ln w="19050"/>
+          <a:ln w="19050">
+            <a:solidFill>
+              <a:schemeClr val="bg1">
+                <a:lumMod val="75000"/>
+              </a:schemeClr>
+            </a:solidFill>
+          </a:ln>
         </p:spPr>
         <p:style>
           <a:lnRef idx="1">
@@ -3477,7 +3670,7 @@
         </p:nvSpPr>
         <p:spPr>
           <a:xfrm>
-            <a:off x="6773055" y="413271"/>
+            <a:off x="7227963" y="413271"/>
             <a:ext cx="1111313" cy="276999"/>
           </a:xfrm>
           <a:prstGeom prst="rect">
@@ -3514,7 +3707,7 @@
         </p:nvSpPr>
         <p:spPr>
           <a:xfrm>
-            <a:off x="5661740" y="413271"/>
+            <a:off x="6116648" y="413271"/>
             <a:ext cx="1111313" cy="276999"/>
           </a:xfrm>
           <a:prstGeom prst="rect">
@@ -3531,7 +3724,7 @@
             <a:pPr algn="ctr"/>
             <a:r>
               <a:rPr lang="en-US" altLang="ko-KR" sz="1200"/>
-              <a:t>hotfix-0.2</a:t>
+              <a:t>hotfix-0.1.1</a:t>
             </a:r>
             <a:endParaRPr lang="ko-KR" altLang="en-US" sz="1200"/>
           </a:p>
@@ -3551,7 +3744,7 @@
         </p:nvSpPr>
         <p:spPr>
           <a:xfrm>
-            <a:off x="4550427" y="413271"/>
+            <a:off x="4028416" y="413271"/>
             <a:ext cx="1111313" cy="276999"/>
           </a:xfrm>
           <a:prstGeom prst="rect">
@@ -3588,7 +3781,7 @@
         </p:nvSpPr>
         <p:spPr>
           <a:xfrm>
-            <a:off x="3434290" y="413271"/>
+            <a:off x="2912279" y="413271"/>
             <a:ext cx="1111313" cy="276999"/>
           </a:xfrm>
           <a:prstGeom prst="rect">
@@ -3625,7 +3818,7 @@
         </p:nvSpPr>
         <p:spPr>
           <a:xfrm>
-            <a:off x="2322977" y="413271"/>
+            <a:off x="1800966" y="413271"/>
             <a:ext cx="1111313" cy="276999"/>
           </a:xfrm>
           <a:prstGeom prst="rect">
@@ -3662,7 +3855,7 @@
         </p:nvSpPr>
         <p:spPr>
           <a:xfrm>
-            <a:off x="1206840" y="413271"/>
+            <a:off x="684829" y="413271"/>
             <a:ext cx="1111313" cy="276999"/>
           </a:xfrm>
           <a:prstGeom prst="rect">
@@ -3702,13 +3895,19 @@
         </p:nvCxnSpPr>
         <p:spPr>
           <a:xfrm>
-            <a:off x="6217397" y="690270"/>
-            <a:ext cx="0" cy="5915689"/>
+            <a:off x="6672305" y="690270"/>
+            <a:ext cx="0" cy="6419745"/>
           </a:xfrm>
           <a:prstGeom prst="line">
             <a:avLst/>
           </a:prstGeom>
-          <a:ln w="19050"/>
+          <a:ln w="19050">
+            <a:solidFill>
+              <a:schemeClr val="bg1">
+                <a:lumMod val="75000"/>
+              </a:schemeClr>
+            </a:solidFill>
+          </a:ln>
         </p:spPr>
         <p:style>
           <a:lnRef idx="1">
@@ -3741,13 +3940,19 @@
         </p:nvCxnSpPr>
         <p:spPr>
           <a:xfrm>
-            <a:off x="5106084" y="698022"/>
-            <a:ext cx="0" cy="5907937"/>
+            <a:off x="4584073" y="698022"/>
+            <a:ext cx="0" cy="6411993"/>
           </a:xfrm>
           <a:prstGeom prst="line">
             <a:avLst/>
           </a:prstGeom>
-          <a:ln w="19050"/>
+          <a:ln w="19050">
+            <a:solidFill>
+              <a:schemeClr val="bg1">
+                <a:lumMod val="75000"/>
+              </a:schemeClr>
+            </a:solidFill>
+          </a:ln>
         </p:spPr>
         <p:style>
           <a:lnRef idx="1">
@@ -3780,13 +3985,19 @@
         </p:nvCxnSpPr>
         <p:spPr>
           <a:xfrm>
-            <a:off x="3994770" y="698022"/>
-            <a:ext cx="0" cy="5907937"/>
+            <a:off x="3472759" y="698022"/>
+            <a:ext cx="0" cy="6411993"/>
           </a:xfrm>
           <a:prstGeom prst="line">
             <a:avLst/>
           </a:prstGeom>
-          <a:ln w="19050"/>
+          <a:ln w="19050">
+            <a:solidFill>
+              <a:schemeClr val="bg1">
+                <a:lumMod val="75000"/>
+              </a:schemeClr>
+            </a:solidFill>
+          </a:ln>
         </p:spPr>
         <p:style>
           <a:lnRef idx="1">
@@ -3819,13 +4030,19 @@
         </p:nvCxnSpPr>
         <p:spPr>
           <a:xfrm>
-            <a:off x="2878633" y="698022"/>
-            <a:ext cx="0" cy="5907937"/>
+            <a:off x="2356622" y="698022"/>
+            <a:ext cx="0" cy="6411993"/>
           </a:xfrm>
           <a:prstGeom prst="line">
             <a:avLst/>
           </a:prstGeom>
-          <a:ln w="19050"/>
+          <a:ln w="19050">
+            <a:solidFill>
+              <a:schemeClr val="bg1">
+                <a:lumMod val="75000"/>
+              </a:schemeClr>
+            </a:solidFill>
+          </a:ln>
         </p:spPr>
         <p:style>
           <a:lnRef idx="1">
@@ -3858,13 +4075,19 @@
         </p:nvCxnSpPr>
         <p:spPr>
           <a:xfrm>
-            <a:off x="1767320" y="698022"/>
-            <a:ext cx="0" cy="5907937"/>
+            <a:off x="1245309" y="698022"/>
+            <a:ext cx="0" cy="6411993"/>
           </a:xfrm>
           <a:prstGeom prst="line">
             <a:avLst/>
           </a:prstGeom>
-          <a:ln w="19050"/>
+          <a:ln w="19050">
+            <a:solidFill>
+              <a:schemeClr val="bg1">
+                <a:lumMod val="75000"/>
+              </a:schemeClr>
+            </a:solidFill>
+          </a:ln>
         </p:spPr>
         <p:style>
           <a:lnRef idx="1">
@@ -3895,7 +4118,7 @@
         </p:nvSpPr>
         <p:spPr>
           <a:xfrm>
-            <a:off x="7217676" y="783387"/>
+            <a:off x="7672584" y="783387"/>
             <a:ext cx="222070" cy="222070"/>
           </a:xfrm>
           <a:prstGeom prst="ellipse">
@@ -3939,7 +4162,7 @@
         </p:nvSpPr>
         <p:spPr>
           <a:xfrm>
-            <a:off x="3883736" y="1259303"/>
+            <a:off x="3361725" y="1259303"/>
             <a:ext cx="222070" cy="222070"/>
           </a:xfrm>
           <a:prstGeom prst="ellipse">
@@ -3983,7 +4206,7 @@
         </p:nvSpPr>
         <p:spPr>
           <a:xfrm>
-            <a:off x="3883736" y="1652187"/>
+            <a:off x="3361725" y="1652187"/>
             <a:ext cx="222070" cy="222070"/>
           </a:xfrm>
           <a:prstGeom prst="ellipse">
@@ -4027,7 +4250,7 @@
         </p:nvSpPr>
         <p:spPr>
           <a:xfrm>
-            <a:off x="1651462" y="2073557"/>
+            <a:off x="1136175" y="2073557"/>
             <a:ext cx="222070" cy="222070"/>
           </a:xfrm>
           <a:prstGeom prst="ellipse">
@@ -4071,7 +4294,7 @@
         </p:nvSpPr>
         <p:spPr>
           <a:xfrm>
-            <a:off x="2769302" y="2114314"/>
+            <a:off x="2247291" y="2114314"/>
             <a:ext cx="222070" cy="222070"/>
           </a:xfrm>
           <a:prstGeom prst="ellipse">
@@ -4118,7 +4341,7 @@
         </p:nvCxnSpPr>
         <p:spPr>
           <a:xfrm>
-            <a:off x="3994771" y="1481372"/>
+            <a:off x="3472760" y="1481372"/>
             <a:ext cx="0" cy="170815"/>
           </a:xfrm>
           <a:prstGeom prst="straightConnector1">
@@ -4165,8 +4388,8 @@
         </p:nvCxnSpPr>
         <p:spPr>
           <a:xfrm flipH="1">
-            <a:off x="1762497" y="1874257"/>
-            <a:ext cx="2232275" cy="199301"/>
+            <a:off x="1247210" y="1874257"/>
+            <a:ext cx="2225550" cy="199300"/>
           </a:xfrm>
           <a:prstGeom prst="straightConnector1">
             <a:avLst/>
@@ -4212,7 +4435,7 @@
         </p:nvCxnSpPr>
         <p:spPr>
           <a:xfrm flipH="1">
-            <a:off x="2880337" y="1874257"/>
+            <a:off x="2358326" y="1874257"/>
             <a:ext cx="1114434" cy="240058"/>
           </a:xfrm>
           <a:prstGeom prst="straightConnector1">
@@ -4259,8 +4482,8 @@
         </p:nvCxnSpPr>
         <p:spPr>
           <a:xfrm flipH="1">
-            <a:off x="3994772" y="1005456"/>
-            <a:ext cx="3333939" cy="253847"/>
+            <a:off x="3472760" y="1005457"/>
+            <a:ext cx="4310859" cy="253846"/>
           </a:xfrm>
           <a:prstGeom prst="straightConnector1">
             <a:avLst/>
@@ -4302,7 +4525,7 @@
         </p:nvSpPr>
         <p:spPr>
           <a:xfrm>
-            <a:off x="6106362" y="1458755"/>
+            <a:off x="6561270" y="1458755"/>
             <a:ext cx="222070" cy="222070"/>
           </a:xfrm>
           <a:prstGeom prst="ellipse">
@@ -4350,7 +4573,7 @@
         </p:nvCxnSpPr>
         <p:spPr>
           <a:xfrm flipH="1">
-            <a:off x="6217398" y="1005456"/>
+            <a:off x="6672306" y="1005456"/>
             <a:ext cx="1111313" cy="453298"/>
           </a:xfrm>
           <a:prstGeom prst="straightConnector1">
@@ -4393,7 +4616,7 @@
         </p:nvSpPr>
         <p:spPr>
           <a:xfrm>
-            <a:off x="2769302" y="2484431"/>
+            <a:off x="2247291" y="2484431"/>
             <a:ext cx="222070" cy="222070"/>
           </a:xfrm>
           <a:prstGeom prst="ellipse">
@@ -4441,7 +4664,7 @@
         </p:nvCxnSpPr>
         <p:spPr>
           <a:xfrm>
-            <a:off x="2880336" y="2336384"/>
+            <a:off x="2358325" y="2336384"/>
             <a:ext cx="0" cy="148047"/>
           </a:xfrm>
           <a:prstGeom prst="straightConnector1">
@@ -4484,7 +4707,7 @@
         </p:nvSpPr>
         <p:spPr>
           <a:xfrm>
-            <a:off x="3883736" y="2854546"/>
+            <a:off x="3361725" y="2854546"/>
             <a:ext cx="222070" cy="222070"/>
           </a:xfrm>
           <a:prstGeom prst="ellipse">
@@ -4532,7 +4755,7 @@
         </p:nvCxnSpPr>
         <p:spPr>
           <a:xfrm>
-            <a:off x="2880337" y="2706500"/>
+            <a:off x="2358326" y="2706500"/>
             <a:ext cx="1114434" cy="148047"/>
           </a:xfrm>
           <a:prstGeom prst="straightConnector1">
@@ -4575,7 +4798,7 @@
         </p:nvSpPr>
         <p:spPr>
           <a:xfrm>
-            <a:off x="3883736" y="2096326"/>
+            <a:off x="3361725" y="2096326"/>
             <a:ext cx="222070" cy="222070"/>
           </a:xfrm>
           <a:prstGeom prst="ellipse">
@@ -4623,7 +4846,7 @@
         </p:nvCxnSpPr>
         <p:spPr>
           <a:xfrm>
-            <a:off x="3994771" y="1874256"/>
+            <a:off x="3472760" y="1874256"/>
             <a:ext cx="0" cy="222070"/>
           </a:xfrm>
           <a:prstGeom prst="straightConnector1">
@@ -4666,7 +4889,7 @@
         </p:nvSpPr>
         <p:spPr>
           <a:xfrm>
-            <a:off x="3883736" y="2489211"/>
+            <a:off x="3361725" y="2489211"/>
             <a:ext cx="222070" cy="222070"/>
           </a:xfrm>
           <a:prstGeom prst="ellipse">
@@ -4714,7 +4937,7 @@
         </p:nvCxnSpPr>
         <p:spPr>
           <a:xfrm>
-            <a:off x="3994771" y="2318396"/>
+            <a:off x="3472760" y="2318396"/>
             <a:ext cx="0" cy="170815"/>
           </a:xfrm>
           <a:prstGeom prst="straightConnector1">
@@ -4761,7 +4984,7 @@
         </p:nvCxnSpPr>
         <p:spPr>
           <a:xfrm>
-            <a:off x="3994771" y="2711280"/>
+            <a:off x="3472760" y="2711280"/>
             <a:ext cx="0" cy="143266"/>
           </a:xfrm>
           <a:prstGeom prst="straightConnector1">
@@ -4804,7 +5027,7 @@
         </p:nvSpPr>
         <p:spPr>
           <a:xfrm>
-            <a:off x="4995050" y="3224662"/>
+            <a:off x="4473039" y="3224662"/>
             <a:ext cx="222070" cy="222070"/>
           </a:xfrm>
           <a:prstGeom prst="ellipse">
@@ -4852,7 +5075,7 @@
         </p:nvCxnSpPr>
         <p:spPr>
           <a:xfrm>
-            <a:off x="3994771" y="3076616"/>
+            <a:off x="3472760" y="3076616"/>
             <a:ext cx="1111313" cy="148047"/>
           </a:xfrm>
           <a:prstGeom prst="straightConnector1">
@@ -4899,8 +5122,8 @@
         </p:nvCxnSpPr>
         <p:spPr>
           <a:xfrm flipH="1">
-            <a:off x="3994772" y="1680823"/>
-            <a:ext cx="2222626" cy="808387"/>
+            <a:off x="3472760" y="1680825"/>
+            <a:ext cx="3199545" cy="808386"/>
           </a:xfrm>
           <a:prstGeom prst="straightConnector1">
             <a:avLst/>
@@ -4942,7 +5165,7 @@
         </p:nvSpPr>
         <p:spPr>
           <a:xfrm>
-            <a:off x="7217676" y="2092662"/>
+            <a:off x="7672584" y="2092662"/>
             <a:ext cx="222070" cy="222070"/>
           </a:xfrm>
           <a:prstGeom prst="ellipse">
@@ -4990,7 +5213,7 @@
         </p:nvCxnSpPr>
         <p:spPr>
           <a:xfrm>
-            <a:off x="6217398" y="1680824"/>
+            <a:off x="6672306" y="1680824"/>
             <a:ext cx="1111313" cy="411838"/>
           </a:xfrm>
           <a:prstGeom prst="straightConnector1">
@@ -5033,7 +5256,7 @@
         </p:nvSpPr>
         <p:spPr>
           <a:xfrm>
-            <a:off x="3883736" y="3668801"/>
+            <a:off x="3361725" y="3668801"/>
             <a:ext cx="222070" cy="222070"/>
           </a:xfrm>
           <a:prstGeom prst="ellipse">
@@ -5081,7 +5304,7 @@
         </p:nvCxnSpPr>
         <p:spPr>
           <a:xfrm flipH="1">
-            <a:off x="3994771" y="3446731"/>
+            <a:off x="3472760" y="3446731"/>
             <a:ext cx="1111313" cy="222070"/>
           </a:xfrm>
           <a:prstGeom prst="straightConnector1">
@@ -5124,7 +5347,7 @@
         </p:nvSpPr>
         <p:spPr>
           <a:xfrm>
-            <a:off x="3883736" y="4112939"/>
+            <a:off x="3361725" y="4112939"/>
             <a:ext cx="222070" cy="222070"/>
           </a:xfrm>
           <a:prstGeom prst="ellipse">
@@ -5168,7 +5391,7 @@
         </p:nvSpPr>
         <p:spPr>
           <a:xfrm>
-            <a:off x="4995050" y="3668801"/>
+            <a:off x="4473039" y="3668801"/>
             <a:ext cx="222070" cy="222070"/>
           </a:xfrm>
           <a:prstGeom prst="ellipse">
@@ -5216,7 +5439,7 @@
         </p:nvCxnSpPr>
         <p:spPr>
           <a:xfrm flipH="1">
-            <a:off x="3994771" y="3890871"/>
+            <a:off x="3472760" y="3890871"/>
             <a:ext cx="1111313" cy="222070"/>
           </a:xfrm>
           <a:prstGeom prst="straightConnector1">
@@ -5263,7 +5486,7 @@
         </p:nvCxnSpPr>
         <p:spPr>
           <a:xfrm>
-            <a:off x="5106085" y="3446731"/>
+            <a:off x="4584074" y="3446731"/>
             <a:ext cx="0" cy="222070"/>
           </a:xfrm>
           <a:prstGeom prst="straightConnector1">
@@ -5310,7 +5533,7 @@
         </p:nvCxnSpPr>
         <p:spPr>
           <a:xfrm>
-            <a:off x="3994771" y="3076616"/>
+            <a:off x="3472760" y="3076616"/>
             <a:ext cx="0" cy="592185"/>
           </a:xfrm>
           <a:prstGeom prst="straightConnector1">
@@ -5357,7 +5580,7 @@
         </p:nvCxnSpPr>
         <p:spPr>
           <a:xfrm>
-            <a:off x="3994771" y="3890871"/>
+            <a:off x="3472760" y="3890871"/>
             <a:ext cx="0" cy="222070"/>
           </a:xfrm>
           <a:prstGeom prst="straightConnector1">
@@ -5400,7 +5623,7 @@
         </p:nvSpPr>
         <p:spPr>
           <a:xfrm>
-            <a:off x="2767597" y="4112939"/>
+            <a:off x="2245586" y="4112939"/>
             <a:ext cx="222070" cy="222070"/>
           </a:xfrm>
           <a:prstGeom prst="ellipse">
@@ -5430,26 +5653,114 @@
           </a:p>
         </p:txBody>
       </p:sp>
+      <p:sp>
+        <p:nvSpPr>
+          <p:cNvPr id="196" name="타원 195">
+            <a:extLst>
+              <a:ext uri="{FF2B5EF4-FFF2-40B4-BE49-F238E27FC236}">
+                <a16:creationId xmlns:a16="http://schemas.microsoft.com/office/drawing/2014/main" id="{8D1B1B9E-6B02-43D6-9AF9-AB81CD883B4A}"/>
+              </a:ext>
+            </a:extLst>
+          </p:cNvPr>
+          <p:cNvSpPr/>
+          <p:nvPr/>
+        </p:nvSpPr>
+        <p:spPr>
+          <a:xfrm>
+            <a:off x="1136175" y="2843906"/>
+            <a:ext cx="222070" cy="222070"/>
+          </a:xfrm>
+          <a:prstGeom prst="ellipse">
+            <a:avLst/>
+          </a:prstGeom>
+        </p:spPr>
+        <p:style>
+          <a:lnRef idx="2">
+            <a:schemeClr val="dk1"/>
+          </a:lnRef>
+          <a:fillRef idx="1">
+            <a:schemeClr val="lt1"/>
+          </a:fillRef>
+          <a:effectRef idx="0">
+            <a:schemeClr val="dk1"/>
+          </a:effectRef>
+          <a:fontRef idx="minor">
+            <a:schemeClr val="dk1"/>
+          </a:fontRef>
+        </p:style>
+        <p:txBody>
+          <a:bodyPr rtlCol="0" anchor="ctr"/>
+          <a:lstStyle/>
+          <a:p>
+            <a:pPr algn="ctr"/>
+            <a:endParaRPr lang="ko-KR" altLang="en-US" sz="1400"/>
+          </a:p>
+        </p:txBody>
+      </p:sp>
+      <p:sp>
+        <p:nvSpPr>
+          <p:cNvPr id="197" name="타원 196">
+            <a:extLst>
+              <a:ext uri="{FF2B5EF4-FFF2-40B4-BE49-F238E27FC236}">
+                <a16:creationId xmlns:a16="http://schemas.microsoft.com/office/drawing/2014/main" id="{F521A94C-298B-49B2-80F9-A3626F5A153B}"/>
+              </a:ext>
+            </a:extLst>
+          </p:cNvPr>
+          <p:cNvSpPr/>
+          <p:nvPr/>
+        </p:nvSpPr>
+        <p:spPr>
+          <a:xfrm>
+            <a:off x="1136175" y="3236790"/>
+            <a:ext cx="222070" cy="222070"/>
+          </a:xfrm>
+          <a:prstGeom prst="ellipse">
+            <a:avLst/>
+          </a:prstGeom>
+        </p:spPr>
+        <p:style>
+          <a:lnRef idx="2">
+            <a:schemeClr val="dk1"/>
+          </a:lnRef>
+          <a:fillRef idx="1">
+            <a:schemeClr val="lt1"/>
+          </a:fillRef>
+          <a:effectRef idx="0">
+            <a:schemeClr val="dk1"/>
+          </a:effectRef>
+          <a:fontRef idx="minor">
+            <a:schemeClr val="dk1"/>
+          </a:fontRef>
+        </p:style>
+        <p:txBody>
+          <a:bodyPr rtlCol="0" anchor="ctr"/>
+          <a:lstStyle/>
+          <a:p>
+            <a:pPr algn="ctr"/>
+            <a:endParaRPr lang="ko-KR" altLang="en-US" sz="1400"/>
+          </a:p>
+        </p:txBody>
+      </p:sp>
       <p:cxnSp>
         <p:nvCxnSpPr>
-          <p:cNvPr id="191" name="직선 화살표 연결선 190">
-            <a:extLst>
-              <a:ext uri="{FF2B5EF4-FFF2-40B4-BE49-F238E27FC236}">
-                <a16:creationId xmlns:a16="http://schemas.microsoft.com/office/drawing/2014/main" id="{9C74610C-7EDC-434A-9EB4-510E83C3E9C8}"/>
+          <p:cNvPr id="198" name="직선 화살표 연결선 197">
+            <a:extLst>
+              <a:ext uri="{FF2B5EF4-FFF2-40B4-BE49-F238E27FC236}">
+                <a16:creationId xmlns:a16="http://schemas.microsoft.com/office/drawing/2014/main" id="{E796E86F-84F7-44DB-AB3C-E7791CADB557}"/>
               </a:ext>
             </a:extLst>
           </p:cNvPr>
           <p:cNvCxnSpPr>
             <a:cxnSpLocks/>
-            <a:stCxn id="167" idx="4"/>
-            <a:endCxn id="190" idx="0"/>
+            <a:stCxn id="103" idx="4"/>
+            <a:endCxn id="196" idx="0"/>
           </p:cNvCxnSpPr>
           <p:nvPr/>
         </p:nvCxnSpPr>
         <p:spPr>
-          <a:xfrm flipH="1">
-            <a:off x="2878632" y="3890871"/>
-            <a:ext cx="1116139" cy="222070"/>
+          <a:xfrm>
+            <a:off x="1247210" y="2295627"/>
+            <a:ext cx="0" cy="548279"/>
           </a:xfrm>
           <a:prstGeom prst="straightConnector1">
             <a:avLst/>
@@ -5477,114 +5788,26 @@
           </a:fontRef>
         </p:style>
       </p:cxnSp>
-      <p:sp>
-        <p:nvSpPr>
-          <p:cNvPr id="196" name="타원 195">
-            <a:extLst>
-              <a:ext uri="{FF2B5EF4-FFF2-40B4-BE49-F238E27FC236}">
-                <a16:creationId xmlns:a16="http://schemas.microsoft.com/office/drawing/2014/main" id="{8D1B1B9E-6B02-43D6-9AF9-AB81CD883B4A}"/>
-              </a:ext>
-            </a:extLst>
-          </p:cNvPr>
-          <p:cNvSpPr/>
-          <p:nvPr/>
-        </p:nvSpPr>
-        <p:spPr>
-          <a:xfrm>
-            <a:off x="1651462" y="2843906"/>
-            <a:ext cx="222070" cy="222070"/>
-          </a:xfrm>
-          <a:prstGeom prst="ellipse">
-            <a:avLst/>
-          </a:prstGeom>
-        </p:spPr>
-        <p:style>
-          <a:lnRef idx="2">
-            <a:schemeClr val="dk1"/>
-          </a:lnRef>
-          <a:fillRef idx="1">
-            <a:schemeClr val="lt1"/>
-          </a:fillRef>
-          <a:effectRef idx="0">
-            <a:schemeClr val="dk1"/>
-          </a:effectRef>
-          <a:fontRef idx="minor">
-            <a:schemeClr val="dk1"/>
-          </a:fontRef>
-        </p:style>
-        <p:txBody>
-          <a:bodyPr rtlCol="0" anchor="ctr"/>
-          <a:lstStyle/>
-          <a:p>
-            <a:pPr algn="ctr"/>
-            <a:endParaRPr lang="ko-KR" altLang="en-US" sz="1400"/>
-          </a:p>
-        </p:txBody>
-      </p:sp>
-      <p:sp>
-        <p:nvSpPr>
-          <p:cNvPr id="197" name="타원 196">
-            <a:extLst>
-              <a:ext uri="{FF2B5EF4-FFF2-40B4-BE49-F238E27FC236}">
-                <a16:creationId xmlns:a16="http://schemas.microsoft.com/office/drawing/2014/main" id="{F521A94C-298B-49B2-80F9-A3626F5A153B}"/>
-              </a:ext>
-            </a:extLst>
-          </p:cNvPr>
-          <p:cNvSpPr/>
-          <p:nvPr/>
-        </p:nvSpPr>
-        <p:spPr>
-          <a:xfrm>
-            <a:off x="1651462" y="3236790"/>
-            <a:ext cx="222070" cy="222070"/>
-          </a:xfrm>
-          <a:prstGeom prst="ellipse">
-            <a:avLst/>
-          </a:prstGeom>
-        </p:spPr>
-        <p:style>
-          <a:lnRef idx="2">
-            <a:schemeClr val="dk1"/>
-          </a:lnRef>
-          <a:fillRef idx="1">
-            <a:schemeClr val="lt1"/>
-          </a:fillRef>
-          <a:effectRef idx="0">
-            <a:schemeClr val="dk1"/>
-          </a:effectRef>
-          <a:fontRef idx="minor">
-            <a:schemeClr val="dk1"/>
-          </a:fontRef>
-        </p:style>
-        <p:txBody>
-          <a:bodyPr rtlCol="0" anchor="ctr"/>
-          <a:lstStyle/>
-          <a:p>
-            <a:pPr algn="ctr"/>
-            <a:endParaRPr lang="ko-KR" altLang="en-US" sz="1400"/>
-          </a:p>
-        </p:txBody>
-      </p:sp>
       <p:cxnSp>
         <p:nvCxnSpPr>
-          <p:cNvPr id="198" name="직선 화살표 연결선 197">
-            <a:extLst>
-              <a:ext uri="{FF2B5EF4-FFF2-40B4-BE49-F238E27FC236}">
-                <a16:creationId xmlns:a16="http://schemas.microsoft.com/office/drawing/2014/main" id="{E796E86F-84F7-44DB-AB3C-E7791CADB557}"/>
+          <p:cNvPr id="201" name="직선 화살표 연결선 200">
+            <a:extLst>
+              <a:ext uri="{FF2B5EF4-FFF2-40B4-BE49-F238E27FC236}">
+                <a16:creationId xmlns:a16="http://schemas.microsoft.com/office/drawing/2014/main" id="{E0232D69-5149-412E-AD01-E1FA6CF2FCEF}"/>
               </a:ext>
             </a:extLst>
           </p:cNvPr>
           <p:cNvCxnSpPr>
             <a:cxnSpLocks/>
-            <a:stCxn id="103" idx="4"/>
-            <a:endCxn id="196" idx="0"/>
+            <a:stCxn id="196" idx="4"/>
+            <a:endCxn id="197" idx="0"/>
           </p:cNvCxnSpPr>
           <p:nvPr/>
         </p:nvCxnSpPr>
         <p:spPr>
           <a:xfrm>
-            <a:off x="1762496" y="2295627"/>
-            <a:ext cx="0" cy="548279"/>
+            <a:off x="1247210" y="3065976"/>
+            <a:ext cx="0" cy="170814"/>
           </a:xfrm>
           <a:prstGeom prst="straightConnector1">
             <a:avLst/>
@@ -5612,26 +5835,114 @@
           </a:fontRef>
         </p:style>
       </p:cxnSp>
+      <p:sp>
+        <p:nvSpPr>
+          <p:cNvPr id="205" name="타원 204">
+            <a:extLst>
+              <a:ext uri="{FF2B5EF4-FFF2-40B4-BE49-F238E27FC236}">
+                <a16:creationId xmlns:a16="http://schemas.microsoft.com/office/drawing/2014/main" id="{D70006AD-82BA-48F0-9A61-3572E03BE818}"/>
+              </a:ext>
+            </a:extLst>
+          </p:cNvPr>
+          <p:cNvSpPr/>
+          <p:nvPr/>
+        </p:nvSpPr>
+        <p:spPr>
+          <a:xfrm>
+            <a:off x="1136175" y="4483056"/>
+            <a:ext cx="222070" cy="222070"/>
+          </a:xfrm>
+          <a:prstGeom prst="ellipse">
+            <a:avLst/>
+          </a:prstGeom>
+        </p:spPr>
+        <p:style>
+          <a:lnRef idx="2">
+            <a:schemeClr val="dk1"/>
+          </a:lnRef>
+          <a:fillRef idx="1">
+            <a:schemeClr val="lt1"/>
+          </a:fillRef>
+          <a:effectRef idx="0">
+            <a:schemeClr val="dk1"/>
+          </a:effectRef>
+          <a:fontRef idx="minor">
+            <a:schemeClr val="dk1"/>
+          </a:fontRef>
+        </p:style>
+        <p:txBody>
+          <a:bodyPr rtlCol="0" anchor="ctr"/>
+          <a:lstStyle/>
+          <a:p>
+            <a:pPr algn="ctr"/>
+            <a:endParaRPr lang="ko-KR" altLang="en-US" sz="1400"/>
+          </a:p>
+        </p:txBody>
+      </p:sp>
+      <p:sp>
+        <p:nvSpPr>
+          <p:cNvPr id="207" name="타원 206">
+            <a:extLst>
+              <a:ext uri="{FF2B5EF4-FFF2-40B4-BE49-F238E27FC236}">
+                <a16:creationId xmlns:a16="http://schemas.microsoft.com/office/drawing/2014/main" id="{40C599BA-39A9-4D2C-BC94-DF83F7699472}"/>
+              </a:ext>
+            </a:extLst>
+          </p:cNvPr>
+          <p:cNvSpPr/>
+          <p:nvPr/>
+        </p:nvSpPr>
+        <p:spPr>
+          <a:xfrm>
+            <a:off x="2245586" y="4483056"/>
+            <a:ext cx="222070" cy="222070"/>
+          </a:xfrm>
+          <a:prstGeom prst="ellipse">
+            <a:avLst/>
+          </a:prstGeom>
+        </p:spPr>
+        <p:style>
+          <a:lnRef idx="2">
+            <a:schemeClr val="dk1"/>
+          </a:lnRef>
+          <a:fillRef idx="1">
+            <a:schemeClr val="lt1"/>
+          </a:fillRef>
+          <a:effectRef idx="0">
+            <a:schemeClr val="dk1"/>
+          </a:effectRef>
+          <a:fontRef idx="minor">
+            <a:schemeClr val="dk1"/>
+          </a:fontRef>
+        </p:style>
+        <p:txBody>
+          <a:bodyPr rtlCol="0" anchor="ctr"/>
+          <a:lstStyle/>
+          <a:p>
+            <a:pPr algn="ctr"/>
+            <a:endParaRPr lang="ko-KR" altLang="en-US" sz="1400"/>
+          </a:p>
+        </p:txBody>
+      </p:sp>
       <p:cxnSp>
         <p:nvCxnSpPr>
-          <p:cNvPr id="201" name="직선 화살표 연결선 200">
-            <a:extLst>
-              <a:ext uri="{FF2B5EF4-FFF2-40B4-BE49-F238E27FC236}">
-                <a16:creationId xmlns:a16="http://schemas.microsoft.com/office/drawing/2014/main" id="{E0232D69-5149-412E-AD01-E1FA6CF2FCEF}"/>
+          <p:cNvPr id="208" name="직선 화살표 연결선 207">
+            <a:extLst>
+              <a:ext uri="{FF2B5EF4-FFF2-40B4-BE49-F238E27FC236}">
+                <a16:creationId xmlns:a16="http://schemas.microsoft.com/office/drawing/2014/main" id="{3B0FDC21-ECE5-417E-9C7B-F5E2D8E4D60A}"/>
               </a:ext>
             </a:extLst>
           </p:cNvPr>
           <p:cNvCxnSpPr>
             <a:cxnSpLocks/>
-            <a:stCxn id="196" idx="4"/>
-            <a:endCxn id="197" idx="0"/>
+            <a:stCxn id="207" idx="4"/>
+            <a:endCxn id="212" idx="0"/>
           </p:cNvCxnSpPr>
           <p:nvPr/>
         </p:nvCxnSpPr>
         <p:spPr>
           <a:xfrm>
-            <a:off x="1762496" y="3065975"/>
-            <a:ext cx="0" cy="170815"/>
+            <a:off x="2356621" y="4705125"/>
+            <a:ext cx="1116139" cy="181572"/>
           </a:xfrm>
           <a:prstGeom prst="straightConnector1">
             <a:avLst/>
@@ -5661,10 +5972,10 @@
       </p:cxnSp>
       <p:sp>
         <p:nvSpPr>
-          <p:cNvPr id="205" name="타원 204">
-            <a:extLst>
-              <a:ext uri="{FF2B5EF4-FFF2-40B4-BE49-F238E27FC236}">
-                <a16:creationId xmlns:a16="http://schemas.microsoft.com/office/drawing/2014/main" id="{D70006AD-82BA-48F0-9A61-3572E03BE818}"/>
+          <p:cNvPr id="212" name="타원 211">
+            <a:extLst>
+              <a:ext uri="{FF2B5EF4-FFF2-40B4-BE49-F238E27FC236}">
+                <a16:creationId xmlns:a16="http://schemas.microsoft.com/office/drawing/2014/main" id="{FDD89876-6158-4B03-9874-570F0A585B76}"/>
               </a:ext>
             </a:extLst>
           </p:cNvPr>
@@ -5673,7 +5984,7 @@
         </p:nvSpPr>
         <p:spPr>
           <a:xfrm>
-            <a:off x="1651462" y="4483056"/>
+            <a:off x="3361725" y="4886697"/>
             <a:ext cx="222070" cy="222070"/>
           </a:xfrm>
           <a:prstGeom prst="ellipse">
@@ -5703,70 +6014,26 @@
           </a:p>
         </p:txBody>
       </p:sp>
-      <p:sp>
-        <p:nvSpPr>
-          <p:cNvPr id="207" name="타원 206">
-            <a:extLst>
-              <a:ext uri="{FF2B5EF4-FFF2-40B4-BE49-F238E27FC236}">
-                <a16:creationId xmlns:a16="http://schemas.microsoft.com/office/drawing/2014/main" id="{40C599BA-39A9-4D2C-BC94-DF83F7699472}"/>
-              </a:ext>
-            </a:extLst>
-          </p:cNvPr>
-          <p:cNvSpPr/>
-          <p:nvPr/>
-        </p:nvSpPr>
-        <p:spPr>
-          <a:xfrm>
-            <a:off x="2767597" y="4483056"/>
-            <a:ext cx="222070" cy="222070"/>
-          </a:xfrm>
-          <a:prstGeom prst="ellipse">
-            <a:avLst/>
-          </a:prstGeom>
-        </p:spPr>
-        <p:style>
-          <a:lnRef idx="2">
-            <a:schemeClr val="dk1"/>
-          </a:lnRef>
-          <a:fillRef idx="1">
-            <a:schemeClr val="lt1"/>
-          </a:fillRef>
-          <a:effectRef idx="0">
-            <a:schemeClr val="dk1"/>
-          </a:effectRef>
-          <a:fontRef idx="minor">
-            <a:schemeClr val="dk1"/>
-          </a:fontRef>
-        </p:style>
-        <p:txBody>
-          <a:bodyPr rtlCol="0" anchor="ctr"/>
-          <a:lstStyle/>
-          <a:p>
-            <a:pPr algn="ctr"/>
-            <a:endParaRPr lang="ko-KR" altLang="en-US" sz="1400"/>
-          </a:p>
-        </p:txBody>
-      </p:sp>
       <p:cxnSp>
         <p:nvCxnSpPr>
-          <p:cNvPr id="208" name="직선 화살표 연결선 207">
-            <a:extLst>
-              <a:ext uri="{FF2B5EF4-FFF2-40B4-BE49-F238E27FC236}">
-                <a16:creationId xmlns:a16="http://schemas.microsoft.com/office/drawing/2014/main" id="{3B0FDC21-ECE5-417E-9C7B-F5E2D8E4D60A}"/>
+          <p:cNvPr id="213" name="직선 화살표 연결선 212">
+            <a:extLst>
+              <a:ext uri="{FF2B5EF4-FFF2-40B4-BE49-F238E27FC236}">
+                <a16:creationId xmlns:a16="http://schemas.microsoft.com/office/drawing/2014/main" id="{20F6ABC3-D16B-404D-ABA2-1A2922FCC61A}"/>
               </a:ext>
             </a:extLst>
           </p:cNvPr>
           <p:cNvCxnSpPr>
             <a:cxnSpLocks/>
-            <a:stCxn id="207" idx="4"/>
+            <a:stCxn id="172" idx="4"/>
             <a:endCxn id="212" idx="0"/>
           </p:cNvCxnSpPr>
           <p:nvPr/>
         </p:nvCxnSpPr>
         <p:spPr>
           <a:xfrm>
-            <a:off x="2878632" y="4705125"/>
-            <a:ext cx="1116139" cy="181572"/>
+            <a:off x="3472760" y="4335010"/>
+            <a:ext cx="0" cy="551687"/>
           </a:xfrm>
           <a:prstGeom prst="straightConnector1">
             <a:avLst/>
@@ -5794,70 +6061,26 @@
           </a:fontRef>
         </p:style>
       </p:cxnSp>
-      <p:sp>
-        <p:nvSpPr>
-          <p:cNvPr id="212" name="타원 211">
-            <a:extLst>
-              <a:ext uri="{FF2B5EF4-FFF2-40B4-BE49-F238E27FC236}">
-                <a16:creationId xmlns:a16="http://schemas.microsoft.com/office/drawing/2014/main" id="{FDD89876-6158-4B03-9874-570F0A585B76}"/>
-              </a:ext>
-            </a:extLst>
-          </p:cNvPr>
-          <p:cNvSpPr/>
-          <p:nvPr/>
-        </p:nvSpPr>
-        <p:spPr>
-          <a:xfrm>
-            <a:off x="3883736" y="4886697"/>
-            <a:ext cx="222070" cy="222070"/>
-          </a:xfrm>
-          <a:prstGeom prst="ellipse">
-            <a:avLst/>
-          </a:prstGeom>
-        </p:spPr>
-        <p:style>
-          <a:lnRef idx="2">
-            <a:schemeClr val="dk1"/>
-          </a:lnRef>
-          <a:fillRef idx="1">
-            <a:schemeClr val="lt1"/>
-          </a:fillRef>
-          <a:effectRef idx="0">
-            <a:schemeClr val="dk1"/>
-          </a:effectRef>
-          <a:fontRef idx="minor">
-            <a:schemeClr val="dk1"/>
-          </a:fontRef>
-        </p:style>
-        <p:txBody>
-          <a:bodyPr rtlCol="0" anchor="ctr"/>
-          <a:lstStyle/>
-          <a:p>
-            <a:pPr algn="ctr"/>
-            <a:endParaRPr lang="ko-KR" altLang="en-US" sz="1400"/>
-          </a:p>
-        </p:txBody>
-      </p:sp>
       <p:cxnSp>
         <p:nvCxnSpPr>
-          <p:cNvPr id="213" name="직선 화살표 연결선 212">
-            <a:extLst>
-              <a:ext uri="{FF2B5EF4-FFF2-40B4-BE49-F238E27FC236}">
-                <a16:creationId xmlns:a16="http://schemas.microsoft.com/office/drawing/2014/main" id="{20F6ABC3-D16B-404D-ABA2-1A2922FCC61A}"/>
+          <p:cNvPr id="222" name="직선 화살표 연결선 221">
+            <a:extLst>
+              <a:ext uri="{FF2B5EF4-FFF2-40B4-BE49-F238E27FC236}">
+                <a16:creationId xmlns:a16="http://schemas.microsoft.com/office/drawing/2014/main" id="{68A266A6-60E5-4764-B5D5-D3E2E4BDF8F2}"/>
               </a:ext>
             </a:extLst>
           </p:cNvPr>
           <p:cNvCxnSpPr>
             <a:cxnSpLocks/>
-            <a:stCxn id="172" idx="4"/>
-            <a:endCxn id="212" idx="0"/>
+            <a:stCxn id="205" idx="4"/>
+            <a:endCxn id="226" idx="0"/>
           </p:cNvCxnSpPr>
           <p:nvPr/>
         </p:nvCxnSpPr>
         <p:spPr>
           <a:xfrm>
-            <a:off x="3994771" y="4335010"/>
-            <a:ext cx="0" cy="551687"/>
+            <a:off x="1247210" y="4705126"/>
+            <a:ext cx="2225550" cy="593673"/>
           </a:xfrm>
           <a:prstGeom prst="straightConnector1">
             <a:avLst/>
@@ -5885,26 +6108,70 @@
           </a:fontRef>
         </p:style>
       </p:cxnSp>
+      <p:sp>
+        <p:nvSpPr>
+          <p:cNvPr id="226" name="타원 225">
+            <a:extLst>
+              <a:ext uri="{FF2B5EF4-FFF2-40B4-BE49-F238E27FC236}">
+                <a16:creationId xmlns:a16="http://schemas.microsoft.com/office/drawing/2014/main" id="{77BB8877-49A7-4FBB-9E3F-D81663BF46DE}"/>
+              </a:ext>
+            </a:extLst>
+          </p:cNvPr>
+          <p:cNvSpPr/>
+          <p:nvPr/>
+        </p:nvSpPr>
+        <p:spPr>
+          <a:xfrm>
+            <a:off x="3361725" y="5298799"/>
+            <a:ext cx="222070" cy="222070"/>
+          </a:xfrm>
+          <a:prstGeom prst="ellipse">
+            <a:avLst/>
+          </a:prstGeom>
+        </p:spPr>
+        <p:style>
+          <a:lnRef idx="2">
+            <a:schemeClr val="dk1"/>
+          </a:lnRef>
+          <a:fillRef idx="1">
+            <a:schemeClr val="lt1"/>
+          </a:fillRef>
+          <a:effectRef idx="0">
+            <a:schemeClr val="dk1"/>
+          </a:effectRef>
+          <a:fontRef idx="minor">
+            <a:schemeClr val="dk1"/>
+          </a:fontRef>
+        </p:style>
+        <p:txBody>
+          <a:bodyPr rtlCol="0" anchor="ctr"/>
+          <a:lstStyle/>
+          <a:p>
+            <a:pPr algn="ctr"/>
+            <a:endParaRPr lang="ko-KR" altLang="en-US" sz="1400"/>
+          </a:p>
+        </p:txBody>
+      </p:sp>
       <p:cxnSp>
         <p:nvCxnSpPr>
-          <p:cNvPr id="222" name="직선 화살표 연결선 221">
-            <a:extLst>
-              <a:ext uri="{FF2B5EF4-FFF2-40B4-BE49-F238E27FC236}">
-                <a16:creationId xmlns:a16="http://schemas.microsoft.com/office/drawing/2014/main" id="{68A266A6-60E5-4764-B5D5-D3E2E4BDF8F2}"/>
+          <p:cNvPr id="228" name="직선 화살표 연결선 227">
+            <a:extLst>
+              <a:ext uri="{FF2B5EF4-FFF2-40B4-BE49-F238E27FC236}">
+                <a16:creationId xmlns:a16="http://schemas.microsoft.com/office/drawing/2014/main" id="{52A7D7C1-D561-4AB3-AAD5-79A20425A655}"/>
               </a:ext>
             </a:extLst>
           </p:cNvPr>
           <p:cNvCxnSpPr>
             <a:cxnSpLocks/>
-            <a:stCxn id="205" idx="4"/>
-            <a:endCxn id="226" idx="0"/>
+            <a:stCxn id="190" idx="4"/>
+            <a:endCxn id="207" idx="0"/>
           </p:cNvCxnSpPr>
           <p:nvPr/>
         </p:nvCxnSpPr>
         <p:spPr>
           <a:xfrm>
-            <a:off x="1762497" y="4705125"/>
-            <a:ext cx="2232275" cy="593674"/>
+            <a:off x="2356621" y="4335009"/>
+            <a:ext cx="0" cy="148047"/>
           </a:xfrm>
           <a:prstGeom prst="straightConnector1">
             <a:avLst/>
@@ -5932,70 +6199,26 @@
           </a:fontRef>
         </p:style>
       </p:cxnSp>
-      <p:sp>
-        <p:nvSpPr>
-          <p:cNvPr id="226" name="타원 225">
-            <a:extLst>
-              <a:ext uri="{FF2B5EF4-FFF2-40B4-BE49-F238E27FC236}">
-                <a16:creationId xmlns:a16="http://schemas.microsoft.com/office/drawing/2014/main" id="{77BB8877-49A7-4FBB-9E3F-D81663BF46DE}"/>
-              </a:ext>
-            </a:extLst>
-          </p:cNvPr>
-          <p:cNvSpPr/>
-          <p:nvPr/>
-        </p:nvSpPr>
-        <p:spPr>
-          <a:xfrm>
-            <a:off x="3883736" y="5298799"/>
-            <a:ext cx="222070" cy="222070"/>
-          </a:xfrm>
-          <a:prstGeom prst="ellipse">
-            <a:avLst/>
-          </a:prstGeom>
-        </p:spPr>
-        <p:style>
-          <a:lnRef idx="2">
-            <a:schemeClr val="dk1"/>
-          </a:lnRef>
-          <a:fillRef idx="1">
-            <a:schemeClr val="lt1"/>
-          </a:fillRef>
-          <a:effectRef idx="0">
-            <a:schemeClr val="dk1"/>
-          </a:effectRef>
-          <a:fontRef idx="minor">
-            <a:schemeClr val="dk1"/>
-          </a:fontRef>
-        </p:style>
-        <p:txBody>
-          <a:bodyPr rtlCol="0" anchor="ctr"/>
-          <a:lstStyle/>
-          <a:p>
-            <a:pPr algn="ctr"/>
-            <a:endParaRPr lang="ko-KR" altLang="en-US" sz="1400"/>
-          </a:p>
-        </p:txBody>
-      </p:sp>
       <p:cxnSp>
         <p:nvCxnSpPr>
-          <p:cNvPr id="228" name="직선 화살표 연결선 227">
-            <a:extLst>
-              <a:ext uri="{FF2B5EF4-FFF2-40B4-BE49-F238E27FC236}">
-                <a16:creationId xmlns:a16="http://schemas.microsoft.com/office/drawing/2014/main" id="{52A7D7C1-D561-4AB3-AAD5-79A20425A655}"/>
+          <p:cNvPr id="231" name="직선 화살표 연결선 230">
+            <a:extLst>
+              <a:ext uri="{FF2B5EF4-FFF2-40B4-BE49-F238E27FC236}">
+                <a16:creationId xmlns:a16="http://schemas.microsoft.com/office/drawing/2014/main" id="{69746B25-48BE-4A8D-9FFF-B84BCF5FBDB2}"/>
               </a:ext>
             </a:extLst>
           </p:cNvPr>
           <p:cNvCxnSpPr>
             <a:cxnSpLocks/>
-            <a:stCxn id="190" idx="4"/>
-            <a:endCxn id="207" idx="0"/>
+            <a:stCxn id="197" idx="4"/>
+            <a:endCxn id="205" idx="0"/>
           </p:cNvCxnSpPr>
           <p:nvPr/>
         </p:nvCxnSpPr>
         <p:spPr>
           <a:xfrm>
-            <a:off x="2878632" y="4335009"/>
-            <a:ext cx="0" cy="148047"/>
+            <a:off x="1247210" y="3458860"/>
+            <a:ext cx="0" cy="1024196"/>
           </a:xfrm>
           <a:prstGeom prst="straightConnector1">
             <a:avLst/>
@@ -6023,26 +6246,382 @@
           </a:fontRef>
         </p:style>
       </p:cxnSp>
+      <p:sp>
+        <p:nvSpPr>
+          <p:cNvPr id="289" name="TextBox 288">
+            <a:extLst>
+              <a:ext uri="{FF2B5EF4-FFF2-40B4-BE49-F238E27FC236}">
+                <a16:creationId xmlns:a16="http://schemas.microsoft.com/office/drawing/2014/main" id="{1DF80FF7-9CE9-442B-BBDA-E31E03BBB4D6}"/>
+              </a:ext>
+            </a:extLst>
+          </p:cNvPr>
+          <p:cNvSpPr txBox="1"/>
+          <p:nvPr/>
+        </p:nvSpPr>
+        <p:spPr>
+          <a:xfrm>
+            <a:off x="5746988" y="1428363"/>
+            <a:ext cx="1111313" cy="276999"/>
+          </a:xfrm>
+          <a:prstGeom prst="rect">
+            <a:avLst/>
+          </a:prstGeom>
+          <a:noFill/>
+        </p:spPr>
+        <p:txBody>
+          <a:bodyPr wrap="square" rtlCol="0">
+            <a:spAutoFit/>
+          </a:bodyPr>
+          <a:lstStyle/>
+          <a:p>
+            <a:pPr algn="ctr"/>
+            <a:r>
+              <a:rPr lang="en-US" altLang="ko-KR" sz="1200"/>
+              <a:t>hotfix</a:t>
+            </a:r>
+            <a:endParaRPr lang="ko-KR" altLang="en-US" sz="1200"/>
+          </a:p>
+        </p:txBody>
+      </p:sp>
+      <p:sp>
+        <p:nvSpPr>
+          <p:cNvPr id="290" name="TextBox 289">
+            <a:extLst>
+              <a:ext uri="{FF2B5EF4-FFF2-40B4-BE49-F238E27FC236}">
+                <a16:creationId xmlns:a16="http://schemas.microsoft.com/office/drawing/2014/main" id="{F0667149-09A6-4181-A615-7D7D24A6FF37}"/>
+              </a:ext>
+            </a:extLst>
+          </p:cNvPr>
+          <p:cNvSpPr txBox="1"/>
+          <p:nvPr/>
+        </p:nvSpPr>
+        <p:spPr>
+          <a:xfrm>
+            <a:off x="1385693" y="1999997"/>
+            <a:ext cx="1111313" cy="461665"/>
+          </a:xfrm>
+          <a:prstGeom prst="rect">
+            <a:avLst/>
+          </a:prstGeom>
+          <a:noFill/>
+        </p:spPr>
+        <p:txBody>
+          <a:bodyPr wrap="square" rtlCol="0">
+            <a:spAutoFit/>
+          </a:bodyPr>
+          <a:lstStyle/>
+          <a:p>
+            <a:pPr algn="ctr"/>
+            <a:r>
+              <a:rPr lang="en-US" altLang="ko-KR" sz="1200"/>
+              <a:t>major feature b</a:t>
+            </a:r>
+            <a:endParaRPr lang="ko-KR" altLang="en-US" sz="1200"/>
+          </a:p>
+        </p:txBody>
+      </p:sp>
+      <p:sp>
+        <p:nvSpPr>
+          <p:cNvPr id="292" name="TextBox 291">
+            <a:extLst>
+              <a:ext uri="{FF2B5EF4-FFF2-40B4-BE49-F238E27FC236}">
+                <a16:creationId xmlns:a16="http://schemas.microsoft.com/office/drawing/2014/main" id="{F64635DD-109C-4EC2-A4EE-BEC49F97FC8F}"/>
+              </a:ext>
+            </a:extLst>
+          </p:cNvPr>
+          <p:cNvSpPr txBox="1"/>
+          <p:nvPr/>
+        </p:nvSpPr>
+        <p:spPr>
+          <a:xfrm>
+            <a:off x="3475880" y="3531280"/>
+            <a:ext cx="1111313" cy="461665"/>
+          </a:xfrm>
+          <a:prstGeom prst="rect">
+            <a:avLst/>
+          </a:prstGeom>
+          <a:noFill/>
+        </p:spPr>
+        <p:txBody>
+          <a:bodyPr wrap="square" rtlCol="0">
+            <a:spAutoFit/>
+          </a:bodyPr>
+          <a:lstStyle/>
+          <a:p>
+            <a:pPr algn="ctr"/>
+            <a:r>
+              <a:rPr lang="en-US" altLang="ko-KR" sz="1200"/>
+              <a:t>continuosly merge</a:t>
+            </a:r>
+            <a:endParaRPr lang="ko-KR" altLang="en-US" sz="1200"/>
+          </a:p>
+        </p:txBody>
+      </p:sp>
       <p:cxnSp>
         <p:nvCxnSpPr>
-          <p:cNvPr id="231" name="직선 화살표 연결선 230">
-            <a:extLst>
-              <a:ext uri="{FF2B5EF4-FFF2-40B4-BE49-F238E27FC236}">
-                <a16:creationId xmlns:a16="http://schemas.microsoft.com/office/drawing/2014/main" id="{69746B25-48BE-4A8D-9FFF-B84BCF5FBDB2}"/>
+          <p:cNvPr id="75" name="직선 연결선 74">
+            <a:extLst>
+              <a:ext uri="{FF2B5EF4-FFF2-40B4-BE49-F238E27FC236}">
+                <a16:creationId xmlns:a16="http://schemas.microsoft.com/office/drawing/2014/main" id="{493C85C3-F266-49D9-9DA5-EEC94304B9D3}"/>
               </a:ext>
             </a:extLst>
           </p:cNvPr>
           <p:cNvCxnSpPr>
             <a:cxnSpLocks/>
-            <a:stCxn id="197" idx="4"/>
-            <a:endCxn id="205" idx="0"/>
           </p:cNvCxnSpPr>
           <p:nvPr/>
         </p:nvCxnSpPr>
         <p:spPr>
           <a:xfrm>
-            <a:off x="1762496" y="3458859"/>
-            <a:ext cx="0" cy="1024196"/>
+            <a:off x="1004352" y="1925439"/>
+            <a:ext cx="472266" cy="0"/>
+          </a:xfrm>
+          <a:prstGeom prst="line">
+            <a:avLst/>
+          </a:prstGeom>
+          <a:ln w="19050">
+            <a:prstDash val="dash"/>
+          </a:ln>
+        </p:spPr>
+        <p:style>
+          <a:lnRef idx="1">
+            <a:schemeClr val="dk1"/>
+          </a:lnRef>
+          <a:fillRef idx="0">
+            <a:schemeClr val="dk1"/>
+          </a:fillRef>
+          <a:effectRef idx="0">
+            <a:schemeClr val="dk1"/>
+          </a:effectRef>
+          <a:fontRef idx="minor">
+            <a:schemeClr val="tx1"/>
+          </a:fontRef>
+        </p:style>
+      </p:cxnSp>
+      <p:cxnSp>
+        <p:nvCxnSpPr>
+          <p:cNvPr id="85" name="직선 연결선 84">
+            <a:extLst>
+              <a:ext uri="{FF2B5EF4-FFF2-40B4-BE49-F238E27FC236}">
+                <a16:creationId xmlns:a16="http://schemas.microsoft.com/office/drawing/2014/main" id="{5EDCC375-681A-45FE-A7F1-22CE30E1F36F}"/>
+              </a:ext>
+            </a:extLst>
+          </p:cNvPr>
+          <p:cNvCxnSpPr>
+            <a:cxnSpLocks/>
+          </p:cNvCxnSpPr>
+          <p:nvPr/>
+        </p:nvCxnSpPr>
+        <p:spPr>
+          <a:xfrm>
+            <a:off x="1004352" y="4805759"/>
+            <a:ext cx="472266" cy="0"/>
+          </a:xfrm>
+          <a:prstGeom prst="line">
+            <a:avLst/>
+          </a:prstGeom>
+          <a:ln w="19050">
+            <a:prstDash val="dash"/>
+          </a:ln>
+        </p:spPr>
+        <p:style>
+          <a:lnRef idx="1">
+            <a:schemeClr val="dk1"/>
+          </a:lnRef>
+          <a:fillRef idx="0">
+            <a:schemeClr val="dk1"/>
+          </a:fillRef>
+          <a:effectRef idx="0">
+            <a:schemeClr val="dk1"/>
+          </a:effectRef>
+          <a:fontRef idx="minor">
+            <a:schemeClr val="tx1"/>
+          </a:fontRef>
+        </p:style>
+      </p:cxnSp>
+      <p:cxnSp>
+        <p:nvCxnSpPr>
+          <p:cNvPr id="88" name="직선 연결선 87">
+            <a:extLst>
+              <a:ext uri="{FF2B5EF4-FFF2-40B4-BE49-F238E27FC236}">
+                <a16:creationId xmlns:a16="http://schemas.microsoft.com/office/drawing/2014/main" id="{E99EF8BB-95E7-4033-8A9C-6CC4215A781E}"/>
+              </a:ext>
+            </a:extLst>
+          </p:cNvPr>
+          <p:cNvCxnSpPr>
+            <a:cxnSpLocks/>
+          </p:cNvCxnSpPr>
+          <p:nvPr/>
+        </p:nvCxnSpPr>
+        <p:spPr>
+          <a:xfrm>
+            <a:off x="2111583" y="1925439"/>
+            <a:ext cx="472266" cy="0"/>
+          </a:xfrm>
+          <a:prstGeom prst="line">
+            <a:avLst/>
+          </a:prstGeom>
+          <a:ln w="19050">
+            <a:prstDash val="dash"/>
+          </a:ln>
+        </p:spPr>
+        <p:style>
+          <a:lnRef idx="1">
+            <a:schemeClr val="dk1"/>
+          </a:lnRef>
+          <a:fillRef idx="0">
+            <a:schemeClr val="dk1"/>
+          </a:fillRef>
+          <a:effectRef idx="0">
+            <a:schemeClr val="dk1"/>
+          </a:effectRef>
+          <a:fontRef idx="minor">
+            <a:schemeClr val="tx1"/>
+          </a:fontRef>
+        </p:style>
+      </p:cxnSp>
+      <p:cxnSp>
+        <p:nvCxnSpPr>
+          <p:cNvPr id="89" name="직선 연결선 88">
+            <a:extLst>
+              <a:ext uri="{FF2B5EF4-FFF2-40B4-BE49-F238E27FC236}">
+                <a16:creationId xmlns:a16="http://schemas.microsoft.com/office/drawing/2014/main" id="{7B6A2958-8590-484C-9349-529FBB87ABCD}"/>
+              </a:ext>
+            </a:extLst>
+          </p:cNvPr>
+          <p:cNvCxnSpPr>
+            <a:cxnSpLocks/>
+          </p:cNvCxnSpPr>
+          <p:nvPr/>
+        </p:nvCxnSpPr>
+        <p:spPr>
+          <a:xfrm>
+            <a:off x="2111583" y="4805759"/>
+            <a:ext cx="472266" cy="0"/>
+          </a:xfrm>
+          <a:prstGeom prst="line">
+            <a:avLst/>
+          </a:prstGeom>
+          <a:ln w="19050">
+            <a:prstDash val="dash"/>
+          </a:ln>
+        </p:spPr>
+        <p:style>
+          <a:lnRef idx="1">
+            <a:schemeClr val="dk1"/>
+          </a:lnRef>
+          <a:fillRef idx="0">
+            <a:schemeClr val="dk1"/>
+          </a:fillRef>
+          <a:effectRef idx="0">
+            <a:schemeClr val="dk1"/>
+          </a:effectRef>
+          <a:fontRef idx="minor">
+            <a:schemeClr val="tx1"/>
+          </a:fontRef>
+        </p:style>
+      </p:cxnSp>
+      <p:cxnSp>
+        <p:nvCxnSpPr>
+          <p:cNvPr id="93" name="직선 연결선 92">
+            <a:extLst>
+              <a:ext uri="{FF2B5EF4-FFF2-40B4-BE49-F238E27FC236}">
+                <a16:creationId xmlns:a16="http://schemas.microsoft.com/office/drawing/2014/main" id="{B8051339-37A7-47F3-9AF5-3A5C021CEB95}"/>
+              </a:ext>
+            </a:extLst>
+          </p:cNvPr>
+          <p:cNvCxnSpPr>
+            <a:cxnSpLocks/>
+          </p:cNvCxnSpPr>
+          <p:nvPr/>
+        </p:nvCxnSpPr>
+        <p:spPr>
+          <a:xfrm>
+            <a:off x="4347939" y="3077567"/>
+            <a:ext cx="472266" cy="0"/>
+          </a:xfrm>
+          <a:prstGeom prst="line">
+            <a:avLst/>
+          </a:prstGeom>
+          <a:ln w="19050">
+            <a:prstDash val="dash"/>
+          </a:ln>
+        </p:spPr>
+        <p:style>
+          <a:lnRef idx="1">
+            <a:schemeClr val="dk1"/>
+          </a:lnRef>
+          <a:fillRef idx="0">
+            <a:schemeClr val="dk1"/>
+          </a:fillRef>
+          <a:effectRef idx="0">
+            <a:schemeClr val="dk1"/>
+          </a:effectRef>
+          <a:fontRef idx="minor">
+            <a:schemeClr val="tx1"/>
+          </a:fontRef>
+        </p:style>
+      </p:cxnSp>
+      <p:cxnSp>
+        <p:nvCxnSpPr>
+          <p:cNvPr id="95" name="직선 연결선 94">
+            <a:extLst>
+              <a:ext uri="{FF2B5EF4-FFF2-40B4-BE49-F238E27FC236}">
+                <a16:creationId xmlns:a16="http://schemas.microsoft.com/office/drawing/2014/main" id="{E9B281A2-CAC3-4852-B1D5-4C30458E4FE2}"/>
+              </a:ext>
+            </a:extLst>
+          </p:cNvPr>
+          <p:cNvCxnSpPr>
+            <a:cxnSpLocks/>
+          </p:cNvCxnSpPr>
+          <p:nvPr/>
+        </p:nvCxnSpPr>
+        <p:spPr>
+          <a:xfrm>
+            <a:off x="4347939" y="4011306"/>
+            <a:ext cx="472266" cy="0"/>
+          </a:xfrm>
+          <a:prstGeom prst="line">
+            <a:avLst/>
+          </a:prstGeom>
+          <a:ln w="19050">
+            <a:prstDash val="dash"/>
+          </a:ln>
+        </p:spPr>
+        <p:style>
+          <a:lnRef idx="1">
+            <a:schemeClr val="dk1"/>
+          </a:lnRef>
+          <a:fillRef idx="0">
+            <a:schemeClr val="dk1"/>
+          </a:fillRef>
+          <a:effectRef idx="0">
+            <a:schemeClr val="dk1"/>
+          </a:effectRef>
+          <a:fontRef idx="minor">
+            <a:schemeClr val="tx1"/>
+          </a:fontRef>
+        </p:style>
+      </p:cxnSp>
+      <p:cxnSp>
+        <p:nvCxnSpPr>
+          <p:cNvPr id="96" name="직선 화살표 연결선 95">
+            <a:extLst>
+              <a:ext uri="{FF2B5EF4-FFF2-40B4-BE49-F238E27FC236}">
+                <a16:creationId xmlns:a16="http://schemas.microsoft.com/office/drawing/2014/main" id="{6D7F4010-DC38-443C-973C-EE47074D3FCE}"/>
+              </a:ext>
+            </a:extLst>
+          </p:cNvPr>
+          <p:cNvCxnSpPr>
+            <a:cxnSpLocks/>
+            <a:stCxn id="151" idx="4"/>
+          </p:cNvCxnSpPr>
+          <p:nvPr/>
+        </p:nvCxnSpPr>
+        <p:spPr>
+          <a:xfrm>
+            <a:off x="4584074" y="3446732"/>
+            <a:ext cx="3199545" cy="729256"/>
           </a:xfrm>
           <a:prstGeom prst="straightConnector1">
             <a:avLst/>
@@ -6072,10 +6651,10 @@
       </p:cxnSp>
       <p:sp>
         <p:nvSpPr>
-          <p:cNvPr id="245" name="타원 244">
-            <a:extLst>
-              <a:ext uri="{FF2B5EF4-FFF2-40B4-BE49-F238E27FC236}">
-                <a16:creationId xmlns:a16="http://schemas.microsoft.com/office/drawing/2014/main" id="{27B8E190-F25A-4275-AAC0-17468EB5C82B}"/>
+          <p:cNvPr id="98" name="타원 97">
+            <a:extLst>
+              <a:ext uri="{FF2B5EF4-FFF2-40B4-BE49-F238E27FC236}">
+                <a16:creationId xmlns:a16="http://schemas.microsoft.com/office/drawing/2014/main" id="{C1A8973A-93BC-4012-889C-5057ED273514}"/>
               </a:ext>
             </a:extLst>
           </p:cNvPr>
@@ -6084,7 +6663,7 @@
         </p:nvSpPr>
         <p:spPr>
           <a:xfrm>
-            <a:off x="7217676" y="6239873"/>
+            <a:off x="7672584" y="4165905"/>
             <a:ext cx="222070" cy="222070"/>
           </a:xfrm>
           <a:prstGeom prst="ellipse">
@@ -6114,70 +6693,190 @@
           </a:p>
         </p:txBody>
       </p:sp>
-      <p:sp>
-        <p:nvSpPr>
-          <p:cNvPr id="261" name="타원 260">
-            <a:extLst>
-              <a:ext uri="{FF2B5EF4-FFF2-40B4-BE49-F238E27FC236}">
-                <a16:creationId xmlns:a16="http://schemas.microsoft.com/office/drawing/2014/main" id="{E81991B5-921A-49F9-879A-201776A6DECF}"/>
-              </a:ext>
-            </a:extLst>
-          </p:cNvPr>
-          <p:cNvSpPr/>
-          <p:nvPr/>
-        </p:nvSpPr>
-        <p:spPr>
-          <a:xfrm>
-            <a:off x="4995048" y="5742541"/>
-            <a:ext cx="222070" cy="222070"/>
-          </a:xfrm>
-          <a:prstGeom prst="ellipse">
-            <a:avLst/>
-          </a:prstGeom>
-        </p:spPr>
-        <p:style>
-          <a:lnRef idx="2">
-            <a:schemeClr val="dk1"/>
-          </a:lnRef>
-          <a:fillRef idx="1">
-            <a:schemeClr val="lt1"/>
-          </a:fillRef>
-          <a:effectRef idx="0">
-            <a:schemeClr val="dk1"/>
-          </a:effectRef>
-          <a:fontRef idx="minor">
-            <a:schemeClr val="dk1"/>
-          </a:fontRef>
-        </p:style>
-        <p:txBody>
-          <a:bodyPr rtlCol="0" anchor="ctr"/>
-          <a:lstStyle/>
-          <a:p>
-            <a:pPr algn="ctr"/>
-            <a:endParaRPr lang="ko-KR" altLang="en-US" sz="1400"/>
-          </a:p>
-        </p:txBody>
-      </p:sp>
       <p:cxnSp>
         <p:nvCxnSpPr>
-          <p:cNvPr id="262" name="직선 화살표 연결선 261">
-            <a:extLst>
-              <a:ext uri="{FF2B5EF4-FFF2-40B4-BE49-F238E27FC236}">
-                <a16:creationId xmlns:a16="http://schemas.microsoft.com/office/drawing/2014/main" id="{7A07F99E-65B7-4D88-BE92-C191170BFF64}"/>
+          <p:cNvPr id="100" name="직선 연결선 99">
+            <a:extLst>
+              <a:ext uri="{FF2B5EF4-FFF2-40B4-BE49-F238E27FC236}">
+                <a16:creationId xmlns:a16="http://schemas.microsoft.com/office/drawing/2014/main" id="{CFBEAA67-B1CA-461C-8E40-D8BA10A671FA}"/>
               </a:ext>
             </a:extLst>
           </p:cNvPr>
           <p:cNvCxnSpPr>
             <a:cxnSpLocks/>
-            <a:stCxn id="226" idx="4"/>
-            <a:endCxn id="261" idx="0"/>
           </p:cNvCxnSpPr>
           <p:nvPr/>
         </p:nvCxnSpPr>
         <p:spPr>
           <a:xfrm>
-            <a:off x="3994771" y="5520869"/>
-            <a:ext cx="1111312" cy="221672"/>
+            <a:off x="6436172" y="1853431"/>
+            <a:ext cx="472266" cy="0"/>
+          </a:xfrm>
+          <a:prstGeom prst="line">
+            <a:avLst/>
+          </a:prstGeom>
+          <a:ln w="19050">
+            <a:prstDash val="dash"/>
+          </a:ln>
+        </p:spPr>
+        <p:style>
+          <a:lnRef idx="1">
+            <a:schemeClr val="dk1"/>
+          </a:lnRef>
+          <a:fillRef idx="0">
+            <a:schemeClr val="dk1"/>
+          </a:fillRef>
+          <a:effectRef idx="0">
+            <a:schemeClr val="dk1"/>
+          </a:effectRef>
+          <a:fontRef idx="minor">
+            <a:schemeClr val="tx1"/>
+          </a:fontRef>
+        </p:style>
+      </p:cxnSp>
+      <p:cxnSp>
+        <p:nvCxnSpPr>
+          <p:cNvPr id="105" name="직선 연결선 104">
+            <a:extLst>
+              <a:ext uri="{FF2B5EF4-FFF2-40B4-BE49-F238E27FC236}">
+                <a16:creationId xmlns:a16="http://schemas.microsoft.com/office/drawing/2014/main" id="{453666F1-EF9A-4858-9277-D9284035FF4E}"/>
+              </a:ext>
+            </a:extLst>
+          </p:cNvPr>
+          <p:cNvCxnSpPr>
+            <a:cxnSpLocks/>
+          </p:cNvCxnSpPr>
+          <p:nvPr/>
+        </p:nvCxnSpPr>
+        <p:spPr>
+          <a:xfrm>
+            <a:off x="6436172" y="1277210"/>
+            <a:ext cx="472266" cy="0"/>
+          </a:xfrm>
+          <a:prstGeom prst="line">
+            <a:avLst/>
+          </a:prstGeom>
+          <a:ln w="19050">
+            <a:prstDash val="dash"/>
+          </a:ln>
+        </p:spPr>
+        <p:style>
+          <a:lnRef idx="1">
+            <a:schemeClr val="dk1"/>
+          </a:lnRef>
+          <a:fillRef idx="0">
+            <a:schemeClr val="dk1"/>
+          </a:fillRef>
+          <a:effectRef idx="0">
+            <a:schemeClr val="dk1"/>
+          </a:effectRef>
+          <a:fontRef idx="minor">
+            <a:schemeClr val="tx1"/>
+          </a:fontRef>
+        </p:style>
+      </p:cxnSp>
+      <p:sp>
+        <p:nvSpPr>
+          <p:cNvPr id="193" name="TextBox 192">
+            <a:extLst>
+              <a:ext uri="{FF2B5EF4-FFF2-40B4-BE49-F238E27FC236}">
+                <a16:creationId xmlns:a16="http://schemas.microsoft.com/office/drawing/2014/main" id="{472B62FC-3977-4278-9C43-A71BA977A03B}"/>
+              </a:ext>
+            </a:extLst>
+          </p:cNvPr>
+          <p:cNvSpPr txBox="1"/>
+          <p:nvPr/>
+        </p:nvSpPr>
+        <p:spPr>
+          <a:xfrm>
+            <a:off x="5070113" y="413271"/>
+            <a:ext cx="1111313" cy="276999"/>
+          </a:xfrm>
+          <a:prstGeom prst="rect">
+            <a:avLst/>
+          </a:prstGeom>
+          <a:noFill/>
+        </p:spPr>
+        <p:txBody>
+          <a:bodyPr wrap="square" rtlCol="0">
+            <a:spAutoFit/>
+          </a:bodyPr>
+          <a:lstStyle/>
+          <a:p>
+            <a:pPr algn="ctr"/>
+            <a:r>
+              <a:rPr lang="en-US" altLang="ko-KR" sz="1200"/>
+              <a:t>release-1.1</a:t>
+            </a:r>
+            <a:endParaRPr lang="ko-KR" altLang="en-US" sz="1200"/>
+          </a:p>
+        </p:txBody>
+      </p:sp>
+      <p:cxnSp>
+        <p:nvCxnSpPr>
+          <p:cNvPr id="194" name="직선 연결선 193">
+            <a:extLst>
+              <a:ext uri="{FF2B5EF4-FFF2-40B4-BE49-F238E27FC236}">
+                <a16:creationId xmlns:a16="http://schemas.microsoft.com/office/drawing/2014/main" id="{74056C15-ED6D-4238-A7B2-6881F96A6CCD}"/>
+              </a:ext>
+            </a:extLst>
+          </p:cNvPr>
+          <p:cNvCxnSpPr>
+            <a:cxnSpLocks/>
+          </p:cNvCxnSpPr>
+          <p:nvPr/>
+        </p:nvCxnSpPr>
+        <p:spPr>
+          <a:xfrm>
+            <a:off x="5625769" y="698022"/>
+            <a:ext cx="0" cy="6411993"/>
+          </a:xfrm>
+          <a:prstGeom prst="line">
+            <a:avLst/>
+          </a:prstGeom>
+          <a:ln w="19050">
+            <a:solidFill>
+              <a:schemeClr val="bg1">
+                <a:lumMod val="75000"/>
+              </a:schemeClr>
+            </a:solidFill>
+          </a:ln>
+        </p:spPr>
+        <p:style>
+          <a:lnRef idx="1">
+            <a:schemeClr val="dk1"/>
+          </a:lnRef>
+          <a:fillRef idx="0">
+            <a:schemeClr val="dk1"/>
+          </a:fillRef>
+          <a:effectRef idx="0">
+            <a:schemeClr val="dk1"/>
+          </a:effectRef>
+          <a:fontRef idx="minor">
+            <a:schemeClr val="tx1"/>
+          </a:fontRef>
+        </p:style>
+      </p:cxnSp>
+      <p:cxnSp>
+        <p:nvCxnSpPr>
+          <p:cNvPr id="195" name="직선 화살표 연결선 194">
+            <a:extLst>
+              <a:ext uri="{FF2B5EF4-FFF2-40B4-BE49-F238E27FC236}">
+                <a16:creationId xmlns:a16="http://schemas.microsoft.com/office/drawing/2014/main" id="{642B2CF9-C740-4215-B6D6-151B0A0E4FB3}"/>
+              </a:ext>
+            </a:extLst>
+          </p:cNvPr>
+          <p:cNvCxnSpPr>
+            <a:cxnSpLocks/>
+            <a:stCxn id="167" idx="4"/>
+            <a:endCxn id="190" idx="0"/>
+          </p:cNvCxnSpPr>
+          <p:nvPr/>
+        </p:nvCxnSpPr>
+        <p:spPr>
+          <a:xfrm flipH="1">
+            <a:off x="2356621" y="3890871"/>
+            <a:ext cx="1116139" cy="222068"/>
           </a:xfrm>
           <a:prstGeom prst="straightConnector1">
             <a:avLst/>
@@ -6205,26 +6904,70 @@
           </a:fontRef>
         </p:style>
       </p:cxnSp>
+      <p:sp>
+        <p:nvSpPr>
+          <p:cNvPr id="200" name="타원 199">
+            <a:extLst>
+              <a:ext uri="{FF2B5EF4-FFF2-40B4-BE49-F238E27FC236}">
+                <a16:creationId xmlns:a16="http://schemas.microsoft.com/office/drawing/2014/main" id="{C8869DD4-791B-451E-9F96-A240513CD850}"/>
+              </a:ext>
+            </a:extLst>
+          </p:cNvPr>
+          <p:cNvSpPr/>
+          <p:nvPr/>
+        </p:nvSpPr>
+        <p:spPr>
+          <a:xfrm>
+            <a:off x="5517154" y="6245919"/>
+            <a:ext cx="222070" cy="222070"/>
+          </a:xfrm>
+          <a:prstGeom prst="ellipse">
+            <a:avLst/>
+          </a:prstGeom>
+        </p:spPr>
+        <p:style>
+          <a:lnRef idx="2">
+            <a:schemeClr val="dk1"/>
+          </a:lnRef>
+          <a:fillRef idx="1">
+            <a:schemeClr val="lt1"/>
+          </a:fillRef>
+          <a:effectRef idx="0">
+            <a:schemeClr val="dk1"/>
+          </a:effectRef>
+          <a:fontRef idx="minor">
+            <a:schemeClr val="dk1"/>
+          </a:fontRef>
+        </p:style>
+        <p:txBody>
+          <a:bodyPr rtlCol="0" anchor="ctr"/>
+          <a:lstStyle/>
+          <a:p>
+            <a:pPr algn="ctr"/>
+            <a:endParaRPr lang="ko-KR" altLang="en-US" sz="1400"/>
+          </a:p>
+        </p:txBody>
+      </p:sp>
       <p:cxnSp>
         <p:nvCxnSpPr>
-          <p:cNvPr id="281" name="직선 화살표 연결선 280">
-            <a:extLst>
-              <a:ext uri="{FF2B5EF4-FFF2-40B4-BE49-F238E27FC236}">
-                <a16:creationId xmlns:a16="http://schemas.microsoft.com/office/drawing/2014/main" id="{586F6A50-E8F4-4C95-990E-281212212BCC}"/>
+          <p:cNvPr id="202" name="직선 화살표 연결선 201">
+            <a:extLst>
+              <a:ext uri="{FF2B5EF4-FFF2-40B4-BE49-F238E27FC236}">
+                <a16:creationId xmlns:a16="http://schemas.microsoft.com/office/drawing/2014/main" id="{BEBC1DD3-778C-4464-A625-969FDF658C51}"/>
               </a:ext>
             </a:extLst>
           </p:cNvPr>
           <p:cNvCxnSpPr>
             <a:cxnSpLocks/>
-            <a:stCxn id="261" idx="4"/>
-            <a:endCxn id="245" idx="0"/>
+            <a:stCxn id="226" idx="4"/>
+            <a:endCxn id="209" idx="0"/>
           </p:cNvCxnSpPr>
           <p:nvPr/>
         </p:nvCxnSpPr>
         <p:spPr>
           <a:xfrm>
-            <a:off x="5106083" y="5964611"/>
-            <a:ext cx="2222628" cy="275262"/>
+            <a:off x="3472760" y="5520869"/>
+            <a:ext cx="2154016" cy="369878"/>
           </a:xfrm>
           <a:prstGeom prst="straightConnector1">
             <a:avLst/>
@@ -6252,6 +6995,3733 @@
           </a:fontRef>
         </p:style>
       </p:cxnSp>
+      <p:cxnSp>
+        <p:nvCxnSpPr>
+          <p:cNvPr id="206" name="직선 화살표 연결선 205">
+            <a:extLst>
+              <a:ext uri="{FF2B5EF4-FFF2-40B4-BE49-F238E27FC236}">
+                <a16:creationId xmlns:a16="http://schemas.microsoft.com/office/drawing/2014/main" id="{4C74488A-A50F-40AF-9DD3-87DC6E2B3EB2}"/>
+              </a:ext>
+            </a:extLst>
+          </p:cNvPr>
+          <p:cNvCxnSpPr>
+            <a:cxnSpLocks/>
+            <a:stCxn id="200" idx="4"/>
+            <a:endCxn id="203" idx="0"/>
+          </p:cNvCxnSpPr>
+          <p:nvPr/>
+        </p:nvCxnSpPr>
+        <p:spPr>
+          <a:xfrm>
+            <a:off x="5628189" y="6467989"/>
+            <a:ext cx="2155430" cy="320484"/>
+          </a:xfrm>
+          <a:prstGeom prst="straightConnector1">
+            <a:avLst/>
+          </a:prstGeom>
+          <a:ln w="12700">
+            <a:solidFill>
+              <a:schemeClr val="tx1"/>
+            </a:solidFill>
+            <a:headEnd type="none" w="med" len="med"/>
+            <a:tailEnd type="arrow" w="med" len="med"/>
+          </a:ln>
+        </p:spPr>
+        <p:style>
+          <a:lnRef idx="1">
+            <a:schemeClr val="accent1"/>
+          </a:lnRef>
+          <a:fillRef idx="0">
+            <a:schemeClr val="accent1"/>
+          </a:fillRef>
+          <a:effectRef idx="0">
+            <a:schemeClr val="accent1"/>
+          </a:effectRef>
+          <a:fontRef idx="minor">
+            <a:schemeClr val="tx1"/>
+          </a:fontRef>
+        </p:style>
+      </p:cxnSp>
+      <p:sp>
+        <p:nvSpPr>
+          <p:cNvPr id="203" name="타원 202">
+            <a:extLst>
+              <a:ext uri="{FF2B5EF4-FFF2-40B4-BE49-F238E27FC236}">
+                <a16:creationId xmlns:a16="http://schemas.microsoft.com/office/drawing/2014/main" id="{12D27D49-AD9D-4865-B6FB-4C6B6C5041EE}"/>
+              </a:ext>
+            </a:extLst>
+          </p:cNvPr>
+          <p:cNvSpPr/>
+          <p:nvPr/>
+        </p:nvSpPr>
+        <p:spPr>
+          <a:xfrm>
+            <a:off x="7672584" y="6788473"/>
+            <a:ext cx="222070" cy="222070"/>
+          </a:xfrm>
+          <a:prstGeom prst="ellipse">
+            <a:avLst/>
+          </a:prstGeom>
+        </p:spPr>
+        <p:style>
+          <a:lnRef idx="2">
+            <a:schemeClr val="dk1"/>
+          </a:lnRef>
+          <a:fillRef idx="1">
+            <a:schemeClr val="lt1"/>
+          </a:fillRef>
+          <a:effectRef idx="0">
+            <a:schemeClr val="dk1"/>
+          </a:effectRef>
+          <a:fontRef idx="minor">
+            <a:schemeClr val="dk1"/>
+          </a:fontRef>
+        </p:style>
+        <p:txBody>
+          <a:bodyPr rtlCol="0" anchor="ctr"/>
+          <a:lstStyle/>
+          <a:p>
+            <a:pPr algn="ctr"/>
+            <a:endParaRPr lang="ko-KR" altLang="en-US" sz="1400"/>
+          </a:p>
+        </p:txBody>
+      </p:sp>
+      <p:sp>
+        <p:nvSpPr>
+          <p:cNvPr id="209" name="타원 208">
+            <a:extLst>
+              <a:ext uri="{FF2B5EF4-FFF2-40B4-BE49-F238E27FC236}">
+                <a16:creationId xmlns:a16="http://schemas.microsoft.com/office/drawing/2014/main" id="{33CEB76D-F91E-4F6C-AA59-E54A121FB5D6}"/>
+              </a:ext>
+            </a:extLst>
+          </p:cNvPr>
+          <p:cNvSpPr/>
+          <p:nvPr/>
+        </p:nvSpPr>
+        <p:spPr>
+          <a:xfrm>
+            <a:off x="5515741" y="5890747"/>
+            <a:ext cx="222070" cy="222070"/>
+          </a:xfrm>
+          <a:prstGeom prst="ellipse">
+            <a:avLst/>
+          </a:prstGeom>
+        </p:spPr>
+        <p:style>
+          <a:lnRef idx="2">
+            <a:schemeClr val="dk1"/>
+          </a:lnRef>
+          <a:fillRef idx="1">
+            <a:schemeClr val="lt1"/>
+          </a:fillRef>
+          <a:effectRef idx="0">
+            <a:schemeClr val="dk1"/>
+          </a:effectRef>
+          <a:fontRef idx="minor">
+            <a:schemeClr val="dk1"/>
+          </a:fontRef>
+        </p:style>
+        <p:txBody>
+          <a:bodyPr rtlCol="0" anchor="ctr"/>
+          <a:lstStyle/>
+          <a:p>
+            <a:pPr algn="ctr"/>
+            <a:endParaRPr lang="ko-KR" altLang="en-US" sz="1400"/>
+          </a:p>
+        </p:txBody>
+      </p:sp>
+      <p:sp>
+        <p:nvSpPr>
+          <p:cNvPr id="210" name="타원 209">
+            <a:extLst>
+              <a:ext uri="{FF2B5EF4-FFF2-40B4-BE49-F238E27FC236}">
+                <a16:creationId xmlns:a16="http://schemas.microsoft.com/office/drawing/2014/main" id="{81D1FC1F-3C50-4E9E-803E-EE3474716D45}"/>
+              </a:ext>
+            </a:extLst>
+          </p:cNvPr>
+          <p:cNvSpPr/>
+          <p:nvPr/>
+        </p:nvSpPr>
+        <p:spPr>
+          <a:xfrm>
+            <a:off x="3363686" y="6724575"/>
+            <a:ext cx="222070" cy="222070"/>
+          </a:xfrm>
+          <a:prstGeom prst="ellipse">
+            <a:avLst/>
+          </a:prstGeom>
+        </p:spPr>
+        <p:style>
+          <a:lnRef idx="2">
+            <a:schemeClr val="dk1"/>
+          </a:lnRef>
+          <a:fillRef idx="1">
+            <a:schemeClr val="lt1"/>
+          </a:fillRef>
+          <a:effectRef idx="0">
+            <a:schemeClr val="dk1"/>
+          </a:effectRef>
+          <a:fontRef idx="minor">
+            <a:schemeClr val="dk1"/>
+          </a:fontRef>
+        </p:style>
+        <p:txBody>
+          <a:bodyPr rtlCol="0" anchor="ctr"/>
+          <a:lstStyle/>
+          <a:p>
+            <a:pPr algn="ctr"/>
+            <a:endParaRPr lang="ko-KR" altLang="en-US" sz="1400"/>
+          </a:p>
+        </p:txBody>
+      </p:sp>
+      <p:cxnSp>
+        <p:nvCxnSpPr>
+          <p:cNvPr id="211" name="직선 화살표 연결선 210">
+            <a:extLst>
+              <a:ext uri="{FF2B5EF4-FFF2-40B4-BE49-F238E27FC236}">
+                <a16:creationId xmlns:a16="http://schemas.microsoft.com/office/drawing/2014/main" id="{F1C7FEF3-F215-47B7-802D-FCF73113FADA}"/>
+              </a:ext>
+            </a:extLst>
+          </p:cNvPr>
+          <p:cNvCxnSpPr>
+            <a:cxnSpLocks/>
+            <a:stCxn id="209" idx="4"/>
+            <a:endCxn id="200" idx="0"/>
+          </p:cNvCxnSpPr>
+          <p:nvPr/>
+        </p:nvCxnSpPr>
+        <p:spPr>
+          <a:xfrm>
+            <a:off x="5626776" y="6112817"/>
+            <a:ext cx="1413" cy="133102"/>
+          </a:xfrm>
+          <a:prstGeom prst="straightConnector1">
+            <a:avLst/>
+          </a:prstGeom>
+          <a:ln w="12700">
+            <a:solidFill>
+              <a:schemeClr val="tx1"/>
+            </a:solidFill>
+            <a:headEnd type="none" w="med" len="med"/>
+            <a:tailEnd type="arrow" w="med" len="med"/>
+          </a:ln>
+        </p:spPr>
+        <p:style>
+          <a:lnRef idx="1">
+            <a:schemeClr val="accent1"/>
+          </a:lnRef>
+          <a:fillRef idx="0">
+            <a:schemeClr val="accent1"/>
+          </a:fillRef>
+          <a:effectRef idx="0">
+            <a:schemeClr val="accent1"/>
+          </a:effectRef>
+          <a:fontRef idx="minor">
+            <a:schemeClr val="tx1"/>
+          </a:fontRef>
+        </p:style>
+      </p:cxnSp>
+      <p:sp>
+        <p:nvSpPr>
+          <p:cNvPr id="214" name="타원 213">
+            <a:extLst>
+              <a:ext uri="{FF2B5EF4-FFF2-40B4-BE49-F238E27FC236}">
+                <a16:creationId xmlns:a16="http://schemas.microsoft.com/office/drawing/2014/main" id="{42804AB4-275B-45A6-83B9-0861243AD088}"/>
+              </a:ext>
+            </a:extLst>
+          </p:cNvPr>
+          <p:cNvSpPr/>
+          <p:nvPr/>
+        </p:nvSpPr>
+        <p:spPr>
+          <a:xfrm>
+            <a:off x="3361725" y="6347049"/>
+            <a:ext cx="222070" cy="222070"/>
+          </a:xfrm>
+          <a:prstGeom prst="ellipse">
+            <a:avLst/>
+          </a:prstGeom>
+        </p:spPr>
+        <p:style>
+          <a:lnRef idx="2">
+            <a:schemeClr val="dk1"/>
+          </a:lnRef>
+          <a:fillRef idx="1">
+            <a:schemeClr val="lt1"/>
+          </a:fillRef>
+          <a:effectRef idx="0">
+            <a:schemeClr val="dk1"/>
+          </a:effectRef>
+          <a:fontRef idx="minor">
+            <a:schemeClr val="dk1"/>
+          </a:fontRef>
+        </p:style>
+        <p:txBody>
+          <a:bodyPr rtlCol="0" anchor="ctr"/>
+          <a:lstStyle/>
+          <a:p>
+            <a:pPr algn="ctr"/>
+            <a:endParaRPr lang="ko-KR" altLang="en-US" sz="1400"/>
+          </a:p>
+        </p:txBody>
+      </p:sp>
+      <p:cxnSp>
+        <p:nvCxnSpPr>
+          <p:cNvPr id="215" name="직선 화살표 연결선 214">
+            <a:extLst>
+              <a:ext uri="{FF2B5EF4-FFF2-40B4-BE49-F238E27FC236}">
+                <a16:creationId xmlns:a16="http://schemas.microsoft.com/office/drawing/2014/main" id="{748EED54-4EF6-4544-A480-A5160EE8B939}"/>
+              </a:ext>
+            </a:extLst>
+          </p:cNvPr>
+          <p:cNvCxnSpPr>
+            <a:cxnSpLocks/>
+            <a:stCxn id="212" idx="4"/>
+            <a:endCxn id="226" idx="0"/>
+          </p:cNvCxnSpPr>
+          <p:nvPr/>
+        </p:nvCxnSpPr>
+        <p:spPr>
+          <a:xfrm>
+            <a:off x="3472760" y="5108767"/>
+            <a:ext cx="0" cy="190032"/>
+          </a:xfrm>
+          <a:prstGeom prst="straightConnector1">
+            <a:avLst/>
+          </a:prstGeom>
+          <a:ln w="12700">
+            <a:solidFill>
+              <a:schemeClr val="tx1"/>
+            </a:solidFill>
+            <a:headEnd type="none" w="med" len="med"/>
+            <a:tailEnd type="arrow" w="med" len="med"/>
+          </a:ln>
+        </p:spPr>
+        <p:style>
+          <a:lnRef idx="1">
+            <a:schemeClr val="accent1"/>
+          </a:lnRef>
+          <a:fillRef idx="0">
+            <a:schemeClr val="accent1"/>
+          </a:fillRef>
+          <a:effectRef idx="0">
+            <a:schemeClr val="accent1"/>
+          </a:effectRef>
+          <a:fontRef idx="minor">
+            <a:schemeClr val="tx1"/>
+          </a:fontRef>
+        </p:style>
+      </p:cxnSp>
+      <p:cxnSp>
+        <p:nvCxnSpPr>
+          <p:cNvPr id="216" name="직선 화살표 연결선 215">
+            <a:extLst>
+              <a:ext uri="{FF2B5EF4-FFF2-40B4-BE49-F238E27FC236}">
+                <a16:creationId xmlns:a16="http://schemas.microsoft.com/office/drawing/2014/main" id="{FB5C83B1-9E71-47A1-9DA4-BA582375EE5F}"/>
+              </a:ext>
+            </a:extLst>
+          </p:cNvPr>
+          <p:cNvCxnSpPr>
+            <a:cxnSpLocks/>
+            <a:stCxn id="226" idx="4"/>
+            <a:endCxn id="214" idx="0"/>
+          </p:cNvCxnSpPr>
+          <p:nvPr/>
+        </p:nvCxnSpPr>
+        <p:spPr>
+          <a:xfrm>
+            <a:off x="3472760" y="5520869"/>
+            <a:ext cx="0" cy="826180"/>
+          </a:xfrm>
+          <a:prstGeom prst="straightConnector1">
+            <a:avLst/>
+          </a:prstGeom>
+          <a:ln w="12700">
+            <a:solidFill>
+              <a:schemeClr val="tx1"/>
+            </a:solidFill>
+            <a:headEnd type="none" w="med" len="med"/>
+            <a:tailEnd type="arrow" w="med" len="med"/>
+          </a:ln>
+        </p:spPr>
+        <p:style>
+          <a:lnRef idx="1">
+            <a:schemeClr val="accent1"/>
+          </a:lnRef>
+          <a:fillRef idx="0">
+            <a:schemeClr val="accent1"/>
+          </a:fillRef>
+          <a:effectRef idx="0">
+            <a:schemeClr val="accent1"/>
+          </a:effectRef>
+          <a:fontRef idx="minor">
+            <a:schemeClr val="tx1"/>
+          </a:fontRef>
+        </p:style>
+      </p:cxnSp>
+      <p:cxnSp>
+        <p:nvCxnSpPr>
+          <p:cNvPr id="217" name="직선 화살표 연결선 216">
+            <a:extLst>
+              <a:ext uri="{FF2B5EF4-FFF2-40B4-BE49-F238E27FC236}">
+                <a16:creationId xmlns:a16="http://schemas.microsoft.com/office/drawing/2014/main" id="{2462DE59-FE15-4CDF-909B-3431DAF77198}"/>
+              </a:ext>
+            </a:extLst>
+          </p:cNvPr>
+          <p:cNvCxnSpPr>
+            <a:cxnSpLocks/>
+            <a:stCxn id="214" idx="4"/>
+            <a:endCxn id="210" idx="0"/>
+          </p:cNvCxnSpPr>
+          <p:nvPr/>
+        </p:nvCxnSpPr>
+        <p:spPr>
+          <a:xfrm>
+            <a:off x="3472760" y="6569119"/>
+            <a:ext cx="1961" cy="155456"/>
+          </a:xfrm>
+          <a:prstGeom prst="straightConnector1">
+            <a:avLst/>
+          </a:prstGeom>
+          <a:ln w="12700">
+            <a:solidFill>
+              <a:schemeClr val="tx1"/>
+            </a:solidFill>
+            <a:headEnd type="none" w="med" len="med"/>
+            <a:tailEnd type="arrow" w="med" len="med"/>
+          </a:ln>
+        </p:spPr>
+        <p:style>
+          <a:lnRef idx="1">
+            <a:schemeClr val="accent1"/>
+          </a:lnRef>
+          <a:fillRef idx="0">
+            <a:schemeClr val="accent1"/>
+          </a:fillRef>
+          <a:effectRef idx="0">
+            <a:schemeClr val="accent1"/>
+          </a:effectRef>
+          <a:fontRef idx="minor">
+            <a:schemeClr val="tx1"/>
+          </a:fontRef>
+        </p:style>
+      </p:cxnSp>
+      <p:cxnSp>
+        <p:nvCxnSpPr>
+          <p:cNvPr id="218" name="직선 화살표 연결선 217">
+            <a:extLst>
+              <a:ext uri="{FF2B5EF4-FFF2-40B4-BE49-F238E27FC236}">
+                <a16:creationId xmlns:a16="http://schemas.microsoft.com/office/drawing/2014/main" id="{09028FAA-E282-4330-9B53-94684541577D}"/>
+              </a:ext>
+            </a:extLst>
+          </p:cNvPr>
+          <p:cNvCxnSpPr>
+            <a:cxnSpLocks/>
+            <a:stCxn id="209" idx="4"/>
+            <a:endCxn id="214" idx="0"/>
+          </p:cNvCxnSpPr>
+          <p:nvPr/>
+        </p:nvCxnSpPr>
+        <p:spPr>
+          <a:xfrm flipH="1">
+            <a:off x="3472760" y="6112817"/>
+            <a:ext cx="2154016" cy="234232"/>
+          </a:xfrm>
+          <a:prstGeom prst="straightConnector1">
+            <a:avLst/>
+          </a:prstGeom>
+          <a:ln w="12700">
+            <a:solidFill>
+              <a:schemeClr val="tx1"/>
+            </a:solidFill>
+            <a:headEnd type="none" w="med" len="med"/>
+            <a:tailEnd type="arrow" w="med" len="med"/>
+          </a:ln>
+        </p:spPr>
+        <p:style>
+          <a:lnRef idx="1">
+            <a:schemeClr val="accent1"/>
+          </a:lnRef>
+          <a:fillRef idx="0">
+            <a:schemeClr val="accent1"/>
+          </a:fillRef>
+          <a:effectRef idx="0">
+            <a:schemeClr val="accent1"/>
+          </a:effectRef>
+          <a:fontRef idx="minor">
+            <a:schemeClr val="tx1"/>
+          </a:fontRef>
+        </p:style>
+      </p:cxnSp>
+      <p:cxnSp>
+        <p:nvCxnSpPr>
+          <p:cNvPr id="223" name="직선 화살표 연결선 222">
+            <a:extLst>
+              <a:ext uri="{FF2B5EF4-FFF2-40B4-BE49-F238E27FC236}">
+                <a16:creationId xmlns:a16="http://schemas.microsoft.com/office/drawing/2014/main" id="{2316B2FA-1E3D-45AB-A012-254632A5BAE6}"/>
+              </a:ext>
+            </a:extLst>
+          </p:cNvPr>
+          <p:cNvCxnSpPr>
+            <a:cxnSpLocks/>
+            <a:stCxn id="200" idx="4"/>
+            <a:endCxn id="210" idx="0"/>
+          </p:cNvCxnSpPr>
+          <p:nvPr/>
+        </p:nvCxnSpPr>
+        <p:spPr>
+          <a:xfrm flipH="1">
+            <a:off x="3474721" y="6467989"/>
+            <a:ext cx="2153468" cy="256586"/>
+          </a:xfrm>
+          <a:prstGeom prst="straightConnector1">
+            <a:avLst/>
+          </a:prstGeom>
+          <a:ln w="12700">
+            <a:solidFill>
+              <a:schemeClr val="tx1"/>
+            </a:solidFill>
+            <a:headEnd type="none" w="med" len="med"/>
+            <a:tailEnd type="arrow" w="med" len="med"/>
+          </a:ln>
+        </p:spPr>
+        <p:style>
+          <a:lnRef idx="1">
+            <a:schemeClr val="accent1"/>
+          </a:lnRef>
+          <a:fillRef idx="0">
+            <a:schemeClr val="accent1"/>
+          </a:fillRef>
+          <a:effectRef idx="0">
+            <a:schemeClr val="accent1"/>
+          </a:effectRef>
+          <a:fontRef idx="minor">
+            <a:schemeClr val="tx1"/>
+          </a:fontRef>
+        </p:style>
+      </p:cxnSp>
+      <p:sp>
+        <p:nvSpPr>
+          <p:cNvPr id="227" name="TextBox 226">
+            <a:extLst>
+              <a:ext uri="{FF2B5EF4-FFF2-40B4-BE49-F238E27FC236}">
+                <a16:creationId xmlns:a16="http://schemas.microsoft.com/office/drawing/2014/main" id="{1F71809F-675A-4767-B8AF-B7F1D509795C}"/>
+              </a:ext>
+            </a:extLst>
+          </p:cNvPr>
+          <p:cNvSpPr txBox="1"/>
+          <p:nvPr/>
+        </p:nvSpPr>
+        <p:spPr>
+          <a:xfrm>
+            <a:off x="4540807" y="6115351"/>
+            <a:ext cx="1111313" cy="461665"/>
+          </a:xfrm>
+          <a:prstGeom prst="rect">
+            <a:avLst/>
+          </a:prstGeom>
+          <a:noFill/>
+        </p:spPr>
+        <p:txBody>
+          <a:bodyPr wrap="square" rtlCol="0">
+            <a:spAutoFit/>
+          </a:bodyPr>
+          <a:lstStyle/>
+          <a:p>
+            <a:pPr algn="ctr"/>
+            <a:r>
+              <a:rPr lang="en-US" altLang="ko-KR" sz="1200"/>
+              <a:t>continuosly merge</a:t>
+            </a:r>
+            <a:endParaRPr lang="ko-KR" altLang="en-US" sz="1200"/>
+          </a:p>
+        </p:txBody>
+      </p:sp>
+      <p:cxnSp>
+        <p:nvCxnSpPr>
+          <p:cNvPr id="229" name="직선 연결선 228">
+            <a:extLst>
+              <a:ext uri="{FF2B5EF4-FFF2-40B4-BE49-F238E27FC236}">
+                <a16:creationId xmlns:a16="http://schemas.microsoft.com/office/drawing/2014/main" id="{77C99677-E6AC-4A1D-A646-C9EAA5CF40A5}"/>
+              </a:ext>
+            </a:extLst>
+          </p:cNvPr>
+          <p:cNvCxnSpPr>
+            <a:cxnSpLocks/>
+          </p:cNvCxnSpPr>
+          <p:nvPr/>
+        </p:nvCxnSpPr>
+        <p:spPr>
+          <a:xfrm>
+            <a:off x="5381920" y="5741863"/>
+            <a:ext cx="472266" cy="0"/>
+          </a:xfrm>
+          <a:prstGeom prst="line">
+            <a:avLst/>
+          </a:prstGeom>
+          <a:ln w="19050">
+            <a:prstDash val="dash"/>
+          </a:ln>
+        </p:spPr>
+        <p:style>
+          <a:lnRef idx="1">
+            <a:schemeClr val="dk1"/>
+          </a:lnRef>
+          <a:fillRef idx="0">
+            <a:schemeClr val="dk1"/>
+          </a:fillRef>
+          <a:effectRef idx="0">
+            <a:schemeClr val="dk1"/>
+          </a:effectRef>
+          <a:fontRef idx="minor">
+            <a:schemeClr val="tx1"/>
+          </a:fontRef>
+        </p:style>
+      </p:cxnSp>
+      <p:cxnSp>
+        <p:nvCxnSpPr>
+          <p:cNvPr id="230" name="직선 연결선 229">
+            <a:extLst>
+              <a:ext uri="{FF2B5EF4-FFF2-40B4-BE49-F238E27FC236}">
+                <a16:creationId xmlns:a16="http://schemas.microsoft.com/office/drawing/2014/main" id="{B79B524E-5F45-450C-890B-A8942CB10211}"/>
+              </a:ext>
+            </a:extLst>
+          </p:cNvPr>
+          <p:cNvCxnSpPr>
+            <a:cxnSpLocks/>
+          </p:cNvCxnSpPr>
+          <p:nvPr/>
+        </p:nvCxnSpPr>
+        <p:spPr>
+          <a:xfrm>
+            <a:off x="5381920" y="6569119"/>
+            <a:ext cx="472266" cy="0"/>
+          </a:xfrm>
+          <a:prstGeom prst="line">
+            <a:avLst/>
+          </a:prstGeom>
+          <a:ln w="19050">
+            <a:prstDash val="dash"/>
+          </a:ln>
+        </p:spPr>
+        <p:style>
+          <a:lnRef idx="1">
+            <a:schemeClr val="dk1"/>
+          </a:lnRef>
+          <a:fillRef idx="0">
+            <a:schemeClr val="dk1"/>
+          </a:fillRef>
+          <a:effectRef idx="0">
+            <a:schemeClr val="dk1"/>
+          </a:effectRef>
+          <a:fontRef idx="minor">
+            <a:schemeClr val="tx1"/>
+          </a:fontRef>
+        </p:style>
+      </p:cxnSp>
+      <p:sp>
+        <p:nvSpPr>
+          <p:cNvPr id="232" name="TextBox 231">
+            <a:extLst>
+              <a:ext uri="{FF2B5EF4-FFF2-40B4-BE49-F238E27FC236}">
+                <a16:creationId xmlns:a16="http://schemas.microsoft.com/office/drawing/2014/main" id="{4130B63F-E0C3-4003-8F52-62DF15591D0D}"/>
+              </a:ext>
+            </a:extLst>
+          </p:cNvPr>
+          <p:cNvSpPr txBox="1"/>
+          <p:nvPr/>
+        </p:nvSpPr>
+        <p:spPr>
+          <a:xfrm>
+            <a:off x="1419602" y="4002968"/>
+            <a:ext cx="1111313" cy="461665"/>
+          </a:xfrm>
+          <a:prstGeom prst="rect">
+            <a:avLst/>
+          </a:prstGeom>
+          <a:noFill/>
+        </p:spPr>
+        <p:txBody>
+          <a:bodyPr wrap="square" rtlCol="0">
+            <a:spAutoFit/>
+          </a:bodyPr>
+          <a:lstStyle/>
+          <a:p>
+            <a:pPr algn="ctr"/>
+            <a:r>
+              <a:rPr lang="en-US" altLang="ko-KR" sz="1200"/>
+              <a:t>Reuse Branch</a:t>
+            </a:r>
+            <a:endParaRPr lang="ko-KR" altLang="en-US" sz="1200"/>
+          </a:p>
+        </p:txBody>
+      </p:sp>
+      <p:cxnSp>
+        <p:nvCxnSpPr>
+          <p:cNvPr id="233" name="직선 화살표 연결선 232">
+            <a:extLst>
+              <a:ext uri="{FF2B5EF4-FFF2-40B4-BE49-F238E27FC236}">
+                <a16:creationId xmlns:a16="http://schemas.microsoft.com/office/drawing/2014/main" id="{5AFF6F5A-96B3-4638-B860-2AF312528C82}"/>
+              </a:ext>
+            </a:extLst>
+          </p:cNvPr>
+          <p:cNvCxnSpPr>
+            <a:cxnSpLocks/>
+            <a:stCxn id="4" idx="4"/>
+            <a:endCxn id="159" idx="0"/>
+          </p:cNvCxnSpPr>
+          <p:nvPr/>
+        </p:nvCxnSpPr>
+        <p:spPr>
+          <a:xfrm>
+            <a:off x="7783619" y="1005457"/>
+            <a:ext cx="0" cy="1087205"/>
+          </a:xfrm>
+          <a:prstGeom prst="straightConnector1">
+            <a:avLst/>
+          </a:prstGeom>
+          <a:ln w="12700">
+            <a:solidFill>
+              <a:schemeClr val="tx1"/>
+            </a:solidFill>
+            <a:headEnd type="none" w="med" len="med"/>
+            <a:tailEnd type="arrow" w="med" len="med"/>
+          </a:ln>
+        </p:spPr>
+        <p:style>
+          <a:lnRef idx="1">
+            <a:schemeClr val="accent1"/>
+          </a:lnRef>
+          <a:fillRef idx="0">
+            <a:schemeClr val="accent1"/>
+          </a:fillRef>
+          <a:effectRef idx="0">
+            <a:schemeClr val="accent1"/>
+          </a:effectRef>
+          <a:fontRef idx="minor">
+            <a:schemeClr val="tx1"/>
+          </a:fontRef>
+        </p:style>
+      </p:cxnSp>
+      <p:cxnSp>
+        <p:nvCxnSpPr>
+          <p:cNvPr id="235" name="직선 화살표 연결선 234">
+            <a:extLst>
+              <a:ext uri="{FF2B5EF4-FFF2-40B4-BE49-F238E27FC236}">
+                <a16:creationId xmlns:a16="http://schemas.microsoft.com/office/drawing/2014/main" id="{7C9B00C6-E05E-4507-8725-B7DC64CDCD25}"/>
+              </a:ext>
+            </a:extLst>
+          </p:cNvPr>
+          <p:cNvCxnSpPr>
+            <a:cxnSpLocks/>
+            <a:stCxn id="159" idx="4"/>
+            <a:endCxn id="98" idx="0"/>
+          </p:cNvCxnSpPr>
+          <p:nvPr/>
+        </p:nvCxnSpPr>
+        <p:spPr>
+          <a:xfrm>
+            <a:off x="7783619" y="2314732"/>
+            <a:ext cx="0" cy="1851173"/>
+          </a:xfrm>
+          <a:prstGeom prst="straightConnector1">
+            <a:avLst/>
+          </a:prstGeom>
+          <a:ln w="12700">
+            <a:solidFill>
+              <a:schemeClr val="tx1"/>
+            </a:solidFill>
+            <a:headEnd type="none" w="med" len="med"/>
+            <a:tailEnd type="arrow" w="med" len="med"/>
+          </a:ln>
+        </p:spPr>
+        <p:style>
+          <a:lnRef idx="1">
+            <a:schemeClr val="accent1"/>
+          </a:lnRef>
+          <a:fillRef idx="0">
+            <a:schemeClr val="accent1"/>
+          </a:fillRef>
+          <a:effectRef idx="0">
+            <a:schemeClr val="accent1"/>
+          </a:effectRef>
+          <a:fontRef idx="minor">
+            <a:schemeClr val="tx1"/>
+          </a:fontRef>
+        </p:style>
+      </p:cxnSp>
+      <p:cxnSp>
+        <p:nvCxnSpPr>
+          <p:cNvPr id="238" name="직선 화살표 연결선 237">
+            <a:extLst>
+              <a:ext uri="{FF2B5EF4-FFF2-40B4-BE49-F238E27FC236}">
+                <a16:creationId xmlns:a16="http://schemas.microsoft.com/office/drawing/2014/main" id="{08832BA8-FBA9-4754-9D4A-846928B32D46}"/>
+              </a:ext>
+            </a:extLst>
+          </p:cNvPr>
+          <p:cNvCxnSpPr>
+            <a:cxnSpLocks/>
+            <a:stCxn id="98" idx="4"/>
+            <a:endCxn id="203" idx="0"/>
+          </p:cNvCxnSpPr>
+          <p:nvPr/>
+        </p:nvCxnSpPr>
+        <p:spPr>
+          <a:xfrm>
+            <a:off x="7783619" y="4387975"/>
+            <a:ext cx="0" cy="2400498"/>
+          </a:xfrm>
+          <a:prstGeom prst="straightConnector1">
+            <a:avLst/>
+          </a:prstGeom>
+          <a:ln w="12700">
+            <a:solidFill>
+              <a:schemeClr val="tx1"/>
+            </a:solidFill>
+            <a:headEnd type="none" w="med" len="med"/>
+            <a:tailEnd type="arrow" w="med" len="med"/>
+          </a:ln>
+        </p:spPr>
+        <p:style>
+          <a:lnRef idx="1">
+            <a:schemeClr val="accent1"/>
+          </a:lnRef>
+          <a:fillRef idx="0">
+            <a:schemeClr val="accent1"/>
+          </a:fillRef>
+          <a:effectRef idx="0">
+            <a:schemeClr val="accent1"/>
+          </a:effectRef>
+          <a:fontRef idx="minor">
+            <a:schemeClr val="tx1"/>
+          </a:fontRef>
+        </p:style>
+      </p:cxnSp>
+    </p:spTree>
+    <p:extLst>
+      <p:ext uri="{BB962C8B-B14F-4D97-AF65-F5344CB8AC3E}">
+        <p14:creationId xmlns:p14="http://schemas.microsoft.com/office/powerpoint/2010/main" val="2411330294"/>
+      </p:ext>
+    </p:extLst>
+  </p:cSld>
+  <p:clrMapOvr>
+    <a:masterClrMapping/>
+  </p:clrMapOvr>
+</p:sld>
+</file>
+
+<file path=ppt/slides/slide2.xml><?xml version="1.0" encoding="utf-8"?>
+<p:sld xmlns:a="http://schemas.openxmlformats.org/drawingml/2006/main" xmlns:r="http://schemas.openxmlformats.org/officeDocument/2006/relationships" xmlns:p="http://schemas.openxmlformats.org/presentationml/2006/main">
+  <p:cSld>
+    <p:spTree>
+      <p:nvGrpSpPr>
+        <p:cNvPr id="1" name=""/>
+        <p:cNvGrpSpPr/>
+        <p:nvPr/>
+      </p:nvGrpSpPr>
+      <p:grpSpPr>
+        <a:xfrm>
+          <a:off x="0" y="0"/>
+          <a:ext cx="0" cy="0"/>
+          <a:chOff x="0" y="0"/>
+          <a:chExt cx="0" cy="0"/>
+        </a:xfrm>
+      </p:grpSpPr>
+    </p:spTree>
+    <p:extLst>
+      <p:ext uri="{BB962C8B-B14F-4D97-AF65-F5344CB8AC3E}">
+        <p14:creationId xmlns:p14="http://schemas.microsoft.com/office/powerpoint/2010/main" val="3108787635"/>
+      </p:ext>
+    </p:extLst>
+  </p:cSld>
+  <p:clrMapOvr>
+    <a:masterClrMapping/>
+  </p:clrMapOvr>
+</p:sld>
+</file>
+
+<file path=ppt/slides/slide3.xml><?xml version="1.0" encoding="utf-8"?>
+<p:sld xmlns:a="http://schemas.openxmlformats.org/drawingml/2006/main" xmlns:r="http://schemas.openxmlformats.org/officeDocument/2006/relationships" xmlns:p="http://schemas.openxmlformats.org/presentationml/2006/main">
+  <p:cSld>
+    <p:spTree>
+      <p:nvGrpSpPr>
+        <p:cNvPr id="1" name=""/>
+        <p:cNvGrpSpPr/>
+        <p:nvPr/>
+      </p:nvGrpSpPr>
+      <p:grpSpPr>
+        <a:xfrm>
+          <a:off x="0" y="0"/>
+          <a:ext cx="0" cy="0"/>
+          <a:chOff x="0" y="0"/>
+          <a:chExt cx="0" cy="0"/>
+        </a:xfrm>
+      </p:grpSpPr>
+      <p:sp>
+        <p:nvSpPr>
+          <p:cNvPr id="2" name="제목 1">
+            <a:extLst>
+              <a:ext uri="{FF2B5EF4-FFF2-40B4-BE49-F238E27FC236}">
+                <a16:creationId xmlns:a16="http://schemas.microsoft.com/office/drawing/2014/main" id="{FC67F929-A4E0-49DA-A87A-869BFE4EFE72}"/>
+              </a:ext>
+            </a:extLst>
+          </p:cNvPr>
+          <p:cNvSpPr>
+            <a:spLocks noGrp="1"/>
+          </p:cNvSpPr>
+          <p:nvPr>
+            <p:ph type="title"/>
+          </p:nvPr>
+        </p:nvSpPr>
+        <p:spPr>
+          <a:xfrm>
+            <a:off x="-1273810" y="-1052181"/>
+            <a:ext cx="11691620" cy="1217877"/>
+          </a:xfrm>
+        </p:spPr>
+        <p:txBody>
+          <a:bodyPr>
+            <a:normAutofit/>
+          </a:bodyPr>
+          <a:lstStyle/>
+          <a:p>
+            <a:r>
+              <a:rPr lang="en-US" altLang="ko-KR"/>
+              <a:t>Git Flow</a:t>
+            </a:r>
+            <a:endParaRPr lang="ko-KR" altLang="en-US"/>
+          </a:p>
+        </p:txBody>
+      </p:sp>
+      <p:cxnSp>
+        <p:nvCxnSpPr>
+          <p:cNvPr id="6" name="직선 연결선 5">
+            <a:extLst>
+              <a:ext uri="{FF2B5EF4-FFF2-40B4-BE49-F238E27FC236}">
+                <a16:creationId xmlns:a16="http://schemas.microsoft.com/office/drawing/2014/main" id="{91491E03-15B2-4BA3-BEEB-DB4BBD3B59E7}"/>
+              </a:ext>
+            </a:extLst>
+          </p:cNvPr>
+          <p:cNvCxnSpPr>
+            <a:cxnSpLocks/>
+            <a:stCxn id="10" idx="2"/>
+          </p:cNvCxnSpPr>
+          <p:nvPr/>
+        </p:nvCxnSpPr>
+        <p:spPr>
+          <a:xfrm>
+            <a:off x="7328712" y="690270"/>
+            <a:ext cx="0" cy="5915689"/>
+          </a:xfrm>
+          <a:prstGeom prst="line">
+            <a:avLst/>
+          </a:prstGeom>
+          <a:ln w="19050"/>
+        </p:spPr>
+        <p:style>
+          <a:lnRef idx="1">
+            <a:schemeClr val="dk1"/>
+          </a:lnRef>
+          <a:fillRef idx="0">
+            <a:schemeClr val="dk1"/>
+          </a:fillRef>
+          <a:effectRef idx="0">
+            <a:schemeClr val="dk1"/>
+          </a:effectRef>
+          <a:fontRef idx="minor">
+            <a:schemeClr val="tx1"/>
+          </a:fontRef>
+        </p:style>
+      </p:cxnSp>
+      <p:sp>
+        <p:nvSpPr>
+          <p:cNvPr id="10" name="TextBox 9">
+            <a:extLst>
+              <a:ext uri="{FF2B5EF4-FFF2-40B4-BE49-F238E27FC236}">
+                <a16:creationId xmlns:a16="http://schemas.microsoft.com/office/drawing/2014/main" id="{B0E1E008-BCA1-47D1-B551-C40572ABC55F}"/>
+              </a:ext>
+            </a:extLst>
+          </p:cNvPr>
+          <p:cNvSpPr txBox="1"/>
+          <p:nvPr/>
+        </p:nvSpPr>
+        <p:spPr>
+          <a:xfrm>
+            <a:off x="6773055" y="413271"/>
+            <a:ext cx="1111313" cy="276999"/>
+          </a:xfrm>
+          <a:prstGeom prst="rect">
+            <a:avLst/>
+          </a:prstGeom>
+          <a:noFill/>
+        </p:spPr>
+        <p:txBody>
+          <a:bodyPr wrap="square" rtlCol="0">
+            <a:spAutoFit/>
+          </a:bodyPr>
+          <a:lstStyle/>
+          <a:p>
+            <a:pPr algn="ctr"/>
+            <a:r>
+              <a:rPr lang="en-US" altLang="ko-KR" sz="1200" b="1"/>
+              <a:t>master</a:t>
+            </a:r>
+            <a:endParaRPr lang="ko-KR" altLang="en-US" sz="1200" b="1"/>
+          </a:p>
+        </p:txBody>
+      </p:sp>
+      <p:sp>
+        <p:nvSpPr>
+          <p:cNvPr id="77" name="TextBox 76">
+            <a:extLst>
+              <a:ext uri="{FF2B5EF4-FFF2-40B4-BE49-F238E27FC236}">
+                <a16:creationId xmlns:a16="http://schemas.microsoft.com/office/drawing/2014/main" id="{104718F8-97D1-444D-81DB-B2AF0A4198B8}"/>
+              </a:ext>
+            </a:extLst>
+          </p:cNvPr>
+          <p:cNvSpPr txBox="1"/>
+          <p:nvPr/>
+        </p:nvSpPr>
+        <p:spPr>
+          <a:xfrm>
+            <a:off x="5661740" y="413271"/>
+            <a:ext cx="1111313" cy="276999"/>
+          </a:xfrm>
+          <a:prstGeom prst="rect">
+            <a:avLst/>
+          </a:prstGeom>
+          <a:noFill/>
+        </p:spPr>
+        <p:txBody>
+          <a:bodyPr wrap="square" rtlCol="0">
+            <a:spAutoFit/>
+          </a:bodyPr>
+          <a:lstStyle/>
+          <a:p>
+            <a:pPr algn="ctr"/>
+            <a:r>
+              <a:rPr lang="en-US" altLang="ko-KR" sz="1200"/>
+              <a:t>hotfix-0.2</a:t>
+            </a:r>
+            <a:endParaRPr lang="ko-KR" altLang="en-US" sz="1200"/>
+          </a:p>
+        </p:txBody>
+      </p:sp>
+      <p:sp>
+        <p:nvSpPr>
+          <p:cNvPr id="79" name="TextBox 78">
+            <a:extLst>
+              <a:ext uri="{FF2B5EF4-FFF2-40B4-BE49-F238E27FC236}">
+                <a16:creationId xmlns:a16="http://schemas.microsoft.com/office/drawing/2014/main" id="{2D16FE4F-14FE-4083-8A4E-F2594B60171D}"/>
+              </a:ext>
+            </a:extLst>
+          </p:cNvPr>
+          <p:cNvSpPr txBox="1"/>
+          <p:nvPr/>
+        </p:nvSpPr>
+        <p:spPr>
+          <a:xfrm>
+            <a:off x="4550427" y="413271"/>
+            <a:ext cx="1111313" cy="276999"/>
+          </a:xfrm>
+          <a:prstGeom prst="rect">
+            <a:avLst/>
+          </a:prstGeom>
+          <a:noFill/>
+        </p:spPr>
+        <p:txBody>
+          <a:bodyPr wrap="square" rtlCol="0">
+            <a:spAutoFit/>
+          </a:bodyPr>
+          <a:lstStyle/>
+          <a:p>
+            <a:pPr algn="ctr"/>
+            <a:r>
+              <a:rPr lang="en-US" altLang="ko-KR" sz="1200"/>
+              <a:t>release-1.0</a:t>
+            </a:r>
+            <a:endParaRPr lang="ko-KR" altLang="en-US" sz="1200"/>
+          </a:p>
+        </p:txBody>
+      </p:sp>
+      <p:sp>
+        <p:nvSpPr>
+          <p:cNvPr id="80" name="TextBox 79">
+            <a:extLst>
+              <a:ext uri="{FF2B5EF4-FFF2-40B4-BE49-F238E27FC236}">
+                <a16:creationId xmlns:a16="http://schemas.microsoft.com/office/drawing/2014/main" id="{78EB5E61-DD89-4DFC-A88D-29930C0AF21B}"/>
+              </a:ext>
+            </a:extLst>
+          </p:cNvPr>
+          <p:cNvSpPr txBox="1"/>
+          <p:nvPr/>
+        </p:nvSpPr>
+        <p:spPr>
+          <a:xfrm>
+            <a:off x="3434290" y="413271"/>
+            <a:ext cx="1111313" cy="276999"/>
+          </a:xfrm>
+          <a:prstGeom prst="rect">
+            <a:avLst/>
+          </a:prstGeom>
+          <a:noFill/>
+        </p:spPr>
+        <p:txBody>
+          <a:bodyPr wrap="square" rtlCol="0">
+            <a:spAutoFit/>
+          </a:bodyPr>
+          <a:lstStyle/>
+          <a:p>
+            <a:pPr algn="ctr"/>
+            <a:r>
+              <a:rPr lang="en-US" altLang="ko-KR" sz="1200" b="1"/>
+              <a:t>develop</a:t>
+            </a:r>
+            <a:endParaRPr lang="ko-KR" altLang="en-US" sz="1200" b="1"/>
+          </a:p>
+        </p:txBody>
+      </p:sp>
+      <p:sp>
+        <p:nvSpPr>
+          <p:cNvPr id="83" name="TextBox 82">
+            <a:extLst>
+              <a:ext uri="{FF2B5EF4-FFF2-40B4-BE49-F238E27FC236}">
+                <a16:creationId xmlns:a16="http://schemas.microsoft.com/office/drawing/2014/main" id="{EAB3FF0D-B45B-4E16-8A56-BB952C7399F6}"/>
+              </a:ext>
+            </a:extLst>
+          </p:cNvPr>
+          <p:cNvSpPr txBox="1"/>
+          <p:nvPr/>
+        </p:nvSpPr>
+        <p:spPr>
+          <a:xfrm>
+            <a:off x="2322977" y="413271"/>
+            <a:ext cx="1111313" cy="276999"/>
+          </a:xfrm>
+          <a:prstGeom prst="rect">
+            <a:avLst/>
+          </a:prstGeom>
+          <a:noFill/>
+        </p:spPr>
+        <p:txBody>
+          <a:bodyPr wrap="square" rtlCol="0">
+            <a:spAutoFit/>
+          </a:bodyPr>
+          <a:lstStyle/>
+          <a:p>
+            <a:pPr algn="ctr"/>
+            <a:r>
+              <a:rPr lang="en-US" altLang="ko-KR" sz="1200"/>
+              <a:t>feature-b</a:t>
+            </a:r>
+            <a:endParaRPr lang="ko-KR" altLang="en-US" sz="1200"/>
+          </a:p>
+        </p:txBody>
+      </p:sp>
+      <p:sp>
+        <p:nvSpPr>
+          <p:cNvPr id="84" name="TextBox 83">
+            <a:extLst>
+              <a:ext uri="{FF2B5EF4-FFF2-40B4-BE49-F238E27FC236}">
+                <a16:creationId xmlns:a16="http://schemas.microsoft.com/office/drawing/2014/main" id="{7D83D15D-F1BF-46FD-AA82-6309241F9BD7}"/>
+              </a:ext>
+            </a:extLst>
+          </p:cNvPr>
+          <p:cNvSpPr txBox="1"/>
+          <p:nvPr/>
+        </p:nvSpPr>
+        <p:spPr>
+          <a:xfrm>
+            <a:off x="1206840" y="413271"/>
+            <a:ext cx="1111313" cy="276999"/>
+          </a:xfrm>
+          <a:prstGeom prst="rect">
+            <a:avLst/>
+          </a:prstGeom>
+          <a:noFill/>
+        </p:spPr>
+        <p:txBody>
+          <a:bodyPr wrap="square" rtlCol="0">
+            <a:spAutoFit/>
+          </a:bodyPr>
+          <a:lstStyle/>
+          <a:p>
+            <a:pPr algn="ctr"/>
+            <a:r>
+              <a:rPr lang="en-US" altLang="ko-KR" sz="1200"/>
+              <a:t>feature-a</a:t>
+            </a:r>
+            <a:endParaRPr lang="ko-KR" altLang="en-US" sz="1200"/>
+          </a:p>
+        </p:txBody>
+      </p:sp>
+      <p:cxnSp>
+        <p:nvCxnSpPr>
+          <p:cNvPr id="86" name="직선 연결선 85">
+            <a:extLst>
+              <a:ext uri="{FF2B5EF4-FFF2-40B4-BE49-F238E27FC236}">
+                <a16:creationId xmlns:a16="http://schemas.microsoft.com/office/drawing/2014/main" id="{7C5C841C-EF18-4A68-AA63-62979B749FFF}"/>
+              </a:ext>
+            </a:extLst>
+          </p:cNvPr>
+          <p:cNvCxnSpPr>
+            <a:cxnSpLocks/>
+            <a:stCxn id="77" idx="2"/>
+          </p:cNvCxnSpPr>
+          <p:nvPr/>
+        </p:nvCxnSpPr>
+        <p:spPr>
+          <a:xfrm>
+            <a:off x="6217397" y="690270"/>
+            <a:ext cx="0" cy="5915689"/>
+          </a:xfrm>
+          <a:prstGeom prst="line">
+            <a:avLst/>
+          </a:prstGeom>
+          <a:ln w="19050"/>
+        </p:spPr>
+        <p:style>
+          <a:lnRef idx="1">
+            <a:schemeClr val="dk1"/>
+          </a:lnRef>
+          <a:fillRef idx="0">
+            <a:schemeClr val="dk1"/>
+          </a:fillRef>
+          <a:effectRef idx="0">
+            <a:schemeClr val="dk1"/>
+          </a:effectRef>
+          <a:fontRef idx="minor">
+            <a:schemeClr val="tx1"/>
+          </a:fontRef>
+        </p:style>
+      </p:cxnSp>
+      <p:cxnSp>
+        <p:nvCxnSpPr>
+          <p:cNvPr id="87" name="직선 연결선 86">
+            <a:extLst>
+              <a:ext uri="{FF2B5EF4-FFF2-40B4-BE49-F238E27FC236}">
+                <a16:creationId xmlns:a16="http://schemas.microsoft.com/office/drawing/2014/main" id="{46D496C8-09A8-486B-A211-67BFAC7FB56C}"/>
+              </a:ext>
+            </a:extLst>
+          </p:cNvPr>
+          <p:cNvCxnSpPr>
+            <a:cxnSpLocks/>
+          </p:cNvCxnSpPr>
+          <p:nvPr/>
+        </p:nvCxnSpPr>
+        <p:spPr>
+          <a:xfrm>
+            <a:off x="5106084" y="698022"/>
+            <a:ext cx="0" cy="5907937"/>
+          </a:xfrm>
+          <a:prstGeom prst="line">
+            <a:avLst/>
+          </a:prstGeom>
+          <a:ln w="19050"/>
+        </p:spPr>
+        <p:style>
+          <a:lnRef idx="1">
+            <a:schemeClr val="dk1"/>
+          </a:lnRef>
+          <a:fillRef idx="0">
+            <a:schemeClr val="dk1"/>
+          </a:fillRef>
+          <a:effectRef idx="0">
+            <a:schemeClr val="dk1"/>
+          </a:effectRef>
+          <a:fontRef idx="minor">
+            <a:schemeClr val="tx1"/>
+          </a:fontRef>
+        </p:style>
+      </p:cxnSp>
+      <p:cxnSp>
+        <p:nvCxnSpPr>
+          <p:cNvPr id="90" name="직선 연결선 89">
+            <a:extLst>
+              <a:ext uri="{FF2B5EF4-FFF2-40B4-BE49-F238E27FC236}">
+                <a16:creationId xmlns:a16="http://schemas.microsoft.com/office/drawing/2014/main" id="{005518DE-31AD-4E59-BBB8-FEDEDAD60C55}"/>
+              </a:ext>
+            </a:extLst>
+          </p:cNvPr>
+          <p:cNvCxnSpPr>
+            <a:cxnSpLocks/>
+          </p:cNvCxnSpPr>
+          <p:nvPr/>
+        </p:nvCxnSpPr>
+        <p:spPr>
+          <a:xfrm>
+            <a:off x="3994770" y="698022"/>
+            <a:ext cx="0" cy="5907937"/>
+          </a:xfrm>
+          <a:prstGeom prst="line">
+            <a:avLst/>
+          </a:prstGeom>
+          <a:ln w="19050"/>
+        </p:spPr>
+        <p:style>
+          <a:lnRef idx="1">
+            <a:schemeClr val="dk1"/>
+          </a:lnRef>
+          <a:fillRef idx="0">
+            <a:schemeClr val="dk1"/>
+          </a:fillRef>
+          <a:effectRef idx="0">
+            <a:schemeClr val="dk1"/>
+          </a:effectRef>
+          <a:fontRef idx="minor">
+            <a:schemeClr val="tx1"/>
+          </a:fontRef>
+        </p:style>
+      </p:cxnSp>
+      <p:cxnSp>
+        <p:nvCxnSpPr>
+          <p:cNvPr id="94" name="직선 연결선 93">
+            <a:extLst>
+              <a:ext uri="{FF2B5EF4-FFF2-40B4-BE49-F238E27FC236}">
+                <a16:creationId xmlns:a16="http://schemas.microsoft.com/office/drawing/2014/main" id="{489C4368-5AF8-4669-8482-096B9F4C1D1F}"/>
+              </a:ext>
+            </a:extLst>
+          </p:cNvPr>
+          <p:cNvCxnSpPr>
+            <a:cxnSpLocks/>
+          </p:cNvCxnSpPr>
+          <p:nvPr/>
+        </p:nvCxnSpPr>
+        <p:spPr>
+          <a:xfrm>
+            <a:off x="2878633" y="698022"/>
+            <a:ext cx="0" cy="5907937"/>
+          </a:xfrm>
+          <a:prstGeom prst="line">
+            <a:avLst/>
+          </a:prstGeom>
+          <a:ln w="19050"/>
+        </p:spPr>
+        <p:style>
+          <a:lnRef idx="1">
+            <a:schemeClr val="dk1"/>
+          </a:lnRef>
+          <a:fillRef idx="0">
+            <a:schemeClr val="dk1"/>
+          </a:fillRef>
+          <a:effectRef idx="0">
+            <a:schemeClr val="dk1"/>
+          </a:effectRef>
+          <a:fontRef idx="minor">
+            <a:schemeClr val="tx1"/>
+          </a:fontRef>
+        </p:style>
+      </p:cxnSp>
+      <p:cxnSp>
+        <p:nvCxnSpPr>
+          <p:cNvPr id="97" name="직선 연결선 96">
+            <a:extLst>
+              <a:ext uri="{FF2B5EF4-FFF2-40B4-BE49-F238E27FC236}">
+                <a16:creationId xmlns:a16="http://schemas.microsoft.com/office/drawing/2014/main" id="{5E27856F-A295-49E9-B66C-F081C84FCD67}"/>
+              </a:ext>
+            </a:extLst>
+          </p:cNvPr>
+          <p:cNvCxnSpPr>
+            <a:cxnSpLocks/>
+          </p:cNvCxnSpPr>
+          <p:nvPr/>
+        </p:nvCxnSpPr>
+        <p:spPr>
+          <a:xfrm>
+            <a:off x="1767320" y="698022"/>
+            <a:ext cx="0" cy="5907937"/>
+          </a:xfrm>
+          <a:prstGeom prst="line">
+            <a:avLst/>
+          </a:prstGeom>
+          <a:ln w="19050"/>
+        </p:spPr>
+        <p:style>
+          <a:lnRef idx="1">
+            <a:schemeClr val="dk1"/>
+          </a:lnRef>
+          <a:fillRef idx="0">
+            <a:schemeClr val="dk1"/>
+          </a:fillRef>
+          <a:effectRef idx="0">
+            <a:schemeClr val="dk1"/>
+          </a:effectRef>
+          <a:fontRef idx="minor">
+            <a:schemeClr val="tx1"/>
+          </a:fontRef>
+        </p:style>
+      </p:cxnSp>
+      <p:sp>
+        <p:nvSpPr>
+          <p:cNvPr id="4" name="타원 3">
+            <a:extLst>
+              <a:ext uri="{FF2B5EF4-FFF2-40B4-BE49-F238E27FC236}">
+                <a16:creationId xmlns:a16="http://schemas.microsoft.com/office/drawing/2014/main" id="{D67EF485-B388-4C52-A479-7C4D771276F6}"/>
+              </a:ext>
+            </a:extLst>
+          </p:cNvPr>
+          <p:cNvSpPr/>
+          <p:nvPr/>
+        </p:nvSpPr>
+        <p:spPr>
+          <a:xfrm>
+            <a:off x="7217676" y="783387"/>
+            <a:ext cx="222070" cy="222070"/>
+          </a:xfrm>
+          <a:prstGeom prst="ellipse">
+            <a:avLst/>
+          </a:prstGeom>
+        </p:spPr>
+        <p:style>
+          <a:lnRef idx="2">
+            <a:schemeClr val="dk1"/>
+          </a:lnRef>
+          <a:fillRef idx="1">
+            <a:schemeClr val="lt1"/>
+          </a:fillRef>
+          <a:effectRef idx="0">
+            <a:schemeClr val="dk1"/>
+          </a:effectRef>
+          <a:fontRef idx="minor">
+            <a:schemeClr val="dk1"/>
+          </a:fontRef>
+        </p:style>
+        <p:txBody>
+          <a:bodyPr rtlCol="0" anchor="ctr"/>
+          <a:lstStyle/>
+          <a:p>
+            <a:pPr algn="ctr"/>
+            <a:endParaRPr lang="ko-KR" altLang="en-US" sz="1200"/>
+          </a:p>
+        </p:txBody>
+      </p:sp>
+      <p:sp>
+        <p:nvSpPr>
+          <p:cNvPr id="101" name="타원 100">
+            <a:extLst>
+              <a:ext uri="{FF2B5EF4-FFF2-40B4-BE49-F238E27FC236}">
+                <a16:creationId xmlns:a16="http://schemas.microsoft.com/office/drawing/2014/main" id="{AC5371D4-C7DD-4413-B659-5B332FF149B7}"/>
+              </a:ext>
+            </a:extLst>
+          </p:cNvPr>
+          <p:cNvSpPr/>
+          <p:nvPr/>
+        </p:nvSpPr>
+        <p:spPr>
+          <a:xfrm>
+            <a:off x="3883736" y="1259303"/>
+            <a:ext cx="222070" cy="222070"/>
+          </a:xfrm>
+          <a:prstGeom prst="ellipse">
+            <a:avLst/>
+          </a:prstGeom>
+        </p:spPr>
+        <p:style>
+          <a:lnRef idx="2">
+            <a:schemeClr val="dk1"/>
+          </a:lnRef>
+          <a:fillRef idx="1">
+            <a:schemeClr val="lt1"/>
+          </a:fillRef>
+          <a:effectRef idx="0">
+            <a:schemeClr val="dk1"/>
+          </a:effectRef>
+          <a:fontRef idx="minor">
+            <a:schemeClr val="dk1"/>
+          </a:fontRef>
+        </p:style>
+        <p:txBody>
+          <a:bodyPr rtlCol="0" anchor="ctr"/>
+          <a:lstStyle/>
+          <a:p>
+            <a:pPr algn="ctr"/>
+            <a:endParaRPr lang="ko-KR" altLang="en-US" sz="1400"/>
+          </a:p>
+        </p:txBody>
+      </p:sp>
+      <p:sp>
+        <p:nvSpPr>
+          <p:cNvPr id="102" name="타원 101">
+            <a:extLst>
+              <a:ext uri="{FF2B5EF4-FFF2-40B4-BE49-F238E27FC236}">
+                <a16:creationId xmlns:a16="http://schemas.microsoft.com/office/drawing/2014/main" id="{DB33BAE3-DA05-4CE3-8F67-CE3AD9411B68}"/>
+              </a:ext>
+            </a:extLst>
+          </p:cNvPr>
+          <p:cNvSpPr/>
+          <p:nvPr/>
+        </p:nvSpPr>
+        <p:spPr>
+          <a:xfrm>
+            <a:off x="3883736" y="1652187"/>
+            <a:ext cx="222070" cy="222070"/>
+          </a:xfrm>
+          <a:prstGeom prst="ellipse">
+            <a:avLst/>
+          </a:prstGeom>
+        </p:spPr>
+        <p:style>
+          <a:lnRef idx="2">
+            <a:schemeClr val="dk1"/>
+          </a:lnRef>
+          <a:fillRef idx="1">
+            <a:schemeClr val="lt1"/>
+          </a:fillRef>
+          <a:effectRef idx="0">
+            <a:schemeClr val="dk1"/>
+          </a:effectRef>
+          <a:fontRef idx="minor">
+            <a:schemeClr val="dk1"/>
+          </a:fontRef>
+        </p:style>
+        <p:txBody>
+          <a:bodyPr rtlCol="0" anchor="ctr"/>
+          <a:lstStyle/>
+          <a:p>
+            <a:pPr algn="ctr"/>
+            <a:endParaRPr lang="ko-KR" altLang="en-US" sz="1400"/>
+          </a:p>
+        </p:txBody>
+      </p:sp>
+      <p:sp>
+        <p:nvSpPr>
+          <p:cNvPr id="103" name="타원 102">
+            <a:extLst>
+              <a:ext uri="{FF2B5EF4-FFF2-40B4-BE49-F238E27FC236}">
+                <a16:creationId xmlns:a16="http://schemas.microsoft.com/office/drawing/2014/main" id="{ED4AE131-D06F-4E33-ACD4-B4BB3FA7BEFE}"/>
+              </a:ext>
+            </a:extLst>
+          </p:cNvPr>
+          <p:cNvSpPr/>
+          <p:nvPr/>
+        </p:nvSpPr>
+        <p:spPr>
+          <a:xfrm>
+            <a:off x="1651462" y="2073557"/>
+            <a:ext cx="222070" cy="222070"/>
+          </a:xfrm>
+          <a:prstGeom prst="ellipse">
+            <a:avLst/>
+          </a:prstGeom>
+        </p:spPr>
+        <p:style>
+          <a:lnRef idx="2">
+            <a:schemeClr val="dk1"/>
+          </a:lnRef>
+          <a:fillRef idx="1">
+            <a:schemeClr val="lt1"/>
+          </a:fillRef>
+          <a:effectRef idx="0">
+            <a:schemeClr val="dk1"/>
+          </a:effectRef>
+          <a:fontRef idx="minor">
+            <a:schemeClr val="dk1"/>
+          </a:fontRef>
+        </p:style>
+        <p:txBody>
+          <a:bodyPr rtlCol="0" anchor="ctr"/>
+          <a:lstStyle/>
+          <a:p>
+            <a:pPr algn="ctr"/>
+            <a:endParaRPr lang="ko-KR" altLang="en-US" sz="1400"/>
+          </a:p>
+        </p:txBody>
+      </p:sp>
+      <p:sp>
+        <p:nvSpPr>
+          <p:cNvPr id="104" name="타원 103">
+            <a:extLst>
+              <a:ext uri="{FF2B5EF4-FFF2-40B4-BE49-F238E27FC236}">
+                <a16:creationId xmlns:a16="http://schemas.microsoft.com/office/drawing/2014/main" id="{BBD5B2D1-68E6-427C-B344-642E4A51D70C}"/>
+              </a:ext>
+            </a:extLst>
+          </p:cNvPr>
+          <p:cNvSpPr/>
+          <p:nvPr/>
+        </p:nvSpPr>
+        <p:spPr>
+          <a:xfrm>
+            <a:off x="2769302" y="2114314"/>
+            <a:ext cx="222070" cy="222070"/>
+          </a:xfrm>
+          <a:prstGeom prst="ellipse">
+            <a:avLst/>
+          </a:prstGeom>
+        </p:spPr>
+        <p:style>
+          <a:lnRef idx="2">
+            <a:schemeClr val="dk1"/>
+          </a:lnRef>
+          <a:fillRef idx="1">
+            <a:schemeClr val="lt1"/>
+          </a:fillRef>
+          <a:effectRef idx="0">
+            <a:schemeClr val="dk1"/>
+          </a:effectRef>
+          <a:fontRef idx="minor">
+            <a:schemeClr val="dk1"/>
+          </a:fontRef>
+        </p:style>
+        <p:txBody>
+          <a:bodyPr rtlCol="0" anchor="ctr"/>
+          <a:lstStyle/>
+          <a:p>
+            <a:pPr algn="ctr"/>
+            <a:endParaRPr lang="ko-KR" altLang="en-US" sz="1400"/>
+          </a:p>
+        </p:txBody>
+      </p:sp>
+      <p:cxnSp>
+        <p:nvCxnSpPr>
+          <p:cNvPr id="24" name="직선 화살표 연결선 23">
+            <a:extLst>
+              <a:ext uri="{FF2B5EF4-FFF2-40B4-BE49-F238E27FC236}">
+                <a16:creationId xmlns:a16="http://schemas.microsoft.com/office/drawing/2014/main" id="{753BFBE2-0795-4445-8DED-0089D301C982}"/>
+              </a:ext>
+            </a:extLst>
+          </p:cNvPr>
+          <p:cNvCxnSpPr>
+            <a:stCxn id="101" idx="4"/>
+            <a:endCxn id="102" idx="0"/>
+          </p:cNvCxnSpPr>
+          <p:nvPr/>
+        </p:nvCxnSpPr>
+        <p:spPr>
+          <a:xfrm>
+            <a:off x="3994771" y="1481372"/>
+            <a:ext cx="0" cy="170815"/>
+          </a:xfrm>
+          <a:prstGeom prst="straightConnector1">
+            <a:avLst/>
+          </a:prstGeom>
+          <a:ln w="12700">
+            <a:solidFill>
+              <a:schemeClr val="tx1"/>
+            </a:solidFill>
+            <a:headEnd type="none" w="med" len="med"/>
+            <a:tailEnd type="arrow" w="med" len="med"/>
+          </a:ln>
+        </p:spPr>
+        <p:style>
+          <a:lnRef idx="1">
+            <a:schemeClr val="accent1"/>
+          </a:lnRef>
+          <a:fillRef idx="0">
+            <a:schemeClr val="accent1"/>
+          </a:fillRef>
+          <a:effectRef idx="0">
+            <a:schemeClr val="accent1"/>
+          </a:effectRef>
+          <a:fontRef idx="minor">
+            <a:schemeClr val="tx1"/>
+          </a:fontRef>
+        </p:style>
+      </p:cxnSp>
+      <p:cxnSp>
+        <p:nvCxnSpPr>
+          <p:cNvPr id="106" name="직선 화살표 연결선 105">
+            <a:extLst>
+              <a:ext uri="{FF2B5EF4-FFF2-40B4-BE49-F238E27FC236}">
+                <a16:creationId xmlns:a16="http://schemas.microsoft.com/office/drawing/2014/main" id="{72083C47-F6C3-4A33-B90E-2C92B30E6558}"/>
+              </a:ext>
+            </a:extLst>
+          </p:cNvPr>
+          <p:cNvCxnSpPr>
+            <a:cxnSpLocks/>
+            <a:stCxn id="102" idx="4"/>
+            <a:endCxn id="103" idx="0"/>
+          </p:cNvCxnSpPr>
+          <p:nvPr/>
+        </p:nvCxnSpPr>
+        <p:spPr>
+          <a:xfrm flipH="1">
+            <a:off x="1762497" y="1874257"/>
+            <a:ext cx="2232275" cy="199301"/>
+          </a:xfrm>
+          <a:prstGeom prst="straightConnector1">
+            <a:avLst/>
+          </a:prstGeom>
+          <a:ln w="12700">
+            <a:solidFill>
+              <a:schemeClr val="tx1"/>
+            </a:solidFill>
+            <a:headEnd type="none" w="med" len="med"/>
+            <a:tailEnd type="arrow" w="med" len="med"/>
+          </a:ln>
+        </p:spPr>
+        <p:style>
+          <a:lnRef idx="1">
+            <a:schemeClr val="accent1"/>
+          </a:lnRef>
+          <a:fillRef idx="0">
+            <a:schemeClr val="accent1"/>
+          </a:fillRef>
+          <a:effectRef idx="0">
+            <a:schemeClr val="accent1"/>
+          </a:effectRef>
+          <a:fontRef idx="minor">
+            <a:schemeClr val="tx1"/>
+          </a:fontRef>
+        </p:style>
+      </p:cxnSp>
+      <p:cxnSp>
+        <p:nvCxnSpPr>
+          <p:cNvPr id="107" name="직선 화살표 연결선 106">
+            <a:extLst>
+              <a:ext uri="{FF2B5EF4-FFF2-40B4-BE49-F238E27FC236}">
+                <a16:creationId xmlns:a16="http://schemas.microsoft.com/office/drawing/2014/main" id="{5875C7EA-D008-43CB-AC78-2BB3A00A3A28}"/>
+              </a:ext>
+            </a:extLst>
+          </p:cNvPr>
+          <p:cNvCxnSpPr>
+            <a:cxnSpLocks/>
+            <a:stCxn id="102" idx="4"/>
+            <a:endCxn id="104" idx="0"/>
+          </p:cNvCxnSpPr>
+          <p:nvPr/>
+        </p:nvCxnSpPr>
+        <p:spPr>
+          <a:xfrm flipH="1">
+            <a:off x="2880337" y="1874257"/>
+            <a:ext cx="1114434" cy="240058"/>
+          </a:xfrm>
+          <a:prstGeom prst="straightConnector1">
+            <a:avLst/>
+          </a:prstGeom>
+          <a:ln w="12700">
+            <a:solidFill>
+              <a:schemeClr val="tx1"/>
+            </a:solidFill>
+            <a:headEnd type="none" w="med" len="med"/>
+            <a:tailEnd type="arrow" w="med" len="med"/>
+          </a:ln>
+        </p:spPr>
+        <p:style>
+          <a:lnRef idx="1">
+            <a:schemeClr val="accent1"/>
+          </a:lnRef>
+          <a:fillRef idx="0">
+            <a:schemeClr val="accent1"/>
+          </a:fillRef>
+          <a:effectRef idx="0">
+            <a:schemeClr val="accent1"/>
+          </a:effectRef>
+          <a:fontRef idx="minor">
+            <a:schemeClr val="tx1"/>
+          </a:fontRef>
+        </p:style>
+      </p:cxnSp>
+      <p:cxnSp>
+        <p:nvCxnSpPr>
+          <p:cNvPr id="108" name="직선 화살표 연결선 107">
+            <a:extLst>
+              <a:ext uri="{FF2B5EF4-FFF2-40B4-BE49-F238E27FC236}">
+                <a16:creationId xmlns:a16="http://schemas.microsoft.com/office/drawing/2014/main" id="{9734E542-201E-4265-9902-917F70350198}"/>
+              </a:ext>
+            </a:extLst>
+          </p:cNvPr>
+          <p:cNvCxnSpPr>
+            <a:cxnSpLocks/>
+            <a:stCxn id="4" idx="4"/>
+            <a:endCxn id="101" idx="0"/>
+          </p:cNvCxnSpPr>
+          <p:nvPr/>
+        </p:nvCxnSpPr>
+        <p:spPr>
+          <a:xfrm flipH="1">
+            <a:off x="3994772" y="1005456"/>
+            <a:ext cx="3333939" cy="253847"/>
+          </a:xfrm>
+          <a:prstGeom prst="straightConnector1">
+            <a:avLst/>
+          </a:prstGeom>
+          <a:ln w="12700">
+            <a:solidFill>
+              <a:schemeClr val="tx1"/>
+            </a:solidFill>
+            <a:headEnd type="none" w="med" len="med"/>
+            <a:tailEnd type="arrow" w="med" len="med"/>
+          </a:ln>
+        </p:spPr>
+        <p:style>
+          <a:lnRef idx="1">
+            <a:schemeClr val="accent1"/>
+          </a:lnRef>
+          <a:fillRef idx="0">
+            <a:schemeClr val="accent1"/>
+          </a:fillRef>
+          <a:effectRef idx="0">
+            <a:schemeClr val="accent1"/>
+          </a:effectRef>
+          <a:fontRef idx="minor">
+            <a:schemeClr val="tx1"/>
+          </a:fontRef>
+        </p:style>
+      </p:cxnSp>
+      <p:sp>
+        <p:nvSpPr>
+          <p:cNvPr id="109" name="타원 108">
+            <a:extLst>
+              <a:ext uri="{FF2B5EF4-FFF2-40B4-BE49-F238E27FC236}">
+                <a16:creationId xmlns:a16="http://schemas.microsoft.com/office/drawing/2014/main" id="{8192EF8A-ECDD-4A39-B6EE-282AD9F53F5B}"/>
+              </a:ext>
+            </a:extLst>
+          </p:cNvPr>
+          <p:cNvSpPr/>
+          <p:nvPr/>
+        </p:nvSpPr>
+        <p:spPr>
+          <a:xfrm>
+            <a:off x="6106362" y="1458755"/>
+            <a:ext cx="222070" cy="222070"/>
+          </a:xfrm>
+          <a:prstGeom prst="ellipse">
+            <a:avLst/>
+          </a:prstGeom>
+        </p:spPr>
+        <p:style>
+          <a:lnRef idx="2">
+            <a:schemeClr val="dk1"/>
+          </a:lnRef>
+          <a:fillRef idx="1">
+            <a:schemeClr val="lt1"/>
+          </a:fillRef>
+          <a:effectRef idx="0">
+            <a:schemeClr val="dk1"/>
+          </a:effectRef>
+          <a:fontRef idx="minor">
+            <a:schemeClr val="dk1"/>
+          </a:fontRef>
+        </p:style>
+        <p:txBody>
+          <a:bodyPr rtlCol="0" anchor="ctr"/>
+          <a:lstStyle/>
+          <a:p>
+            <a:pPr algn="ctr"/>
+            <a:endParaRPr lang="ko-KR" altLang="en-US" sz="1400"/>
+          </a:p>
+        </p:txBody>
+      </p:sp>
+      <p:cxnSp>
+        <p:nvCxnSpPr>
+          <p:cNvPr id="110" name="직선 화살표 연결선 109">
+            <a:extLst>
+              <a:ext uri="{FF2B5EF4-FFF2-40B4-BE49-F238E27FC236}">
+                <a16:creationId xmlns:a16="http://schemas.microsoft.com/office/drawing/2014/main" id="{F58CCA46-03F0-4460-AD44-75BE5ECDC231}"/>
+              </a:ext>
+            </a:extLst>
+          </p:cNvPr>
+          <p:cNvCxnSpPr>
+            <a:cxnSpLocks/>
+            <a:stCxn id="4" idx="4"/>
+            <a:endCxn id="109" idx="0"/>
+          </p:cNvCxnSpPr>
+          <p:nvPr/>
+        </p:nvCxnSpPr>
+        <p:spPr>
+          <a:xfrm flipH="1">
+            <a:off x="6217398" y="1005456"/>
+            <a:ext cx="1111313" cy="453298"/>
+          </a:xfrm>
+          <a:prstGeom prst="straightConnector1">
+            <a:avLst/>
+          </a:prstGeom>
+          <a:ln w="12700">
+            <a:solidFill>
+              <a:schemeClr val="tx1"/>
+            </a:solidFill>
+            <a:headEnd type="none" w="med" len="med"/>
+            <a:tailEnd type="arrow" w="med" len="med"/>
+          </a:ln>
+        </p:spPr>
+        <p:style>
+          <a:lnRef idx="1">
+            <a:schemeClr val="accent1"/>
+          </a:lnRef>
+          <a:fillRef idx="0">
+            <a:schemeClr val="accent1"/>
+          </a:fillRef>
+          <a:effectRef idx="0">
+            <a:schemeClr val="accent1"/>
+          </a:effectRef>
+          <a:fontRef idx="minor">
+            <a:schemeClr val="tx1"/>
+          </a:fontRef>
+        </p:style>
+      </p:cxnSp>
+      <p:sp>
+        <p:nvSpPr>
+          <p:cNvPr id="113" name="타원 112">
+            <a:extLst>
+              <a:ext uri="{FF2B5EF4-FFF2-40B4-BE49-F238E27FC236}">
+                <a16:creationId xmlns:a16="http://schemas.microsoft.com/office/drawing/2014/main" id="{D0770DC5-F883-4AEF-A4CC-F0D47C26F8F6}"/>
+              </a:ext>
+            </a:extLst>
+          </p:cNvPr>
+          <p:cNvSpPr/>
+          <p:nvPr/>
+        </p:nvSpPr>
+        <p:spPr>
+          <a:xfrm>
+            <a:off x="2769302" y="2484431"/>
+            <a:ext cx="222070" cy="222070"/>
+          </a:xfrm>
+          <a:prstGeom prst="ellipse">
+            <a:avLst/>
+          </a:prstGeom>
+        </p:spPr>
+        <p:style>
+          <a:lnRef idx="2">
+            <a:schemeClr val="dk1"/>
+          </a:lnRef>
+          <a:fillRef idx="1">
+            <a:schemeClr val="lt1"/>
+          </a:fillRef>
+          <a:effectRef idx="0">
+            <a:schemeClr val="dk1"/>
+          </a:effectRef>
+          <a:fontRef idx="minor">
+            <a:schemeClr val="dk1"/>
+          </a:fontRef>
+        </p:style>
+        <p:txBody>
+          <a:bodyPr rtlCol="0" anchor="ctr"/>
+          <a:lstStyle/>
+          <a:p>
+            <a:pPr algn="ctr"/>
+            <a:endParaRPr lang="ko-KR" altLang="en-US" sz="1400"/>
+          </a:p>
+        </p:txBody>
+      </p:sp>
+      <p:cxnSp>
+        <p:nvCxnSpPr>
+          <p:cNvPr id="114" name="직선 화살표 연결선 113">
+            <a:extLst>
+              <a:ext uri="{FF2B5EF4-FFF2-40B4-BE49-F238E27FC236}">
+                <a16:creationId xmlns:a16="http://schemas.microsoft.com/office/drawing/2014/main" id="{84A7C382-00B1-4878-9044-071EF0358ACC}"/>
+              </a:ext>
+            </a:extLst>
+          </p:cNvPr>
+          <p:cNvCxnSpPr>
+            <a:cxnSpLocks/>
+            <a:stCxn id="104" idx="4"/>
+            <a:endCxn id="113" idx="0"/>
+          </p:cNvCxnSpPr>
+          <p:nvPr/>
+        </p:nvCxnSpPr>
+        <p:spPr>
+          <a:xfrm>
+            <a:off x="2880336" y="2336384"/>
+            <a:ext cx="0" cy="148047"/>
+          </a:xfrm>
+          <a:prstGeom prst="straightConnector1">
+            <a:avLst/>
+          </a:prstGeom>
+          <a:ln w="12700">
+            <a:solidFill>
+              <a:schemeClr val="tx1"/>
+            </a:solidFill>
+            <a:headEnd type="none" w="med" len="med"/>
+            <a:tailEnd type="arrow" w="med" len="med"/>
+          </a:ln>
+        </p:spPr>
+        <p:style>
+          <a:lnRef idx="1">
+            <a:schemeClr val="accent1"/>
+          </a:lnRef>
+          <a:fillRef idx="0">
+            <a:schemeClr val="accent1"/>
+          </a:fillRef>
+          <a:effectRef idx="0">
+            <a:schemeClr val="accent1"/>
+          </a:effectRef>
+          <a:fontRef idx="minor">
+            <a:schemeClr val="tx1"/>
+          </a:fontRef>
+        </p:style>
+      </p:cxnSp>
+      <p:sp>
+        <p:nvSpPr>
+          <p:cNvPr id="120" name="타원 119">
+            <a:extLst>
+              <a:ext uri="{FF2B5EF4-FFF2-40B4-BE49-F238E27FC236}">
+                <a16:creationId xmlns:a16="http://schemas.microsoft.com/office/drawing/2014/main" id="{0397B5DB-CB5F-4CB3-B168-FD77031AE9B9}"/>
+              </a:ext>
+            </a:extLst>
+          </p:cNvPr>
+          <p:cNvSpPr/>
+          <p:nvPr/>
+        </p:nvSpPr>
+        <p:spPr>
+          <a:xfrm>
+            <a:off x="3883736" y="2854546"/>
+            <a:ext cx="222070" cy="222070"/>
+          </a:xfrm>
+          <a:prstGeom prst="ellipse">
+            <a:avLst/>
+          </a:prstGeom>
+        </p:spPr>
+        <p:style>
+          <a:lnRef idx="2">
+            <a:schemeClr val="dk1"/>
+          </a:lnRef>
+          <a:fillRef idx="1">
+            <a:schemeClr val="lt1"/>
+          </a:fillRef>
+          <a:effectRef idx="0">
+            <a:schemeClr val="dk1"/>
+          </a:effectRef>
+          <a:fontRef idx="minor">
+            <a:schemeClr val="dk1"/>
+          </a:fontRef>
+        </p:style>
+        <p:txBody>
+          <a:bodyPr rtlCol="0" anchor="ctr"/>
+          <a:lstStyle/>
+          <a:p>
+            <a:pPr algn="ctr"/>
+            <a:endParaRPr lang="ko-KR" altLang="en-US" sz="1400"/>
+          </a:p>
+        </p:txBody>
+      </p:sp>
+      <p:cxnSp>
+        <p:nvCxnSpPr>
+          <p:cNvPr id="121" name="직선 화살표 연결선 120">
+            <a:extLst>
+              <a:ext uri="{FF2B5EF4-FFF2-40B4-BE49-F238E27FC236}">
+                <a16:creationId xmlns:a16="http://schemas.microsoft.com/office/drawing/2014/main" id="{6E34D3CE-525B-41D9-ADAA-01DAAEC41240}"/>
+              </a:ext>
+            </a:extLst>
+          </p:cNvPr>
+          <p:cNvCxnSpPr>
+            <a:cxnSpLocks/>
+            <a:stCxn id="113" idx="4"/>
+            <a:endCxn id="120" idx="0"/>
+          </p:cNvCxnSpPr>
+          <p:nvPr/>
+        </p:nvCxnSpPr>
+        <p:spPr>
+          <a:xfrm>
+            <a:off x="2880337" y="2706500"/>
+            <a:ext cx="1114434" cy="148047"/>
+          </a:xfrm>
+          <a:prstGeom prst="straightConnector1">
+            <a:avLst/>
+          </a:prstGeom>
+          <a:ln w="12700">
+            <a:solidFill>
+              <a:schemeClr val="tx1"/>
+            </a:solidFill>
+            <a:headEnd type="none" w="med" len="med"/>
+            <a:tailEnd type="arrow" w="med" len="med"/>
+          </a:ln>
+        </p:spPr>
+        <p:style>
+          <a:lnRef idx="1">
+            <a:schemeClr val="accent1"/>
+          </a:lnRef>
+          <a:fillRef idx="0">
+            <a:schemeClr val="accent1"/>
+          </a:fillRef>
+          <a:effectRef idx="0">
+            <a:schemeClr val="accent1"/>
+          </a:effectRef>
+          <a:fontRef idx="minor">
+            <a:schemeClr val="tx1"/>
+          </a:fontRef>
+        </p:style>
+      </p:cxnSp>
+      <p:sp>
+        <p:nvSpPr>
+          <p:cNvPr id="131" name="타원 130">
+            <a:extLst>
+              <a:ext uri="{FF2B5EF4-FFF2-40B4-BE49-F238E27FC236}">
+                <a16:creationId xmlns:a16="http://schemas.microsoft.com/office/drawing/2014/main" id="{E5D73C9A-C937-4A55-BC5E-2E7DE6B5AE6B}"/>
+              </a:ext>
+            </a:extLst>
+          </p:cNvPr>
+          <p:cNvSpPr/>
+          <p:nvPr/>
+        </p:nvSpPr>
+        <p:spPr>
+          <a:xfrm>
+            <a:off x="3883736" y="2096326"/>
+            <a:ext cx="222070" cy="222070"/>
+          </a:xfrm>
+          <a:prstGeom prst="ellipse">
+            <a:avLst/>
+          </a:prstGeom>
+        </p:spPr>
+        <p:style>
+          <a:lnRef idx="2">
+            <a:schemeClr val="dk1"/>
+          </a:lnRef>
+          <a:fillRef idx="1">
+            <a:schemeClr val="lt1"/>
+          </a:fillRef>
+          <a:effectRef idx="0">
+            <a:schemeClr val="dk1"/>
+          </a:effectRef>
+          <a:fontRef idx="minor">
+            <a:schemeClr val="dk1"/>
+          </a:fontRef>
+        </p:style>
+        <p:txBody>
+          <a:bodyPr rtlCol="0" anchor="ctr"/>
+          <a:lstStyle/>
+          <a:p>
+            <a:pPr algn="ctr"/>
+            <a:endParaRPr lang="ko-KR" altLang="en-US" sz="1400"/>
+          </a:p>
+        </p:txBody>
+      </p:sp>
+      <p:cxnSp>
+        <p:nvCxnSpPr>
+          <p:cNvPr id="138" name="직선 화살표 연결선 137">
+            <a:extLst>
+              <a:ext uri="{FF2B5EF4-FFF2-40B4-BE49-F238E27FC236}">
+                <a16:creationId xmlns:a16="http://schemas.microsoft.com/office/drawing/2014/main" id="{9CB8BF09-694C-4054-BC0C-023CF73398F0}"/>
+              </a:ext>
+            </a:extLst>
+          </p:cNvPr>
+          <p:cNvCxnSpPr>
+            <a:cxnSpLocks/>
+            <a:stCxn id="102" idx="4"/>
+            <a:endCxn id="131" idx="0"/>
+          </p:cNvCxnSpPr>
+          <p:nvPr/>
+        </p:nvCxnSpPr>
+        <p:spPr>
+          <a:xfrm>
+            <a:off x="3994771" y="1874256"/>
+            <a:ext cx="0" cy="222070"/>
+          </a:xfrm>
+          <a:prstGeom prst="straightConnector1">
+            <a:avLst/>
+          </a:prstGeom>
+          <a:ln w="12700">
+            <a:solidFill>
+              <a:schemeClr val="tx1"/>
+            </a:solidFill>
+            <a:headEnd type="none" w="med" len="med"/>
+            <a:tailEnd type="arrow" w="med" len="med"/>
+          </a:ln>
+        </p:spPr>
+        <p:style>
+          <a:lnRef idx="1">
+            <a:schemeClr val="accent1"/>
+          </a:lnRef>
+          <a:fillRef idx="0">
+            <a:schemeClr val="accent1"/>
+          </a:fillRef>
+          <a:effectRef idx="0">
+            <a:schemeClr val="accent1"/>
+          </a:effectRef>
+          <a:fontRef idx="minor">
+            <a:schemeClr val="tx1"/>
+          </a:fontRef>
+        </p:style>
+      </p:cxnSp>
+      <p:sp>
+        <p:nvSpPr>
+          <p:cNvPr id="142" name="타원 141">
+            <a:extLst>
+              <a:ext uri="{FF2B5EF4-FFF2-40B4-BE49-F238E27FC236}">
+                <a16:creationId xmlns:a16="http://schemas.microsoft.com/office/drawing/2014/main" id="{ACB0E87E-F4B8-49BC-A1E0-7C78A2AA55CC}"/>
+              </a:ext>
+            </a:extLst>
+          </p:cNvPr>
+          <p:cNvSpPr/>
+          <p:nvPr/>
+        </p:nvSpPr>
+        <p:spPr>
+          <a:xfrm>
+            <a:off x="3883736" y="2489211"/>
+            <a:ext cx="222070" cy="222070"/>
+          </a:xfrm>
+          <a:prstGeom prst="ellipse">
+            <a:avLst/>
+          </a:prstGeom>
+        </p:spPr>
+        <p:style>
+          <a:lnRef idx="2">
+            <a:schemeClr val="dk1"/>
+          </a:lnRef>
+          <a:fillRef idx="1">
+            <a:schemeClr val="lt1"/>
+          </a:fillRef>
+          <a:effectRef idx="0">
+            <a:schemeClr val="dk1"/>
+          </a:effectRef>
+          <a:fontRef idx="minor">
+            <a:schemeClr val="dk1"/>
+          </a:fontRef>
+        </p:style>
+        <p:txBody>
+          <a:bodyPr rtlCol="0" anchor="ctr"/>
+          <a:lstStyle/>
+          <a:p>
+            <a:pPr algn="ctr"/>
+            <a:endParaRPr lang="ko-KR" altLang="en-US" sz="1400"/>
+          </a:p>
+        </p:txBody>
+      </p:sp>
+      <p:cxnSp>
+        <p:nvCxnSpPr>
+          <p:cNvPr id="143" name="직선 화살표 연결선 142">
+            <a:extLst>
+              <a:ext uri="{FF2B5EF4-FFF2-40B4-BE49-F238E27FC236}">
+                <a16:creationId xmlns:a16="http://schemas.microsoft.com/office/drawing/2014/main" id="{66E6F50F-C706-4497-BD15-38A55503E8CD}"/>
+              </a:ext>
+            </a:extLst>
+          </p:cNvPr>
+          <p:cNvCxnSpPr>
+            <a:cxnSpLocks/>
+            <a:stCxn id="131" idx="4"/>
+            <a:endCxn id="142" idx="0"/>
+          </p:cNvCxnSpPr>
+          <p:nvPr/>
+        </p:nvCxnSpPr>
+        <p:spPr>
+          <a:xfrm>
+            <a:off x="3994771" y="2318396"/>
+            <a:ext cx="0" cy="170815"/>
+          </a:xfrm>
+          <a:prstGeom prst="straightConnector1">
+            <a:avLst/>
+          </a:prstGeom>
+          <a:ln w="12700">
+            <a:solidFill>
+              <a:schemeClr val="tx1"/>
+            </a:solidFill>
+            <a:headEnd type="none" w="med" len="med"/>
+            <a:tailEnd type="arrow" w="med" len="med"/>
+          </a:ln>
+        </p:spPr>
+        <p:style>
+          <a:lnRef idx="1">
+            <a:schemeClr val="accent1"/>
+          </a:lnRef>
+          <a:fillRef idx="0">
+            <a:schemeClr val="accent1"/>
+          </a:fillRef>
+          <a:effectRef idx="0">
+            <a:schemeClr val="accent1"/>
+          </a:effectRef>
+          <a:fontRef idx="minor">
+            <a:schemeClr val="tx1"/>
+          </a:fontRef>
+        </p:style>
+      </p:cxnSp>
+      <p:cxnSp>
+        <p:nvCxnSpPr>
+          <p:cNvPr id="146" name="직선 화살표 연결선 145">
+            <a:extLst>
+              <a:ext uri="{FF2B5EF4-FFF2-40B4-BE49-F238E27FC236}">
+                <a16:creationId xmlns:a16="http://schemas.microsoft.com/office/drawing/2014/main" id="{0747E674-1BED-4F87-83A3-1370EA5AC97B}"/>
+              </a:ext>
+            </a:extLst>
+          </p:cNvPr>
+          <p:cNvCxnSpPr>
+            <a:cxnSpLocks/>
+            <a:stCxn id="142" idx="4"/>
+            <a:endCxn id="120" idx="0"/>
+          </p:cNvCxnSpPr>
+          <p:nvPr/>
+        </p:nvCxnSpPr>
+        <p:spPr>
+          <a:xfrm>
+            <a:off x="3994771" y="2711280"/>
+            <a:ext cx="0" cy="143266"/>
+          </a:xfrm>
+          <a:prstGeom prst="straightConnector1">
+            <a:avLst/>
+          </a:prstGeom>
+          <a:ln w="12700">
+            <a:solidFill>
+              <a:schemeClr val="tx1"/>
+            </a:solidFill>
+            <a:headEnd type="none" w="med" len="med"/>
+            <a:tailEnd type="arrow" w="med" len="med"/>
+          </a:ln>
+        </p:spPr>
+        <p:style>
+          <a:lnRef idx="1">
+            <a:schemeClr val="accent1"/>
+          </a:lnRef>
+          <a:fillRef idx="0">
+            <a:schemeClr val="accent1"/>
+          </a:fillRef>
+          <a:effectRef idx="0">
+            <a:schemeClr val="accent1"/>
+          </a:effectRef>
+          <a:fontRef idx="minor">
+            <a:schemeClr val="tx1"/>
+          </a:fontRef>
+        </p:style>
+      </p:cxnSp>
+      <p:sp>
+        <p:nvSpPr>
+          <p:cNvPr id="151" name="타원 150">
+            <a:extLst>
+              <a:ext uri="{FF2B5EF4-FFF2-40B4-BE49-F238E27FC236}">
+                <a16:creationId xmlns:a16="http://schemas.microsoft.com/office/drawing/2014/main" id="{B43C770C-6D53-4C0B-A018-63904C6D2B19}"/>
+              </a:ext>
+            </a:extLst>
+          </p:cNvPr>
+          <p:cNvSpPr/>
+          <p:nvPr/>
+        </p:nvSpPr>
+        <p:spPr>
+          <a:xfrm>
+            <a:off x="4995050" y="3224662"/>
+            <a:ext cx="222070" cy="222070"/>
+          </a:xfrm>
+          <a:prstGeom prst="ellipse">
+            <a:avLst/>
+          </a:prstGeom>
+        </p:spPr>
+        <p:style>
+          <a:lnRef idx="2">
+            <a:schemeClr val="dk1"/>
+          </a:lnRef>
+          <a:fillRef idx="1">
+            <a:schemeClr val="lt1"/>
+          </a:fillRef>
+          <a:effectRef idx="0">
+            <a:schemeClr val="dk1"/>
+          </a:effectRef>
+          <a:fontRef idx="minor">
+            <a:schemeClr val="dk1"/>
+          </a:fontRef>
+        </p:style>
+        <p:txBody>
+          <a:bodyPr rtlCol="0" anchor="ctr"/>
+          <a:lstStyle/>
+          <a:p>
+            <a:pPr algn="ctr"/>
+            <a:endParaRPr lang="ko-KR" altLang="en-US" sz="1400"/>
+          </a:p>
+        </p:txBody>
+      </p:sp>
+      <p:cxnSp>
+        <p:nvCxnSpPr>
+          <p:cNvPr id="152" name="직선 화살표 연결선 151">
+            <a:extLst>
+              <a:ext uri="{FF2B5EF4-FFF2-40B4-BE49-F238E27FC236}">
+                <a16:creationId xmlns:a16="http://schemas.microsoft.com/office/drawing/2014/main" id="{532D49C7-5144-4D1A-89FA-D09C5E79C9DD}"/>
+              </a:ext>
+            </a:extLst>
+          </p:cNvPr>
+          <p:cNvCxnSpPr>
+            <a:cxnSpLocks/>
+            <a:stCxn id="120" idx="4"/>
+            <a:endCxn id="151" idx="0"/>
+          </p:cNvCxnSpPr>
+          <p:nvPr/>
+        </p:nvCxnSpPr>
+        <p:spPr>
+          <a:xfrm>
+            <a:off x="3994771" y="3076616"/>
+            <a:ext cx="1111313" cy="148047"/>
+          </a:xfrm>
+          <a:prstGeom prst="straightConnector1">
+            <a:avLst/>
+          </a:prstGeom>
+          <a:ln w="12700">
+            <a:solidFill>
+              <a:schemeClr val="tx1"/>
+            </a:solidFill>
+            <a:headEnd type="none" w="med" len="med"/>
+            <a:tailEnd type="arrow" w="med" len="med"/>
+          </a:ln>
+        </p:spPr>
+        <p:style>
+          <a:lnRef idx="1">
+            <a:schemeClr val="accent1"/>
+          </a:lnRef>
+          <a:fillRef idx="0">
+            <a:schemeClr val="accent1"/>
+          </a:fillRef>
+          <a:effectRef idx="0">
+            <a:schemeClr val="accent1"/>
+          </a:effectRef>
+          <a:fontRef idx="minor">
+            <a:schemeClr val="tx1"/>
+          </a:fontRef>
+        </p:style>
+      </p:cxnSp>
+      <p:cxnSp>
+        <p:nvCxnSpPr>
+          <p:cNvPr id="155" name="직선 화살표 연결선 154">
+            <a:extLst>
+              <a:ext uri="{FF2B5EF4-FFF2-40B4-BE49-F238E27FC236}">
+                <a16:creationId xmlns:a16="http://schemas.microsoft.com/office/drawing/2014/main" id="{017E4462-45FA-4BE0-B179-BE23195D58A3}"/>
+              </a:ext>
+            </a:extLst>
+          </p:cNvPr>
+          <p:cNvCxnSpPr>
+            <a:cxnSpLocks/>
+            <a:stCxn id="109" idx="4"/>
+            <a:endCxn id="142" idx="0"/>
+          </p:cNvCxnSpPr>
+          <p:nvPr/>
+        </p:nvCxnSpPr>
+        <p:spPr>
+          <a:xfrm flipH="1">
+            <a:off x="3994772" y="1680823"/>
+            <a:ext cx="2222626" cy="808387"/>
+          </a:xfrm>
+          <a:prstGeom prst="straightConnector1">
+            <a:avLst/>
+          </a:prstGeom>
+          <a:ln w="12700">
+            <a:solidFill>
+              <a:schemeClr val="tx1"/>
+            </a:solidFill>
+            <a:headEnd type="none" w="med" len="med"/>
+            <a:tailEnd type="arrow" w="med" len="med"/>
+          </a:ln>
+        </p:spPr>
+        <p:style>
+          <a:lnRef idx="1">
+            <a:schemeClr val="accent1"/>
+          </a:lnRef>
+          <a:fillRef idx="0">
+            <a:schemeClr val="accent1"/>
+          </a:fillRef>
+          <a:effectRef idx="0">
+            <a:schemeClr val="accent1"/>
+          </a:effectRef>
+          <a:fontRef idx="minor">
+            <a:schemeClr val="tx1"/>
+          </a:fontRef>
+        </p:style>
+      </p:cxnSp>
+      <p:sp>
+        <p:nvSpPr>
+          <p:cNvPr id="159" name="타원 158">
+            <a:extLst>
+              <a:ext uri="{FF2B5EF4-FFF2-40B4-BE49-F238E27FC236}">
+                <a16:creationId xmlns:a16="http://schemas.microsoft.com/office/drawing/2014/main" id="{E98E11C9-B363-42E8-A4C9-81F763C750CA}"/>
+              </a:ext>
+            </a:extLst>
+          </p:cNvPr>
+          <p:cNvSpPr/>
+          <p:nvPr/>
+        </p:nvSpPr>
+        <p:spPr>
+          <a:xfrm>
+            <a:off x="7217676" y="2092662"/>
+            <a:ext cx="222070" cy="222070"/>
+          </a:xfrm>
+          <a:prstGeom prst="ellipse">
+            <a:avLst/>
+          </a:prstGeom>
+        </p:spPr>
+        <p:style>
+          <a:lnRef idx="2">
+            <a:schemeClr val="dk1"/>
+          </a:lnRef>
+          <a:fillRef idx="1">
+            <a:schemeClr val="lt1"/>
+          </a:fillRef>
+          <a:effectRef idx="0">
+            <a:schemeClr val="dk1"/>
+          </a:effectRef>
+          <a:fontRef idx="minor">
+            <a:schemeClr val="dk1"/>
+          </a:fontRef>
+        </p:style>
+        <p:txBody>
+          <a:bodyPr rtlCol="0" anchor="ctr"/>
+          <a:lstStyle/>
+          <a:p>
+            <a:pPr algn="ctr"/>
+            <a:endParaRPr lang="ko-KR" altLang="en-US" sz="1400"/>
+          </a:p>
+        </p:txBody>
+      </p:sp>
+      <p:cxnSp>
+        <p:nvCxnSpPr>
+          <p:cNvPr id="160" name="직선 화살표 연결선 159">
+            <a:extLst>
+              <a:ext uri="{FF2B5EF4-FFF2-40B4-BE49-F238E27FC236}">
+                <a16:creationId xmlns:a16="http://schemas.microsoft.com/office/drawing/2014/main" id="{968A43DB-EE3A-43F8-9680-E78DDF9E6AA8}"/>
+              </a:ext>
+            </a:extLst>
+          </p:cNvPr>
+          <p:cNvCxnSpPr>
+            <a:cxnSpLocks/>
+            <a:stCxn id="109" idx="4"/>
+            <a:endCxn id="159" idx="0"/>
+          </p:cNvCxnSpPr>
+          <p:nvPr/>
+        </p:nvCxnSpPr>
+        <p:spPr>
+          <a:xfrm>
+            <a:off x="6217398" y="1680824"/>
+            <a:ext cx="1111313" cy="411838"/>
+          </a:xfrm>
+          <a:prstGeom prst="straightConnector1">
+            <a:avLst/>
+          </a:prstGeom>
+          <a:ln w="12700">
+            <a:solidFill>
+              <a:schemeClr val="tx1"/>
+            </a:solidFill>
+            <a:headEnd type="none" w="med" len="med"/>
+            <a:tailEnd type="arrow" w="med" len="med"/>
+          </a:ln>
+        </p:spPr>
+        <p:style>
+          <a:lnRef idx="1">
+            <a:schemeClr val="accent1"/>
+          </a:lnRef>
+          <a:fillRef idx="0">
+            <a:schemeClr val="accent1"/>
+          </a:fillRef>
+          <a:effectRef idx="0">
+            <a:schemeClr val="accent1"/>
+          </a:effectRef>
+          <a:fontRef idx="minor">
+            <a:schemeClr val="tx1"/>
+          </a:fontRef>
+        </p:style>
+      </p:cxnSp>
+      <p:sp>
+        <p:nvSpPr>
+          <p:cNvPr id="167" name="타원 166">
+            <a:extLst>
+              <a:ext uri="{FF2B5EF4-FFF2-40B4-BE49-F238E27FC236}">
+                <a16:creationId xmlns:a16="http://schemas.microsoft.com/office/drawing/2014/main" id="{C7C57737-F338-4A3E-9351-5DF773549012}"/>
+              </a:ext>
+            </a:extLst>
+          </p:cNvPr>
+          <p:cNvSpPr/>
+          <p:nvPr/>
+        </p:nvSpPr>
+        <p:spPr>
+          <a:xfrm>
+            <a:off x="3883736" y="3668801"/>
+            <a:ext cx="222070" cy="222070"/>
+          </a:xfrm>
+          <a:prstGeom prst="ellipse">
+            <a:avLst/>
+          </a:prstGeom>
+        </p:spPr>
+        <p:style>
+          <a:lnRef idx="2">
+            <a:schemeClr val="dk1"/>
+          </a:lnRef>
+          <a:fillRef idx="1">
+            <a:schemeClr val="lt1"/>
+          </a:fillRef>
+          <a:effectRef idx="0">
+            <a:schemeClr val="dk1"/>
+          </a:effectRef>
+          <a:fontRef idx="minor">
+            <a:schemeClr val="dk1"/>
+          </a:fontRef>
+        </p:style>
+        <p:txBody>
+          <a:bodyPr rtlCol="0" anchor="ctr"/>
+          <a:lstStyle/>
+          <a:p>
+            <a:pPr algn="ctr"/>
+            <a:endParaRPr lang="ko-KR" altLang="en-US" sz="1400"/>
+          </a:p>
+        </p:txBody>
+      </p:sp>
+      <p:cxnSp>
+        <p:nvCxnSpPr>
+          <p:cNvPr id="168" name="직선 화살표 연결선 167">
+            <a:extLst>
+              <a:ext uri="{FF2B5EF4-FFF2-40B4-BE49-F238E27FC236}">
+                <a16:creationId xmlns:a16="http://schemas.microsoft.com/office/drawing/2014/main" id="{CD98FF32-6186-461E-B931-7D5DB01534DE}"/>
+              </a:ext>
+            </a:extLst>
+          </p:cNvPr>
+          <p:cNvCxnSpPr>
+            <a:cxnSpLocks/>
+            <a:stCxn id="151" idx="4"/>
+            <a:endCxn id="167" idx="0"/>
+          </p:cNvCxnSpPr>
+          <p:nvPr/>
+        </p:nvCxnSpPr>
+        <p:spPr>
+          <a:xfrm flipH="1">
+            <a:off x="3994771" y="3446731"/>
+            <a:ext cx="1111313" cy="222070"/>
+          </a:xfrm>
+          <a:prstGeom prst="straightConnector1">
+            <a:avLst/>
+          </a:prstGeom>
+          <a:ln w="12700">
+            <a:solidFill>
+              <a:schemeClr val="tx1"/>
+            </a:solidFill>
+            <a:headEnd type="none" w="med" len="med"/>
+            <a:tailEnd type="arrow" w="med" len="med"/>
+          </a:ln>
+        </p:spPr>
+        <p:style>
+          <a:lnRef idx="1">
+            <a:schemeClr val="accent1"/>
+          </a:lnRef>
+          <a:fillRef idx="0">
+            <a:schemeClr val="accent1"/>
+          </a:fillRef>
+          <a:effectRef idx="0">
+            <a:schemeClr val="accent1"/>
+          </a:effectRef>
+          <a:fontRef idx="minor">
+            <a:schemeClr val="tx1"/>
+          </a:fontRef>
+        </p:style>
+      </p:cxnSp>
+      <p:sp>
+        <p:nvSpPr>
+          <p:cNvPr id="172" name="타원 171">
+            <a:extLst>
+              <a:ext uri="{FF2B5EF4-FFF2-40B4-BE49-F238E27FC236}">
+                <a16:creationId xmlns:a16="http://schemas.microsoft.com/office/drawing/2014/main" id="{3B495F9F-A430-412B-84B8-8E8FC667BA6F}"/>
+              </a:ext>
+            </a:extLst>
+          </p:cNvPr>
+          <p:cNvSpPr/>
+          <p:nvPr/>
+        </p:nvSpPr>
+        <p:spPr>
+          <a:xfrm>
+            <a:off x="3883736" y="4112939"/>
+            <a:ext cx="222070" cy="222070"/>
+          </a:xfrm>
+          <a:prstGeom prst="ellipse">
+            <a:avLst/>
+          </a:prstGeom>
+        </p:spPr>
+        <p:style>
+          <a:lnRef idx="2">
+            <a:schemeClr val="dk1"/>
+          </a:lnRef>
+          <a:fillRef idx="1">
+            <a:schemeClr val="lt1"/>
+          </a:fillRef>
+          <a:effectRef idx="0">
+            <a:schemeClr val="dk1"/>
+          </a:effectRef>
+          <a:fontRef idx="minor">
+            <a:schemeClr val="dk1"/>
+          </a:fontRef>
+        </p:style>
+        <p:txBody>
+          <a:bodyPr rtlCol="0" anchor="ctr"/>
+          <a:lstStyle/>
+          <a:p>
+            <a:pPr algn="ctr"/>
+            <a:endParaRPr lang="ko-KR" altLang="en-US" sz="1400"/>
+          </a:p>
+        </p:txBody>
+      </p:sp>
+      <p:sp>
+        <p:nvSpPr>
+          <p:cNvPr id="175" name="타원 174">
+            <a:extLst>
+              <a:ext uri="{FF2B5EF4-FFF2-40B4-BE49-F238E27FC236}">
+                <a16:creationId xmlns:a16="http://schemas.microsoft.com/office/drawing/2014/main" id="{6E8C4219-92D4-4378-8AC9-D41B325499C2}"/>
+              </a:ext>
+            </a:extLst>
+          </p:cNvPr>
+          <p:cNvSpPr/>
+          <p:nvPr/>
+        </p:nvSpPr>
+        <p:spPr>
+          <a:xfrm>
+            <a:off x="4995050" y="3668801"/>
+            <a:ext cx="222070" cy="222070"/>
+          </a:xfrm>
+          <a:prstGeom prst="ellipse">
+            <a:avLst/>
+          </a:prstGeom>
+        </p:spPr>
+        <p:style>
+          <a:lnRef idx="2">
+            <a:schemeClr val="dk1"/>
+          </a:lnRef>
+          <a:fillRef idx="1">
+            <a:schemeClr val="lt1"/>
+          </a:fillRef>
+          <a:effectRef idx="0">
+            <a:schemeClr val="dk1"/>
+          </a:effectRef>
+          <a:fontRef idx="minor">
+            <a:schemeClr val="dk1"/>
+          </a:fontRef>
+        </p:style>
+        <p:txBody>
+          <a:bodyPr rtlCol="0" anchor="ctr"/>
+          <a:lstStyle/>
+          <a:p>
+            <a:pPr algn="ctr"/>
+            <a:endParaRPr lang="ko-KR" altLang="en-US" sz="1400"/>
+          </a:p>
+        </p:txBody>
+      </p:sp>
+      <p:cxnSp>
+        <p:nvCxnSpPr>
+          <p:cNvPr id="176" name="직선 화살표 연결선 175">
+            <a:extLst>
+              <a:ext uri="{FF2B5EF4-FFF2-40B4-BE49-F238E27FC236}">
+                <a16:creationId xmlns:a16="http://schemas.microsoft.com/office/drawing/2014/main" id="{869F8ADD-6F01-4D7A-8D5C-BE9E21AC079E}"/>
+              </a:ext>
+            </a:extLst>
+          </p:cNvPr>
+          <p:cNvCxnSpPr>
+            <a:cxnSpLocks/>
+            <a:stCxn id="175" idx="4"/>
+            <a:endCxn id="172" idx="0"/>
+          </p:cNvCxnSpPr>
+          <p:nvPr/>
+        </p:nvCxnSpPr>
+        <p:spPr>
+          <a:xfrm flipH="1">
+            <a:off x="3994771" y="3890871"/>
+            <a:ext cx="1111313" cy="222070"/>
+          </a:xfrm>
+          <a:prstGeom prst="straightConnector1">
+            <a:avLst/>
+          </a:prstGeom>
+          <a:ln w="12700">
+            <a:solidFill>
+              <a:schemeClr val="tx1"/>
+            </a:solidFill>
+            <a:headEnd type="none" w="med" len="med"/>
+            <a:tailEnd type="arrow" w="med" len="med"/>
+          </a:ln>
+        </p:spPr>
+        <p:style>
+          <a:lnRef idx="1">
+            <a:schemeClr val="accent1"/>
+          </a:lnRef>
+          <a:fillRef idx="0">
+            <a:schemeClr val="accent1"/>
+          </a:fillRef>
+          <a:effectRef idx="0">
+            <a:schemeClr val="accent1"/>
+          </a:effectRef>
+          <a:fontRef idx="minor">
+            <a:schemeClr val="tx1"/>
+          </a:fontRef>
+        </p:style>
+      </p:cxnSp>
+      <p:cxnSp>
+        <p:nvCxnSpPr>
+          <p:cNvPr id="179" name="직선 화살표 연결선 178">
+            <a:extLst>
+              <a:ext uri="{FF2B5EF4-FFF2-40B4-BE49-F238E27FC236}">
+                <a16:creationId xmlns:a16="http://schemas.microsoft.com/office/drawing/2014/main" id="{1DC3C7AB-FF06-4CFC-A937-8D11A7C6486D}"/>
+              </a:ext>
+            </a:extLst>
+          </p:cNvPr>
+          <p:cNvCxnSpPr>
+            <a:cxnSpLocks/>
+            <a:stCxn id="151" idx="4"/>
+            <a:endCxn id="175" idx="0"/>
+          </p:cNvCxnSpPr>
+          <p:nvPr/>
+        </p:nvCxnSpPr>
+        <p:spPr>
+          <a:xfrm>
+            <a:off x="5106085" y="3446731"/>
+            <a:ext cx="0" cy="222070"/>
+          </a:xfrm>
+          <a:prstGeom prst="straightConnector1">
+            <a:avLst/>
+          </a:prstGeom>
+          <a:ln w="12700">
+            <a:solidFill>
+              <a:schemeClr val="tx1"/>
+            </a:solidFill>
+            <a:headEnd type="none" w="med" len="med"/>
+            <a:tailEnd type="arrow" w="med" len="med"/>
+          </a:ln>
+        </p:spPr>
+        <p:style>
+          <a:lnRef idx="1">
+            <a:schemeClr val="accent1"/>
+          </a:lnRef>
+          <a:fillRef idx="0">
+            <a:schemeClr val="accent1"/>
+          </a:fillRef>
+          <a:effectRef idx="0">
+            <a:schemeClr val="accent1"/>
+          </a:effectRef>
+          <a:fontRef idx="minor">
+            <a:schemeClr val="tx1"/>
+          </a:fontRef>
+        </p:style>
+      </p:cxnSp>
+      <p:cxnSp>
+        <p:nvCxnSpPr>
+          <p:cNvPr id="183" name="직선 화살표 연결선 182">
+            <a:extLst>
+              <a:ext uri="{FF2B5EF4-FFF2-40B4-BE49-F238E27FC236}">
+                <a16:creationId xmlns:a16="http://schemas.microsoft.com/office/drawing/2014/main" id="{F148E7F5-6A93-404B-BC00-DE924B325DF2}"/>
+              </a:ext>
+            </a:extLst>
+          </p:cNvPr>
+          <p:cNvCxnSpPr>
+            <a:cxnSpLocks/>
+            <a:stCxn id="120" idx="4"/>
+            <a:endCxn id="167" idx="0"/>
+          </p:cNvCxnSpPr>
+          <p:nvPr/>
+        </p:nvCxnSpPr>
+        <p:spPr>
+          <a:xfrm>
+            <a:off x="3994771" y="3076616"/>
+            <a:ext cx="0" cy="592185"/>
+          </a:xfrm>
+          <a:prstGeom prst="straightConnector1">
+            <a:avLst/>
+          </a:prstGeom>
+          <a:ln w="12700">
+            <a:solidFill>
+              <a:schemeClr val="tx1"/>
+            </a:solidFill>
+            <a:headEnd type="none" w="med" len="med"/>
+            <a:tailEnd type="arrow" w="med" len="med"/>
+          </a:ln>
+        </p:spPr>
+        <p:style>
+          <a:lnRef idx="1">
+            <a:schemeClr val="accent1"/>
+          </a:lnRef>
+          <a:fillRef idx="0">
+            <a:schemeClr val="accent1"/>
+          </a:fillRef>
+          <a:effectRef idx="0">
+            <a:schemeClr val="accent1"/>
+          </a:effectRef>
+          <a:fontRef idx="minor">
+            <a:schemeClr val="tx1"/>
+          </a:fontRef>
+        </p:style>
+      </p:cxnSp>
+      <p:cxnSp>
+        <p:nvCxnSpPr>
+          <p:cNvPr id="186" name="직선 화살표 연결선 185">
+            <a:extLst>
+              <a:ext uri="{FF2B5EF4-FFF2-40B4-BE49-F238E27FC236}">
+                <a16:creationId xmlns:a16="http://schemas.microsoft.com/office/drawing/2014/main" id="{FBEF9B9E-0EF1-4F25-943A-EE6EABF7C001}"/>
+              </a:ext>
+            </a:extLst>
+          </p:cNvPr>
+          <p:cNvCxnSpPr>
+            <a:cxnSpLocks/>
+            <a:stCxn id="167" idx="4"/>
+            <a:endCxn id="172" idx="0"/>
+          </p:cNvCxnSpPr>
+          <p:nvPr/>
+        </p:nvCxnSpPr>
+        <p:spPr>
+          <a:xfrm>
+            <a:off x="3994771" y="3890871"/>
+            <a:ext cx="0" cy="222070"/>
+          </a:xfrm>
+          <a:prstGeom prst="straightConnector1">
+            <a:avLst/>
+          </a:prstGeom>
+          <a:ln w="12700">
+            <a:solidFill>
+              <a:schemeClr val="tx1"/>
+            </a:solidFill>
+            <a:headEnd type="none" w="med" len="med"/>
+            <a:tailEnd type="arrow" w="med" len="med"/>
+          </a:ln>
+        </p:spPr>
+        <p:style>
+          <a:lnRef idx="1">
+            <a:schemeClr val="accent1"/>
+          </a:lnRef>
+          <a:fillRef idx="0">
+            <a:schemeClr val="accent1"/>
+          </a:fillRef>
+          <a:effectRef idx="0">
+            <a:schemeClr val="accent1"/>
+          </a:effectRef>
+          <a:fontRef idx="minor">
+            <a:schemeClr val="tx1"/>
+          </a:fontRef>
+        </p:style>
+      </p:cxnSp>
+      <p:sp>
+        <p:nvSpPr>
+          <p:cNvPr id="190" name="타원 189">
+            <a:extLst>
+              <a:ext uri="{FF2B5EF4-FFF2-40B4-BE49-F238E27FC236}">
+                <a16:creationId xmlns:a16="http://schemas.microsoft.com/office/drawing/2014/main" id="{07B6632B-377D-4A95-8168-9016B3D07827}"/>
+              </a:ext>
+            </a:extLst>
+          </p:cNvPr>
+          <p:cNvSpPr/>
+          <p:nvPr/>
+        </p:nvSpPr>
+        <p:spPr>
+          <a:xfrm>
+            <a:off x="2767597" y="4112939"/>
+            <a:ext cx="222070" cy="222070"/>
+          </a:xfrm>
+          <a:prstGeom prst="ellipse">
+            <a:avLst/>
+          </a:prstGeom>
+        </p:spPr>
+        <p:style>
+          <a:lnRef idx="2">
+            <a:schemeClr val="dk1"/>
+          </a:lnRef>
+          <a:fillRef idx="1">
+            <a:schemeClr val="lt1"/>
+          </a:fillRef>
+          <a:effectRef idx="0">
+            <a:schemeClr val="dk1"/>
+          </a:effectRef>
+          <a:fontRef idx="minor">
+            <a:schemeClr val="dk1"/>
+          </a:fontRef>
+        </p:style>
+        <p:txBody>
+          <a:bodyPr rtlCol="0" anchor="ctr"/>
+          <a:lstStyle/>
+          <a:p>
+            <a:pPr algn="ctr"/>
+            <a:endParaRPr lang="ko-KR" altLang="en-US" sz="1400"/>
+          </a:p>
+        </p:txBody>
+      </p:sp>
+      <p:cxnSp>
+        <p:nvCxnSpPr>
+          <p:cNvPr id="191" name="직선 화살표 연결선 190">
+            <a:extLst>
+              <a:ext uri="{FF2B5EF4-FFF2-40B4-BE49-F238E27FC236}">
+                <a16:creationId xmlns:a16="http://schemas.microsoft.com/office/drawing/2014/main" id="{9C74610C-7EDC-434A-9EB4-510E83C3E9C8}"/>
+              </a:ext>
+            </a:extLst>
+          </p:cNvPr>
+          <p:cNvCxnSpPr>
+            <a:cxnSpLocks/>
+            <a:stCxn id="167" idx="4"/>
+            <a:endCxn id="190" idx="0"/>
+          </p:cNvCxnSpPr>
+          <p:nvPr/>
+        </p:nvCxnSpPr>
+        <p:spPr>
+          <a:xfrm flipH="1">
+            <a:off x="2878632" y="3890871"/>
+            <a:ext cx="1116139" cy="222070"/>
+          </a:xfrm>
+          <a:prstGeom prst="straightConnector1">
+            <a:avLst/>
+          </a:prstGeom>
+          <a:ln w="12700">
+            <a:solidFill>
+              <a:schemeClr val="tx1"/>
+            </a:solidFill>
+            <a:headEnd type="none" w="med" len="med"/>
+            <a:tailEnd type="arrow" w="med" len="med"/>
+          </a:ln>
+        </p:spPr>
+        <p:style>
+          <a:lnRef idx="1">
+            <a:schemeClr val="accent1"/>
+          </a:lnRef>
+          <a:fillRef idx="0">
+            <a:schemeClr val="accent1"/>
+          </a:fillRef>
+          <a:effectRef idx="0">
+            <a:schemeClr val="accent1"/>
+          </a:effectRef>
+          <a:fontRef idx="minor">
+            <a:schemeClr val="tx1"/>
+          </a:fontRef>
+        </p:style>
+      </p:cxnSp>
+      <p:sp>
+        <p:nvSpPr>
+          <p:cNvPr id="196" name="타원 195">
+            <a:extLst>
+              <a:ext uri="{FF2B5EF4-FFF2-40B4-BE49-F238E27FC236}">
+                <a16:creationId xmlns:a16="http://schemas.microsoft.com/office/drawing/2014/main" id="{8D1B1B9E-6B02-43D6-9AF9-AB81CD883B4A}"/>
+              </a:ext>
+            </a:extLst>
+          </p:cNvPr>
+          <p:cNvSpPr/>
+          <p:nvPr/>
+        </p:nvSpPr>
+        <p:spPr>
+          <a:xfrm>
+            <a:off x="1651462" y="2843906"/>
+            <a:ext cx="222070" cy="222070"/>
+          </a:xfrm>
+          <a:prstGeom prst="ellipse">
+            <a:avLst/>
+          </a:prstGeom>
+        </p:spPr>
+        <p:style>
+          <a:lnRef idx="2">
+            <a:schemeClr val="dk1"/>
+          </a:lnRef>
+          <a:fillRef idx="1">
+            <a:schemeClr val="lt1"/>
+          </a:fillRef>
+          <a:effectRef idx="0">
+            <a:schemeClr val="dk1"/>
+          </a:effectRef>
+          <a:fontRef idx="minor">
+            <a:schemeClr val="dk1"/>
+          </a:fontRef>
+        </p:style>
+        <p:txBody>
+          <a:bodyPr rtlCol="0" anchor="ctr"/>
+          <a:lstStyle/>
+          <a:p>
+            <a:pPr algn="ctr"/>
+            <a:endParaRPr lang="ko-KR" altLang="en-US" sz="1400"/>
+          </a:p>
+        </p:txBody>
+      </p:sp>
+      <p:sp>
+        <p:nvSpPr>
+          <p:cNvPr id="197" name="타원 196">
+            <a:extLst>
+              <a:ext uri="{FF2B5EF4-FFF2-40B4-BE49-F238E27FC236}">
+                <a16:creationId xmlns:a16="http://schemas.microsoft.com/office/drawing/2014/main" id="{F521A94C-298B-49B2-80F9-A3626F5A153B}"/>
+              </a:ext>
+            </a:extLst>
+          </p:cNvPr>
+          <p:cNvSpPr/>
+          <p:nvPr/>
+        </p:nvSpPr>
+        <p:spPr>
+          <a:xfrm>
+            <a:off x="1651462" y="3236790"/>
+            <a:ext cx="222070" cy="222070"/>
+          </a:xfrm>
+          <a:prstGeom prst="ellipse">
+            <a:avLst/>
+          </a:prstGeom>
+        </p:spPr>
+        <p:style>
+          <a:lnRef idx="2">
+            <a:schemeClr val="dk1"/>
+          </a:lnRef>
+          <a:fillRef idx="1">
+            <a:schemeClr val="lt1"/>
+          </a:fillRef>
+          <a:effectRef idx="0">
+            <a:schemeClr val="dk1"/>
+          </a:effectRef>
+          <a:fontRef idx="minor">
+            <a:schemeClr val="dk1"/>
+          </a:fontRef>
+        </p:style>
+        <p:txBody>
+          <a:bodyPr rtlCol="0" anchor="ctr"/>
+          <a:lstStyle/>
+          <a:p>
+            <a:pPr algn="ctr"/>
+            <a:endParaRPr lang="ko-KR" altLang="en-US" sz="1400"/>
+          </a:p>
+        </p:txBody>
+      </p:sp>
+      <p:cxnSp>
+        <p:nvCxnSpPr>
+          <p:cNvPr id="198" name="직선 화살표 연결선 197">
+            <a:extLst>
+              <a:ext uri="{FF2B5EF4-FFF2-40B4-BE49-F238E27FC236}">
+                <a16:creationId xmlns:a16="http://schemas.microsoft.com/office/drawing/2014/main" id="{E796E86F-84F7-44DB-AB3C-E7791CADB557}"/>
+              </a:ext>
+            </a:extLst>
+          </p:cNvPr>
+          <p:cNvCxnSpPr>
+            <a:cxnSpLocks/>
+            <a:stCxn id="103" idx="4"/>
+            <a:endCxn id="196" idx="0"/>
+          </p:cNvCxnSpPr>
+          <p:nvPr/>
+        </p:nvCxnSpPr>
+        <p:spPr>
+          <a:xfrm>
+            <a:off x="1762496" y="2295627"/>
+            <a:ext cx="0" cy="548279"/>
+          </a:xfrm>
+          <a:prstGeom prst="straightConnector1">
+            <a:avLst/>
+          </a:prstGeom>
+          <a:ln w="12700">
+            <a:solidFill>
+              <a:schemeClr val="tx1"/>
+            </a:solidFill>
+            <a:headEnd type="none" w="med" len="med"/>
+            <a:tailEnd type="arrow" w="med" len="med"/>
+          </a:ln>
+        </p:spPr>
+        <p:style>
+          <a:lnRef idx="1">
+            <a:schemeClr val="accent1"/>
+          </a:lnRef>
+          <a:fillRef idx="0">
+            <a:schemeClr val="accent1"/>
+          </a:fillRef>
+          <a:effectRef idx="0">
+            <a:schemeClr val="accent1"/>
+          </a:effectRef>
+          <a:fontRef idx="minor">
+            <a:schemeClr val="tx1"/>
+          </a:fontRef>
+        </p:style>
+      </p:cxnSp>
+      <p:cxnSp>
+        <p:nvCxnSpPr>
+          <p:cNvPr id="201" name="직선 화살표 연결선 200">
+            <a:extLst>
+              <a:ext uri="{FF2B5EF4-FFF2-40B4-BE49-F238E27FC236}">
+                <a16:creationId xmlns:a16="http://schemas.microsoft.com/office/drawing/2014/main" id="{E0232D69-5149-412E-AD01-E1FA6CF2FCEF}"/>
+              </a:ext>
+            </a:extLst>
+          </p:cNvPr>
+          <p:cNvCxnSpPr>
+            <a:cxnSpLocks/>
+            <a:stCxn id="196" idx="4"/>
+            <a:endCxn id="197" idx="0"/>
+          </p:cNvCxnSpPr>
+          <p:nvPr/>
+        </p:nvCxnSpPr>
+        <p:spPr>
+          <a:xfrm>
+            <a:off x="1762496" y="3065975"/>
+            <a:ext cx="0" cy="170815"/>
+          </a:xfrm>
+          <a:prstGeom prst="straightConnector1">
+            <a:avLst/>
+          </a:prstGeom>
+          <a:ln w="12700">
+            <a:solidFill>
+              <a:schemeClr val="tx1"/>
+            </a:solidFill>
+            <a:headEnd type="none" w="med" len="med"/>
+            <a:tailEnd type="arrow" w="med" len="med"/>
+          </a:ln>
+        </p:spPr>
+        <p:style>
+          <a:lnRef idx="1">
+            <a:schemeClr val="accent1"/>
+          </a:lnRef>
+          <a:fillRef idx="0">
+            <a:schemeClr val="accent1"/>
+          </a:fillRef>
+          <a:effectRef idx="0">
+            <a:schemeClr val="accent1"/>
+          </a:effectRef>
+          <a:fontRef idx="minor">
+            <a:schemeClr val="tx1"/>
+          </a:fontRef>
+        </p:style>
+      </p:cxnSp>
+      <p:sp>
+        <p:nvSpPr>
+          <p:cNvPr id="205" name="타원 204">
+            <a:extLst>
+              <a:ext uri="{FF2B5EF4-FFF2-40B4-BE49-F238E27FC236}">
+                <a16:creationId xmlns:a16="http://schemas.microsoft.com/office/drawing/2014/main" id="{D70006AD-82BA-48F0-9A61-3572E03BE818}"/>
+              </a:ext>
+            </a:extLst>
+          </p:cNvPr>
+          <p:cNvSpPr/>
+          <p:nvPr/>
+        </p:nvSpPr>
+        <p:spPr>
+          <a:xfrm>
+            <a:off x="1651462" y="4483056"/>
+            <a:ext cx="222070" cy="222070"/>
+          </a:xfrm>
+          <a:prstGeom prst="ellipse">
+            <a:avLst/>
+          </a:prstGeom>
+        </p:spPr>
+        <p:style>
+          <a:lnRef idx="2">
+            <a:schemeClr val="dk1"/>
+          </a:lnRef>
+          <a:fillRef idx="1">
+            <a:schemeClr val="lt1"/>
+          </a:fillRef>
+          <a:effectRef idx="0">
+            <a:schemeClr val="dk1"/>
+          </a:effectRef>
+          <a:fontRef idx="minor">
+            <a:schemeClr val="dk1"/>
+          </a:fontRef>
+        </p:style>
+        <p:txBody>
+          <a:bodyPr rtlCol="0" anchor="ctr"/>
+          <a:lstStyle/>
+          <a:p>
+            <a:pPr algn="ctr"/>
+            <a:endParaRPr lang="ko-KR" altLang="en-US" sz="1400"/>
+          </a:p>
+        </p:txBody>
+      </p:sp>
+      <p:sp>
+        <p:nvSpPr>
+          <p:cNvPr id="207" name="타원 206">
+            <a:extLst>
+              <a:ext uri="{FF2B5EF4-FFF2-40B4-BE49-F238E27FC236}">
+                <a16:creationId xmlns:a16="http://schemas.microsoft.com/office/drawing/2014/main" id="{40C599BA-39A9-4D2C-BC94-DF83F7699472}"/>
+              </a:ext>
+            </a:extLst>
+          </p:cNvPr>
+          <p:cNvSpPr/>
+          <p:nvPr/>
+        </p:nvSpPr>
+        <p:spPr>
+          <a:xfrm>
+            <a:off x="2767597" y="4483056"/>
+            <a:ext cx="222070" cy="222070"/>
+          </a:xfrm>
+          <a:prstGeom prst="ellipse">
+            <a:avLst/>
+          </a:prstGeom>
+        </p:spPr>
+        <p:style>
+          <a:lnRef idx="2">
+            <a:schemeClr val="dk1"/>
+          </a:lnRef>
+          <a:fillRef idx="1">
+            <a:schemeClr val="lt1"/>
+          </a:fillRef>
+          <a:effectRef idx="0">
+            <a:schemeClr val="dk1"/>
+          </a:effectRef>
+          <a:fontRef idx="minor">
+            <a:schemeClr val="dk1"/>
+          </a:fontRef>
+        </p:style>
+        <p:txBody>
+          <a:bodyPr rtlCol="0" anchor="ctr"/>
+          <a:lstStyle/>
+          <a:p>
+            <a:pPr algn="ctr"/>
+            <a:endParaRPr lang="ko-KR" altLang="en-US" sz="1400"/>
+          </a:p>
+        </p:txBody>
+      </p:sp>
+      <p:cxnSp>
+        <p:nvCxnSpPr>
+          <p:cNvPr id="208" name="직선 화살표 연결선 207">
+            <a:extLst>
+              <a:ext uri="{FF2B5EF4-FFF2-40B4-BE49-F238E27FC236}">
+                <a16:creationId xmlns:a16="http://schemas.microsoft.com/office/drawing/2014/main" id="{3B0FDC21-ECE5-417E-9C7B-F5E2D8E4D60A}"/>
+              </a:ext>
+            </a:extLst>
+          </p:cNvPr>
+          <p:cNvCxnSpPr>
+            <a:cxnSpLocks/>
+            <a:stCxn id="207" idx="4"/>
+            <a:endCxn id="212" idx="0"/>
+          </p:cNvCxnSpPr>
+          <p:nvPr/>
+        </p:nvCxnSpPr>
+        <p:spPr>
+          <a:xfrm>
+            <a:off x="2878632" y="4705125"/>
+            <a:ext cx="1116139" cy="181572"/>
+          </a:xfrm>
+          <a:prstGeom prst="straightConnector1">
+            <a:avLst/>
+          </a:prstGeom>
+          <a:ln w="12700">
+            <a:solidFill>
+              <a:schemeClr val="tx1"/>
+            </a:solidFill>
+            <a:headEnd type="none" w="med" len="med"/>
+            <a:tailEnd type="arrow" w="med" len="med"/>
+          </a:ln>
+        </p:spPr>
+        <p:style>
+          <a:lnRef idx="1">
+            <a:schemeClr val="accent1"/>
+          </a:lnRef>
+          <a:fillRef idx="0">
+            <a:schemeClr val="accent1"/>
+          </a:fillRef>
+          <a:effectRef idx="0">
+            <a:schemeClr val="accent1"/>
+          </a:effectRef>
+          <a:fontRef idx="minor">
+            <a:schemeClr val="tx1"/>
+          </a:fontRef>
+        </p:style>
+      </p:cxnSp>
+      <p:sp>
+        <p:nvSpPr>
+          <p:cNvPr id="212" name="타원 211">
+            <a:extLst>
+              <a:ext uri="{FF2B5EF4-FFF2-40B4-BE49-F238E27FC236}">
+                <a16:creationId xmlns:a16="http://schemas.microsoft.com/office/drawing/2014/main" id="{FDD89876-6158-4B03-9874-570F0A585B76}"/>
+              </a:ext>
+            </a:extLst>
+          </p:cNvPr>
+          <p:cNvSpPr/>
+          <p:nvPr/>
+        </p:nvSpPr>
+        <p:spPr>
+          <a:xfrm>
+            <a:off x="3883736" y="4886697"/>
+            <a:ext cx="222070" cy="222070"/>
+          </a:xfrm>
+          <a:prstGeom prst="ellipse">
+            <a:avLst/>
+          </a:prstGeom>
+        </p:spPr>
+        <p:style>
+          <a:lnRef idx="2">
+            <a:schemeClr val="dk1"/>
+          </a:lnRef>
+          <a:fillRef idx="1">
+            <a:schemeClr val="lt1"/>
+          </a:fillRef>
+          <a:effectRef idx="0">
+            <a:schemeClr val="dk1"/>
+          </a:effectRef>
+          <a:fontRef idx="minor">
+            <a:schemeClr val="dk1"/>
+          </a:fontRef>
+        </p:style>
+        <p:txBody>
+          <a:bodyPr rtlCol="0" anchor="ctr"/>
+          <a:lstStyle/>
+          <a:p>
+            <a:pPr algn="ctr"/>
+            <a:endParaRPr lang="ko-KR" altLang="en-US" sz="1400"/>
+          </a:p>
+        </p:txBody>
+      </p:sp>
+      <p:cxnSp>
+        <p:nvCxnSpPr>
+          <p:cNvPr id="213" name="직선 화살표 연결선 212">
+            <a:extLst>
+              <a:ext uri="{FF2B5EF4-FFF2-40B4-BE49-F238E27FC236}">
+                <a16:creationId xmlns:a16="http://schemas.microsoft.com/office/drawing/2014/main" id="{20F6ABC3-D16B-404D-ABA2-1A2922FCC61A}"/>
+              </a:ext>
+            </a:extLst>
+          </p:cNvPr>
+          <p:cNvCxnSpPr>
+            <a:cxnSpLocks/>
+            <a:stCxn id="172" idx="4"/>
+            <a:endCxn id="212" idx="0"/>
+          </p:cNvCxnSpPr>
+          <p:nvPr/>
+        </p:nvCxnSpPr>
+        <p:spPr>
+          <a:xfrm>
+            <a:off x="3994771" y="4335010"/>
+            <a:ext cx="0" cy="551687"/>
+          </a:xfrm>
+          <a:prstGeom prst="straightConnector1">
+            <a:avLst/>
+          </a:prstGeom>
+          <a:ln w="12700">
+            <a:solidFill>
+              <a:schemeClr val="tx1"/>
+            </a:solidFill>
+            <a:headEnd type="none" w="med" len="med"/>
+            <a:tailEnd type="arrow" w="med" len="med"/>
+          </a:ln>
+        </p:spPr>
+        <p:style>
+          <a:lnRef idx="1">
+            <a:schemeClr val="accent1"/>
+          </a:lnRef>
+          <a:fillRef idx="0">
+            <a:schemeClr val="accent1"/>
+          </a:fillRef>
+          <a:effectRef idx="0">
+            <a:schemeClr val="accent1"/>
+          </a:effectRef>
+          <a:fontRef idx="minor">
+            <a:schemeClr val="tx1"/>
+          </a:fontRef>
+        </p:style>
+      </p:cxnSp>
+      <p:cxnSp>
+        <p:nvCxnSpPr>
+          <p:cNvPr id="222" name="직선 화살표 연결선 221">
+            <a:extLst>
+              <a:ext uri="{FF2B5EF4-FFF2-40B4-BE49-F238E27FC236}">
+                <a16:creationId xmlns:a16="http://schemas.microsoft.com/office/drawing/2014/main" id="{68A266A6-60E5-4764-B5D5-D3E2E4BDF8F2}"/>
+              </a:ext>
+            </a:extLst>
+          </p:cNvPr>
+          <p:cNvCxnSpPr>
+            <a:cxnSpLocks/>
+            <a:stCxn id="205" idx="4"/>
+            <a:endCxn id="226" idx="0"/>
+          </p:cNvCxnSpPr>
+          <p:nvPr/>
+        </p:nvCxnSpPr>
+        <p:spPr>
+          <a:xfrm>
+            <a:off x="1762497" y="4705125"/>
+            <a:ext cx="2232275" cy="593674"/>
+          </a:xfrm>
+          <a:prstGeom prst="straightConnector1">
+            <a:avLst/>
+          </a:prstGeom>
+          <a:ln w="12700">
+            <a:solidFill>
+              <a:schemeClr val="tx1"/>
+            </a:solidFill>
+            <a:headEnd type="none" w="med" len="med"/>
+            <a:tailEnd type="arrow" w="med" len="med"/>
+          </a:ln>
+        </p:spPr>
+        <p:style>
+          <a:lnRef idx="1">
+            <a:schemeClr val="accent1"/>
+          </a:lnRef>
+          <a:fillRef idx="0">
+            <a:schemeClr val="accent1"/>
+          </a:fillRef>
+          <a:effectRef idx="0">
+            <a:schemeClr val="accent1"/>
+          </a:effectRef>
+          <a:fontRef idx="minor">
+            <a:schemeClr val="tx1"/>
+          </a:fontRef>
+        </p:style>
+      </p:cxnSp>
+      <p:sp>
+        <p:nvSpPr>
+          <p:cNvPr id="226" name="타원 225">
+            <a:extLst>
+              <a:ext uri="{FF2B5EF4-FFF2-40B4-BE49-F238E27FC236}">
+                <a16:creationId xmlns:a16="http://schemas.microsoft.com/office/drawing/2014/main" id="{77BB8877-49A7-4FBB-9E3F-D81663BF46DE}"/>
+              </a:ext>
+            </a:extLst>
+          </p:cNvPr>
+          <p:cNvSpPr/>
+          <p:nvPr/>
+        </p:nvSpPr>
+        <p:spPr>
+          <a:xfrm>
+            <a:off x="3883736" y="5298799"/>
+            <a:ext cx="222070" cy="222070"/>
+          </a:xfrm>
+          <a:prstGeom prst="ellipse">
+            <a:avLst/>
+          </a:prstGeom>
+        </p:spPr>
+        <p:style>
+          <a:lnRef idx="2">
+            <a:schemeClr val="dk1"/>
+          </a:lnRef>
+          <a:fillRef idx="1">
+            <a:schemeClr val="lt1"/>
+          </a:fillRef>
+          <a:effectRef idx="0">
+            <a:schemeClr val="dk1"/>
+          </a:effectRef>
+          <a:fontRef idx="minor">
+            <a:schemeClr val="dk1"/>
+          </a:fontRef>
+        </p:style>
+        <p:txBody>
+          <a:bodyPr rtlCol="0" anchor="ctr"/>
+          <a:lstStyle/>
+          <a:p>
+            <a:pPr algn="ctr"/>
+            <a:endParaRPr lang="ko-KR" altLang="en-US" sz="1400"/>
+          </a:p>
+        </p:txBody>
+      </p:sp>
+      <p:cxnSp>
+        <p:nvCxnSpPr>
+          <p:cNvPr id="228" name="직선 화살표 연결선 227">
+            <a:extLst>
+              <a:ext uri="{FF2B5EF4-FFF2-40B4-BE49-F238E27FC236}">
+                <a16:creationId xmlns:a16="http://schemas.microsoft.com/office/drawing/2014/main" id="{52A7D7C1-D561-4AB3-AAD5-79A20425A655}"/>
+              </a:ext>
+            </a:extLst>
+          </p:cNvPr>
+          <p:cNvCxnSpPr>
+            <a:cxnSpLocks/>
+            <a:stCxn id="190" idx="4"/>
+            <a:endCxn id="207" idx="0"/>
+          </p:cNvCxnSpPr>
+          <p:nvPr/>
+        </p:nvCxnSpPr>
+        <p:spPr>
+          <a:xfrm>
+            <a:off x="2878632" y="4335009"/>
+            <a:ext cx="0" cy="148047"/>
+          </a:xfrm>
+          <a:prstGeom prst="straightConnector1">
+            <a:avLst/>
+          </a:prstGeom>
+          <a:ln w="12700">
+            <a:solidFill>
+              <a:schemeClr val="tx1"/>
+            </a:solidFill>
+            <a:headEnd type="none" w="med" len="med"/>
+            <a:tailEnd type="arrow" w="med" len="med"/>
+          </a:ln>
+        </p:spPr>
+        <p:style>
+          <a:lnRef idx="1">
+            <a:schemeClr val="accent1"/>
+          </a:lnRef>
+          <a:fillRef idx="0">
+            <a:schemeClr val="accent1"/>
+          </a:fillRef>
+          <a:effectRef idx="0">
+            <a:schemeClr val="accent1"/>
+          </a:effectRef>
+          <a:fontRef idx="minor">
+            <a:schemeClr val="tx1"/>
+          </a:fontRef>
+        </p:style>
+      </p:cxnSp>
+      <p:cxnSp>
+        <p:nvCxnSpPr>
+          <p:cNvPr id="231" name="직선 화살표 연결선 230">
+            <a:extLst>
+              <a:ext uri="{FF2B5EF4-FFF2-40B4-BE49-F238E27FC236}">
+                <a16:creationId xmlns:a16="http://schemas.microsoft.com/office/drawing/2014/main" id="{69746B25-48BE-4A8D-9FFF-B84BCF5FBDB2}"/>
+              </a:ext>
+            </a:extLst>
+          </p:cNvPr>
+          <p:cNvCxnSpPr>
+            <a:cxnSpLocks/>
+            <a:stCxn id="197" idx="4"/>
+            <a:endCxn id="205" idx="0"/>
+          </p:cNvCxnSpPr>
+          <p:nvPr/>
+        </p:nvCxnSpPr>
+        <p:spPr>
+          <a:xfrm>
+            <a:off x="1762496" y="3458859"/>
+            <a:ext cx="0" cy="1024196"/>
+          </a:xfrm>
+          <a:prstGeom prst="straightConnector1">
+            <a:avLst/>
+          </a:prstGeom>
+          <a:ln w="12700">
+            <a:solidFill>
+              <a:schemeClr val="tx1"/>
+            </a:solidFill>
+            <a:headEnd type="none" w="med" len="med"/>
+            <a:tailEnd type="arrow" w="med" len="med"/>
+          </a:ln>
+        </p:spPr>
+        <p:style>
+          <a:lnRef idx="1">
+            <a:schemeClr val="accent1"/>
+          </a:lnRef>
+          <a:fillRef idx="0">
+            <a:schemeClr val="accent1"/>
+          </a:fillRef>
+          <a:effectRef idx="0">
+            <a:schemeClr val="accent1"/>
+          </a:effectRef>
+          <a:fontRef idx="minor">
+            <a:schemeClr val="tx1"/>
+          </a:fontRef>
+        </p:style>
+      </p:cxnSp>
+      <p:sp>
+        <p:nvSpPr>
+          <p:cNvPr id="245" name="타원 244">
+            <a:extLst>
+              <a:ext uri="{FF2B5EF4-FFF2-40B4-BE49-F238E27FC236}">
+                <a16:creationId xmlns:a16="http://schemas.microsoft.com/office/drawing/2014/main" id="{27B8E190-F25A-4275-AAC0-17468EB5C82B}"/>
+              </a:ext>
+            </a:extLst>
+          </p:cNvPr>
+          <p:cNvSpPr/>
+          <p:nvPr/>
+        </p:nvSpPr>
+        <p:spPr>
+          <a:xfrm>
+            <a:off x="7217676" y="6239873"/>
+            <a:ext cx="222070" cy="222070"/>
+          </a:xfrm>
+          <a:prstGeom prst="ellipse">
+            <a:avLst/>
+          </a:prstGeom>
+        </p:spPr>
+        <p:style>
+          <a:lnRef idx="2">
+            <a:schemeClr val="dk1"/>
+          </a:lnRef>
+          <a:fillRef idx="1">
+            <a:schemeClr val="lt1"/>
+          </a:fillRef>
+          <a:effectRef idx="0">
+            <a:schemeClr val="dk1"/>
+          </a:effectRef>
+          <a:fontRef idx="minor">
+            <a:schemeClr val="dk1"/>
+          </a:fontRef>
+        </p:style>
+        <p:txBody>
+          <a:bodyPr rtlCol="0" anchor="ctr"/>
+          <a:lstStyle/>
+          <a:p>
+            <a:pPr algn="ctr"/>
+            <a:endParaRPr lang="ko-KR" altLang="en-US" sz="1400"/>
+          </a:p>
+        </p:txBody>
+      </p:sp>
+      <p:sp>
+        <p:nvSpPr>
+          <p:cNvPr id="261" name="타원 260">
+            <a:extLst>
+              <a:ext uri="{FF2B5EF4-FFF2-40B4-BE49-F238E27FC236}">
+                <a16:creationId xmlns:a16="http://schemas.microsoft.com/office/drawing/2014/main" id="{E81991B5-921A-49F9-879A-201776A6DECF}"/>
+              </a:ext>
+            </a:extLst>
+          </p:cNvPr>
+          <p:cNvSpPr/>
+          <p:nvPr/>
+        </p:nvSpPr>
+        <p:spPr>
+          <a:xfrm>
+            <a:off x="4995048" y="5742541"/>
+            <a:ext cx="222070" cy="222070"/>
+          </a:xfrm>
+          <a:prstGeom prst="ellipse">
+            <a:avLst/>
+          </a:prstGeom>
+        </p:spPr>
+        <p:style>
+          <a:lnRef idx="2">
+            <a:schemeClr val="dk1"/>
+          </a:lnRef>
+          <a:fillRef idx="1">
+            <a:schemeClr val="lt1"/>
+          </a:fillRef>
+          <a:effectRef idx="0">
+            <a:schemeClr val="dk1"/>
+          </a:effectRef>
+          <a:fontRef idx="minor">
+            <a:schemeClr val="dk1"/>
+          </a:fontRef>
+        </p:style>
+        <p:txBody>
+          <a:bodyPr rtlCol="0" anchor="ctr"/>
+          <a:lstStyle/>
+          <a:p>
+            <a:pPr algn="ctr"/>
+            <a:endParaRPr lang="ko-KR" altLang="en-US" sz="1400"/>
+          </a:p>
+        </p:txBody>
+      </p:sp>
+      <p:cxnSp>
+        <p:nvCxnSpPr>
+          <p:cNvPr id="262" name="직선 화살표 연결선 261">
+            <a:extLst>
+              <a:ext uri="{FF2B5EF4-FFF2-40B4-BE49-F238E27FC236}">
+                <a16:creationId xmlns:a16="http://schemas.microsoft.com/office/drawing/2014/main" id="{7A07F99E-65B7-4D88-BE92-C191170BFF64}"/>
+              </a:ext>
+            </a:extLst>
+          </p:cNvPr>
+          <p:cNvCxnSpPr>
+            <a:cxnSpLocks/>
+            <a:stCxn id="226" idx="4"/>
+            <a:endCxn id="261" idx="0"/>
+          </p:cNvCxnSpPr>
+          <p:nvPr/>
+        </p:nvCxnSpPr>
+        <p:spPr>
+          <a:xfrm>
+            <a:off x="3994771" y="5520869"/>
+            <a:ext cx="1111312" cy="221672"/>
+          </a:xfrm>
+          <a:prstGeom prst="straightConnector1">
+            <a:avLst/>
+          </a:prstGeom>
+          <a:ln w="12700">
+            <a:solidFill>
+              <a:schemeClr val="tx1"/>
+            </a:solidFill>
+            <a:headEnd type="none" w="med" len="med"/>
+            <a:tailEnd type="arrow" w="med" len="med"/>
+          </a:ln>
+        </p:spPr>
+        <p:style>
+          <a:lnRef idx="1">
+            <a:schemeClr val="accent1"/>
+          </a:lnRef>
+          <a:fillRef idx="0">
+            <a:schemeClr val="accent1"/>
+          </a:fillRef>
+          <a:effectRef idx="0">
+            <a:schemeClr val="accent1"/>
+          </a:effectRef>
+          <a:fontRef idx="minor">
+            <a:schemeClr val="tx1"/>
+          </a:fontRef>
+        </p:style>
+      </p:cxnSp>
+      <p:cxnSp>
+        <p:nvCxnSpPr>
+          <p:cNvPr id="281" name="직선 화살표 연결선 280">
+            <a:extLst>
+              <a:ext uri="{FF2B5EF4-FFF2-40B4-BE49-F238E27FC236}">
+                <a16:creationId xmlns:a16="http://schemas.microsoft.com/office/drawing/2014/main" id="{586F6A50-E8F4-4C95-990E-281212212BCC}"/>
+              </a:ext>
+            </a:extLst>
+          </p:cNvPr>
+          <p:cNvCxnSpPr>
+            <a:cxnSpLocks/>
+            <a:stCxn id="261" idx="4"/>
+            <a:endCxn id="245" idx="0"/>
+          </p:cNvCxnSpPr>
+          <p:nvPr/>
+        </p:nvCxnSpPr>
+        <p:spPr>
+          <a:xfrm>
+            <a:off x="5106083" y="5964611"/>
+            <a:ext cx="2222628" cy="275262"/>
+          </a:xfrm>
+          <a:prstGeom prst="straightConnector1">
+            <a:avLst/>
+          </a:prstGeom>
+          <a:ln w="12700">
+            <a:solidFill>
+              <a:schemeClr val="tx1"/>
+            </a:solidFill>
+            <a:headEnd type="none" w="med" len="med"/>
+            <a:tailEnd type="arrow" w="med" len="med"/>
+          </a:ln>
+        </p:spPr>
+        <p:style>
+          <a:lnRef idx="1">
+            <a:schemeClr val="accent1"/>
+          </a:lnRef>
+          <a:fillRef idx="0">
+            <a:schemeClr val="accent1"/>
+          </a:fillRef>
+          <a:effectRef idx="0">
+            <a:schemeClr val="accent1"/>
+          </a:effectRef>
+          <a:fontRef idx="minor">
+            <a:schemeClr val="tx1"/>
+          </a:fontRef>
+        </p:style>
+      </p:cxnSp>
       <p:sp>
         <p:nvSpPr>
           <p:cNvPr id="286" name="TextBox 285">
@@ -6555,10 +11025,49 @@
           </a:p>
         </p:txBody>
       </p:sp>
+      <p:cxnSp>
+        <p:nvCxnSpPr>
+          <p:cNvPr id="75" name="직선 연결선 74">
+            <a:extLst>
+              <a:ext uri="{FF2B5EF4-FFF2-40B4-BE49-F238E27FC236}">
+                <a16:creationId xmlns:a16="http://schemas.microsoft.com/office/drawing/2014/main" id="{493C85C3-F266-49D9-9DA5-EEC94304B9D3}"/>
+              </a:ext>
+            </a:extLst>
+          </p:cNvPr>
+          <p:cNvCxnSpPr>
+            <a:cxnSpLocks/>
+          </p:cNvCxnSpPr>
+          <p:nvPr/>
+        </p:nvCxnSpPr>
+        <p:spPr>
+          <a:xfrm>
+            <a:off x="179512" y="6605959"/>
+            <a:ext cx="360040" cy="0"/>
+          </a:xfrm>
+          <a:prstGeom prst="line">
+            <a:avLst/>
+          </a:prstGeom>
+          <a:ln w="19050"/>
+        </p:spPr>
+        <p:style>
+          <a:lnRef idx="1">
+            <a:schemeClr val="dk1"/>
+          </a:lnRef>
+          <a:fillRef idx="0">
+            <a:schemeClr val="dk1"/>
+          </a:fillRef>
+          <a:effectRef idx="0">
+            <a:schemeClr val="dk1"/>
+          </a:effectRef>
+          <a:fontRef idx="minor">
+            <a:schemeClr val="tx1"/>
+          </a:fontRef>
+        </p:style>
+      </p:cxnSp>
     </p:spTree>
     <p:extLst>
       <p:ext uri="{BB962C8B-B14F-4D97-AF65-F5344CB8AC3E}">
-        <p14:creationId xmlns:p14="http://schemas.microsoft.com/office/powerpoint/2010/main" val="2411330294"/>
+        <p14:creationId xmlns:p14="http://schemas.microsoft.com/office/powerpoint/2010/main" val="2898258175"/>
       </p:ext>
     </p:extLst>
   </p:cSld>
